--- a/Session_6_Spring_Security.pptx
+++ b/Session_6_Spring_Security.pptx
@@ -6,16 +6,20 @@
     <p:sldMasterId id="2147484106" r:id="rId2"/>
   </p:sldMasterIdLst>
   <p:notesMasterIdLst>
-    <p:notesMasterId r:id="rId7"/>
+    <p:notesMasterId r:id="rId11"/>
   </p:notesMasterIdLst>
   <p:handoutMasterIdLst>
-    <p:handoutMasterId r:id="rId8"/>
+    <p:handoutMasterId r:id="rId12"/>
   </p:handoutMasterIdLst>
   <p:sldIdLst>
     <p:sldId id="601" r:id="rId3"/>
-    <p:sldId id="661" r:id="rId4"/>
-    <p:sldId id="660" r:id="rId5"/>
-    <p:sldId id="639" r:id="rId6"/>
+    <p:sldId id="662" r:id="rId4"/>
+    <p:sldId id="665" r:id="rId5"/>
+    <p:sldId id="663" r:id="rId6"/>
+    <p:sldId id="664" r:id="rId7"/>
+    <p:sldId id="666" r:id="rId8"/>
+    <p:sldId id="667" r:id="rId9"/>
+    <p:sldId id="639" r:id="rId10"/>
   </p:sldIdLst>
   <p:sldSz cx="9144000" cy="5143500" type="screen16x9"/>
   <p:notesSz cx="6858000" cy="9144000"/>
@@ -120,8 +124,12 @@
         <p14:section name="Default Section" id="{84078F7F-26D9-5349-8465-DE81DE4A8EAD}">
           <p14:sldIdLst>
             <p14:sldId id="601"/>
-            <p14:sldId id="661"/>
-            <p14:sldId id="660"/>
+            <p14:sldId id="662"/>
+            <p14:sldId id="665"/>
+            <p14:sldId id="663"/>
+            <p14:sldId id="664"/>
+            <p14:sldId id="666"/>
+            <p14:sldId id="667"/>
             <p14:sldId id="639"/>
           </p14:sldIdLst>
         </p14:section>
@@ -213,7 +221,7 @@
           <a:p>
             <a:fld id="{8B8A6F38-38DF-DE40-AB66-462ED217F8DB}" type="datetimeFigureOut">
               <a:rPr lang="en-US" smtClean="0"/>
-              <a:t>9/19/16</a:t>
+              <a:t>9/26/16</a:t>
             </a:fld>
             <a:endParaRPr lang="en-US"/>
           </a:p>
@@ -379,7 +387,7 @@
           <a:p>
             <a:fld id="{B72AF78E-2479-8240-A539-D96ACB7BCA91}" type="datetimeFigureOut">
               <a:rPr lang="en-US" smtClean="0"/>
-              <a:t>9/19/16</a:t>
+              <a:t>9/26/16</a:t>
             </a:fld>
             <a:endParaRPr lang="en-US"/>
           </a:p>
@@ -776,11 +784,11 @@
 </file>
 
 <file path=ppt/notesSlides/notesSlide2.xml><?xml version="1.0" encoding="utf-8"?>
-<p:notes xmlns:a="http://schemas.openxmlformats.org/drawingml/2006/main" xmlns:r="http://schemas.openxmlformats.org/officeDocument/2006/relationships" xmlns:p="http://schemas.openxmlformats.org/presentationml/2006/main" showMasterSp="0" showMasterPhAnim="0">
+<p:notes xmlns:a="http://schemas.openxmlformats.org/drawingml/2006/main" xmlns:r="http://schemas.openxmlformats.org/officeDocument/2006/relationships" xmlns:p="http://schemas.openxmlformats.org/presentationml/2006/main">
   <p:cSld>
     <p:spTree>
       <p:nvGrpSpPr>
-        <p:cNvPr id="1" name="Shape 197"/>
+        <p:cNvPr id="1" name=""/>
         <p:cNvGrpSpPr/>
         <p:nvPr/>
       </p:nvGrpSpPr>
@@ -794,85 +802,64 @@
       </p:grpSpPr>
       <p:sp>
         <p:nvSpPr>
-          <p:cNvPr id="198" name="Shape 198"/>
-          <p:cNvSpPr txBox="1">
+          <p:cNvPr id="2" name="Slide Image Placeholder 1"/>
+          <p:cNvSpPr>
+            <a:spLocks noGrp="1" noRot="1" noChangeAspect="1"/>
+          </p:cNvSpPr>
+          <p:nvPr>
+            <p:ph type="sldImg"/>
+          </p:nvPr>
+        </p:nvSpPr>
+        <p:spPr/>
+      </p:sp>
+      <p:sp>
+        <p:nvSpPr>
+          <p:cNvPr id="3" name="Notes Placeholder 2"/>
+          <p:cNvSpPr>
             <a:spLocks noGrp="1"/>
           </p:cNvSpPr>
           <p:nvPr>
             <p:ph type="body" idx="1"/>
           </p:nvPr>
         </p:nvSpPr>
-        <p:spPr>
-          <a:xfrm>
-            <a:off x="295171" y="2972431"/>
-            <a:ext cx="6267659" cy="5793719"/>
-          </a:xfrm>
-          <a:prstGeom prst="rect">
-            <a:avLst/>
-          </a:prstGeom>
-        </p:spPr>
+        <p:spPr/>
         <p:txBody>
-          <a:bodyPr lIns="90548" tIns="90548" rIns="90548" bIns="90548" anchor="t" anchorCtr="0">
-            <a:noAutofit/>
-          </a:bodyPr>
+          <a:bodyPr/>
           <a:lstStyle/>
           <a:p>
-            <a:endParaRPr dirty="0"/>
+            <a:endParaRPr lang="en-US" dirty="0"/>
           </a:p>
         </p:txBody>
       </p:sp>
       <p:sp>
         <p:nvSpPr>
-          <p:cNvPr id="199" name="Shape 199"/>
+          <p:cNvPr id="4" name="Slide Number Placeholder 3"/>
           <p:cNvSpPr>
-            <a:spLocks noGrp="1" noRot="1" noChangeAspect="1"/>
+            <a:spLocks noGrp="1"/>
           </p:cNvSpPr>
           <p:nvPr>
-            <p:ph type="sldImg" idx="2"/>
+            <p:ph type="sldNum" sz="quarter" idx="10"/>
           </p:nvPr>
         </p:nvSpPr>
-        <p:spPr>
-          <a:xfrm>
-            <a:off x="1606550" y="685800"/>
-            <a:ext cx="3702050" cy="2082800"/>
-          </a:xfrm>
-          <a:custGeom>
-            <a:avLst/>
-            <a:gdLst/>
-            <a:ahLst/>
-            <a:cxnLst/>
-            <a:rect l="0" t="0" r="0" b="0"/>
-            <a:pathLst>
-              <a:path w="120000" h="120000" extrusionOk="0">
-                <a:moveTo>
-                  <a:pt x="0" y="0"/>
-                </a:moveTo>
-                <a:lnTo>
-                  <a:pt x="120000" y="0"/>
-                </a:lnTo>
-                <a:lnTo>
-                  <a:pt x="120000" y="120000"/>
-                </a:lnTo>
-                <a:lnTo>
-                  <a:pt x="0" y="120000"/>
-                </a:lnTo>
-                <a:close/>
-              </a:path>
-            </a:pathLst>
-          </a:custGeom>
-          <a:noFill/>
-          <a:ln w="9525" cap="flat" cmpd="sng">
-            <a:solidFill>
-              <a:srgbClr val="000000"/>
-            </a:solidFill>
-            <a:prstDash val="solid"/>
-            <a:round/>
-            <a:headEnd type="none" w="med" len="med"/>
-            <a:tailEnd type="none" w="med" len="med"/>
-          </a:ln>
-        </p:spPr>
+        <p:spPr/>
+        <p:txBody>
+          <a:bodyPr/>
+          <a:lstStyle/>
+          <a:p>
+            <a:fld id="{19B87A38-3CEC-41F8-9B8A-7D549F200228}" type="slidenum">
+              <a:rPr lang="en-US" smtClean="0"/>
+              <a:t>2</a:t>
+            </a:fld>
+            <a:endParaRPr lang="en-US" dirty="0"/>
+          </a:p>
+        </p:txBody>
       </p:sp>
     </p:spTree>
+    <p:extLst>
+      <p:ext uri="{BB962C8B-B14F-4D97-AF65-F5344CB8AC3E}">
+        <p14:creationId xmlns:p14="http://schemas.microsoft.com/office/powerpoint/2010/main" val="4288609631"/>
+      </p:ext>
+    </p:extLst>
   </p:cSld>
   <p:clrMapOvr>
     <a:masterClrMapping/>
@@ -881,11 +868,11 @@
 </file>
 
 <file path=ppt/notesSlides/notesSlide3.xml><?xml version="1.0" encoding="utf-8"?>
-<p:notes xmlns:a="http://schemas.openxmlformats.org/drawingml/2006/main" xmlns:r="http://schemas.openxmlformats.org/officeDocument/2006/relationships" xmlns:p="http://schemas.openxmlformats.org/presentationml/2006/main" showMasterSp="0" showMasterPhAnim="0">
+<p:notes xmlns:a="http://schemas.openxmlformats.org/drawingml/2006/main" xmlns:r="http://schemas.openxmlformats.org/officeDocument/2006/relationships" xmlns:p="http://schemas.openxmlformats.org/presentationml/2006/main">
   <p:cSld>
     <p:spTree>
       <p:nvGrpSpPr>
-        <p:cNvPr id="1" name="Shape 197"/>
+        <p:cNvPr id="1" name=""/>
         <p:cNvGrpSpPr/>
         <p:nvPr/>
       </p:nvGrpSpPr>
@@ -899,85 +886,64 @@
       </p:grpSpPr>
       <p:sp>
         <p:nvSpPr>
-          <p:cNvPr id="198" name="Shape 198"/>
-          <p:cNvSpPr txBox="1">
+          <p:cNvPr id="2" name="Slide Image Placeholder 1"/>
+          <p:cNvSpPr>
+            <a:spLocks noGrp="1" noRot="1" noChangeAspect="1"/>
+          </p:cNvSpPr>
+          <p:nvPr>
+            <p:ph type="sldImg"/>
+          </p:nvPr>
+        </p:nvSpPr>
+        <p:spPr/>
+      </p:sp>
+      <p:sp>
+        <p:nvSpPr>
+          <p:cNvPr id="3" name="Notes Placeholder 2"/>
+          <p:cNvSpPr>
             <a:spLocks noGrp="1"/>
           </p:cNvSpPr>
           <p:nvPr>
             <p:ph type="body" idx="1"/>
           </p:nvPr>
         </p:nvSpPr>
-        <p:spPr>
-          <a:xfrm>
-            <a:off x="295171" y="2972431"/>
-            <a:ext cx="6267659" cy="5793719"/>
-          </a:xfrm>
-          <a:prstGeom prst="rect">
-            <a:avLst/>
-          </a:prstGeom>
-        </p:spPr>
+        <p:spPr/>
         <p:txBody>
-          <a:bodyPr lIns="90548" tIns="90548" rIns="90548" bIns="90548" anchor="t" anchorCtr="0">
-            <a:noAutofit/>
-          </a:bodyPr>
+          <a:bodyPr/>
           <a:lstStyle/>
           <a:p>
-            <a:endParaRPr dirty="0"/>
+            <a:endParaRPr lang="en-US" dirty="0"/>
           </a:p>
         </p:txBody>
       </p:sp>
       <p:sp>
         <p:nvSpPr>
-          <p:cNvPr id="199" name="Shape 199"/>
+          <p:cNvPr id="4" name="Slide Number Placeholder 3"/>
           <p:cNvSpPr>
-            <a:spLocks noGrp="1" noRot="1" noChangeAspect="1"/>
+            <a:spLocks noGrp="1"/>
           </p:cNvSpPr>
           <p:nvPr>
-            <p:ph type="sldImg" idx="2"/>
+            <p:ph type="sldNum" sz="quarter" idx="10"/>
           </p:nvPr>
         </p:nvSpPr>
-        <p:spPr>
-          <a:xfrm>
-            <a:off x="1606550" y="685800"/>
-            <a:ext cx="3702050" cy="2082800"/>
-          </a:xfrm>
-          <a:custGeom>
-            <a:avLst/>
-            <a:gdLst/>
-            <a:ahLst/>
-            <a:cxnLst/>
-            <a:rect l="0" t="0" r="0" b="0"/>
-            <a:pathLst>
-              <a:path w="120000" h="120000" extrusionOk="0">
-                <a:moveTo>
-                  <a:pt x="0" y="0"/>
-                </a:moveTo>
-                <a:lnTo>
-                  <a:pt x="120000" y="0"/>
-                </a:lnTo>
-                <a:lnTo>
-                  <a:pt x="120000" y="120000"/>
-                </a:lnTo>
-                <a:lnTo>
-                  <a:pt x="0" y="120000"/>
-                </a:lnTo>
-                <a:close/>
-              </a:path>
-            </a:pathLst>
-          </a:custGeom>
-          <a:noFill/>
-          <a:ln w="9525" cap="flat" cmpd="sng">
-            <a:solidFill>
-              <a:srgbClr val="000000"/>
-            </a:solidFill>
-            <a:prstDash val="solid"/>
-            <a:round/>
-            <a:headEnd type="none" w="med" len="med"/>
-            <a:tailEnd type="none" w="med" len="med"/>
-          </a:ln>
-        </p:spPr>
+        <p:spPr/>
+        <p:txBody>
+          <a:bodyPr/>
+          <a:lstStyle/>
+          <a:p>
+            <a:fld id="{19B87A38-3CEC-41F8-9B8A-7D549F200228}" type="slidenum">
+              <a:rPr lang="en-US" smtClean="0"/>
+              <a:t>3</a:t>
+            </a:fld>
+            <a:endParaRPr lang="en-US" dirty="0"/>
+          </a:p>
+        </p:txBody>
       </p:sp>
     </p:spTree>
+    <p:extLst>
+      <p:ext uri="{BB962C8B-B14F-4D97-AF65-F5344CB8AC3E}">
+        <p14:creationId xmlns:p14="http://schemas.microsoft.com/office/powerpoint/2010/main" val="4288609631"/>
+      </p:ext>
+    </p:extLst>
   </p:cSld>
   <p:clrMapOvr>
     <a:masterClrMapping/>
@@ -986,6 +952,495 @@
 </file>
 
 <file path=ppt/notesSlides/notesSlide4.xml><?xml version="1.0" encoding="utf-8"?>
+<p:notes xmlns:a="http://schemas.openxmlformats.org/drawingml/2006/main" xmlns:r="http://schemas.openxmlformats.org/officeDocument/2006/relationships" xmlns:p="http://schemas.openxmlformats.org/presentationml/2006/main">
+  <p:cSld>
+    <p:spTree>
+      <p:nvGrpSpPr>
+        <p:cNvPr id="1" name=""/>
+        <p:cNvGrpSpPr/>
+        <p:nvPr/>
+      </p:nvGrpSpPr>
+      <p:grpSpPr>
+        <a:xfrm>
+          <a:off x="0" y="0"/>
+          <a:ext cx="0" cy="0"/>
+          <a:chOff x="0" y="0"/>
+          <a:chExt cx="0" cy="0"/>
+        </a:xfrm>
+      </p:grpSpPr>
+      <p:sp>
+        <p:nvSpPr>
+          <p:cNvPr id="2" name="Slide Image Placeholder 1"/>
+          <p:cNvSpPr>
+            <a:spLocks noGrp="1" noRot="1" noChangeAspect="1"/>
+          </p:cNvSpPr>
+          <p:nvPr>
+            <p:ph type="sldImg"/>
+          </p:nvPr>
+        </p:nvSpPr>
+        <p:spPr/>
+      </p:sp>
+      <p:sp>
+        <p:nvSpPr>
+          <p:cNvPr id="3" name="Notes Placeholder 2"/>
+          <p:cNvSpPr>
+            <a:spLocks noGrp="1"/>
+          </p:cNvSpPr>
+          <p:nvPr>
+            <p:ph type="body" idx="1"/>
+          </p:nvPr>
+        </p:nvSpPr>
+        <p:spPr/>
+        <p:txBody>
+          <a:bodyPr/>
+          <a:lstStyle/>
+          <a:p>
+            <a:endParaRPr lang="en-US" dirty="0"/>
+          </a:p>
+        </p:txBody>
+      </p:sp>
+      <p:sp>
+        <p:nvSpPr>
+          <p:cNvPr id="4" name="Slide Number Placeholder 3"/>
+          <p:cNvSpPr>
+            <a:spLocks noGrp="1"/>
+          </p:cNvSpPr>
+          <p:nvPr>
+            <p:ph type="sldNum" sz="quarter" idx="10"/>
+          </p:nvPr>
+        </p:nvSpPr>
+        <p:spPr/>
+        <p:txBody>
+          <a:bodyPr/>
+          <a:lstStyle/>
+          <a:p>
+            <a:fld id="{19B87A38-3CEC-41F8-9B8A-7D549F200228}" type="slidenum">
+              <a:rPr lang="en-US" smtClean="0"/>
+              <a:t>4</a:t>
+            </a:fld>
+            <a:endParaRPr lang="en-US" dirty="0"/>
+          </a:p>
+        </p:txBody>
+      </p:sp>
+    </p:spTree>
+    <p:extLst>
+      <p:ext uri="{BB962C8B-B14F-4D97-AF65-F5344CB8AC3E}">
+        <p14:creationId xmlns:p14="http://schemas.microsoft.com/office/powerpoint/2010/main" val="4288609631"/>
+      </p:ext>
+    </p:extLst>
+  </p:cSld>
+  <p:clrMapOvr>
+    <a:masterClrMapping/>
+  </p:clrMapOvr>
+</p:notes>
+</file>
+
+<file path=ppt/notesSlides/notesSlide5.xml><?xml version="1.0" encoding="utf-8"?>
+<p:notes xmlns:a="http://schemas.openxmlformats.org/drawingml/2006/main" xmlns:r="http://schemas.openxmlformats.org/officeDocument/2006/relationships" xmlns:p="http://schemas.openxmlformats.org/presentationml/2006/main">
+  <p:cSld>
+    <p:spTree>
+      <p:nvGrpSpPr>
+        <p:cNvPr id="1" name=""/>
+        <p:cNvGrpSpPr/>
+        <p:nvPr/>
+      </p:nvGrpSpPr>
+      <p:grpSpPr>
+        <a:xfrm>
+          <a:off x="0" y="0"/>
+          <a:ext cx="0" cy="0"/>
+          <a:chOff x="0" y="0"/>
+          <a:chExt cx="0" cy="0"/>
+        </a:xfrm>
+      </p:grpSpPr>
+      <p:sp>
+        <p:nvSpPr>
+          <p:cNvPr id="2" name="Slide Image Placeholder 1"/>
+          <p:cNvSpPr>
+            <a:spLocks noGrp="1" noRot="1" noChangeAspect="1"/>
+          </p:cNvSpPr>
+          <p:nvPr>
+            <p:ph type="sldImg"/>
+          </p:nvPr>
+        </p:nvSpPr>
+        <p:spPr/>
+      </p:sp>
+      <p:sp>
+        <p:nvSpPr>
+          <p:cNvPr id="3" name="Notes Placeholder 2"/>
+          <p:cNvSpPr>
+            <a:spLocks noGrp="1"/>
+          </p:cNvSpPr>
+          <p:nvPr>
+            <p:ph type="body" idx="1"/>
+          </p:nvPr>
+        </p:nvSpPr>
+        <p:spPr/>
+        <p:txBody>
+          <a:bodyPr/>
+          <a:lstStyle/>
+          <a:p>
+            <a:pPr marL="171450" indent="-171450">
+              <a:buFont typeface="Arial"/>
+              <a:buChar char="•"/>
+            </a:pPr>
+            <a:r>
+              <a:rPr lang="en-US" sz="1200" dirty="0" smtClean="0"/>
+              <a:t>Provide radically faster and widely accessible “getting started” experience for all Spring development</a:t>
+            </a:r>
+          </a:p>
+          <a:p>
+            <a:pPr marL="171450" indent="-171450">
+              <a:buFont typeface="Arial"/>
+              <a:buChar char="•"/>
+            </a:pPr>
+            <a:r>
+              <a:rPr lang="en-US" sz="1200" dirty="0" smtClean="0">
+                <a:solidFill>
+                  <a:srgbClr val="FFFFFF"/>
+                </a:solidFill>
+              </a:rPr>
+              <a:t>Opinionated out of the box, but get out of the way as quickly as possible</a:t>
+            </a:r>
+          </a:p>
+          <a:p>
+            <a:pPr marL="171450" indent="-171450">
+              <a:buFont typeface="Arial"/>
+              <a:buChar char="•"/>
+            </a:pPr>
+            <a:r>
+              <a:rPr lang="en-US" sz="1200" dirty="0" smtClean="0">
+                <a:solidFill>
+                  <a:srgbClr val="FFFFFF"/>
+                </a:solidFill>
+              </a:rPr>
+              <a:t>Provide a range of non-functional</a:t>
+            </a:r>
+            <a:r>
+              <a:rPr lang="en-US" sz="1200" baseline="0" dirty="0" smtClean="0">
+                <a:solidFill>
+                  <a:srgbClr val="FFFFFF"/>
+                </a:solidFill>
+              </a:rPr>
+              <a:t> features (embedded servers, metrics, health checks, externalized config)</a:t>
+            </a:r>
+            <a:endParaRPr lang="en-US" sz="1200" dirty="0" smtClean="0">
+              <a:solidFill>
+                <a:srgbClr val="FFFFFF"/>
+              </a:solidFill>
+            </a:endParaRPr>
+          </a:p>
+          <a:p>
+            <a:endParaRPr lang="en-US" dirty="0"/>
+          </a:p>
+        </p:txBody>
+      </p:sp>
+      <p:sp>
+        <p:nvSpPr>
+          <p:cNvPr id="4" name="Slide Number Placeholder 3"/>
+          <p:cNvSpPr>
+            <a:spLocks noGrp="1"/>
+          </p:cNvSpPr>
+          <p:nvPr>
+            <p:ph type="sldNum" sz="quarter" idx="10"/>
+          </p:nvPr>
+        </p:nvSpPr>
+        <p:spPr/>
+        <p:txBody>
+          <a:bodyPr/>
+          <a:lstStyle/>
+          <a:p>
+            <a:fld id="{19B87A38-3CEC-41F8-9B8A-7D549F200228}" type="slidenum">
+              <a:rPr lang="en-US" smtClean="0"/>
+              <a:t>5</a:t>
+            </a:fld>
+            <a:endParaRPr lang="en-US" dirty="0"/>
+          </a:p>
+        </p:txBody>
+      </p:sp>
+    </p:spTree>
+    <p:extLst>
+      <p:ext uri="{BB962C8B-B14F-4D97-AF65-F5344CB8AC3E}">
+        <p14:creationId xmlns:p14="http://schemas.microsoft.com/office/powerpoint/2010/main" val="4288609631"/>
+      </p:ext>
+    </p:extLst>
+  </p:cSld>
+  <p:clrMapOvr>
+    <a:masterClrMapping/>
+  </p:clrMapOvr>
+</p:notes>
+</file>
+
+<file path=ppt/notesSlides/notesSlide6.xml><?xml version="1.0" encoding="utf-8"?>
+<p:notes xmlns:a="http://schemas.openxmlformats.org/drawingml/2006/main" xmlns:r="http://schemas.openxmlformats.org/officeDocument/2006/relationships" xmlns:p="http://schemas.openxmlformats.org/presentationml/2006/main">
+  <p:cSld>
+    <p:spTree>
+      <p:nvGrpSpPr>
+        <p:cNvPr id="1" name=""/>
+        <p:cNvGrpSpPr/>
+        <p:nvPr/>
+      </p:nvGrpSpPr>
+      <p:grpSpPr>
+        <a:xfrm>
+          <a:off x="0" y="0"/>
+          <a:ext cx="0" cy="0"/>
+          <a:chOff x="0" y="0"/>
+          <a:chExt cx="0" cy="0"/>
+        </a:xfrm>
+      </p:grpSpPr>
+      <p:sp>
+        <p:nvSpPr>
+          <p:cNvPr id="2" name="Slide Image Placeholder 1"/>
+          <p:cNvSpPr>
+            <a:spLocks noGrp="1" noRot="1" noChangeAspect="1"/>
+          </p:cNvSpPr>
+          <p:nvPr>
+            <p:ph type="sldImg"/>
+          </p:nvPr>
+        </p:nvSpPr>
+        <p:spPr/>
+      </p:sp>
+      <p:sp>
+        <p:nvSpPr>
+          <p:cNvPr id="3" name="Notes Placeholder 2"/>
+          <p:cNvSpPr>
+            <a:spLocks noGrp="1"/>
+          </p:cNvSpPr>
+          <p:nvPr>
+            <p:ph type="body" idx="1"/>
+          </p:nvPr>
+        </p:nvSpPr>
+        <p:spPr/>
+        <p:txBody>
+          <a:bodyPr/>
+          <a:lstStyle/>
+          <a:p>
+            <a:pPr marL="171450" indent="-171450">
+              <a:buFont typeface="Arial"/>
+              <a:buChar char="•"/>
+            </a:pPr>
+            <a:r>
+              <a:rPr lang="en-US" sz="1200" dirty="0" smtClean="0"/>
+              <a:t>Provide radically faster and widely accessible “getting started” experience for all Spring development</a:t>
+            </a:r>
+          </a:p>
+          <a:p>
+            <a:pPr marL="171450" indent="-171450">
+              <a:buFont typeface="Arial"/>
+              <a:buChar char="•"/>
+            </a:pPr>
+            <a:r>
+              <a:rPr lang="en-US" sz="1200" dirty="0" smtClean="0">
+                <a:solidFill>
+                  <a:srgbClr val="FFFFFF"/>
+                </a:solidFill>
+              </a:rPr>
+              <a:t>Opinionated out of the box, but get out of the way as quickly as possible</a:t>
+            </a:r>
+          </a:p>
+          <a:p>
+            <a:pPr marL="171450" indent="-171450">
+              <a:buFont typeface="Arial"/>
+              <a:buChar char="•"/>
+            </a:pPr>
+            <a:r>
+              <a:rPr lang="en-US" sz="1200" dirty="0" smtClean="0">
+                <a:solidFill>
+                  <a:srgbClr val="FFFFFF"/>
+                </a:solidFill>
+              </a:rPr>
+              <a:t>Provide a range of non-functional</a:t>
+            </a:r>
+            <a:r>
+              <a:rPr lang="en-US" sz="1200" baseline="0" dirty="0" smtClean="0">
+                <a:solidFill>
+                  <a:srgbClr val="FFFFFF"/>
+                </a:solidFill>
+              </a:rPr>
+              <a:t> features (embedded servers, metrics, health checks, externalized config)</a:t>
+            </a:r>
+            <a:endParaRPr lang="en-US" sz="1200" dirty="0" smtClean="0">
+              <a:solidFill>
+                <a:srgbClr val="FFFFFF"/>
+              </a:solidFill>
+            </a:endParaRPr>
+          </a:p>
+          <a:p>
+            <a:endParaRPr lang="en-US" dirty="0"/>
+          </a:p>
+        </p:txBody>
+      </p:sp>
+      <p:sp>
+        <p:nvSpPr>
+          <p:cNvPr id="4" name="Slide Number Placeholder 3"/>
+          <p:cNvSpPr>
+            <a:spLocks noGrp="1"/>
+          </p:cNvSpPr>
+          <p:nvPr>
+            <p:ph type="sldNum" sz="quarter" idx="10"/>
+          </p:nvPr>
+        </p:nvSpPr>
+        <p:spPr/>
+        <p:txBody>
+          <a:bodyPr/>
+          <a:lstStyle/>
+          <a:p>
+            <a:fld id="{19B87A38-3CEC-41F8-9B8A-7D549F200228}" type="slidenum">
+              <a:rPr lang="en-US" smtClean="0"/>
+              <a:t>6</a:t>
+            </a:fld>
+            <a:endParaRPr lang="en-US" dirty="0"/>
+          </a:p>
+        </p:txBody>
+      </p:sp>
+    </p:spTree>
+    <p:extLst>
+      <p:ext uri="{BB962C8B-B14F-4D97-AF65-F5344CB8AC3E}">
+        <p14:creationId xmlns:p14="http://schemas.microsoft.com/office/powerpoint/2010/main" val="4288609631"/>
+      </p:ext>
+    </p:extLst>
+  </p:cSld>
+  <p:clrMapOvr>
+    <a:masterClrMapping/>
+  </p:clrMapOvr>
+</p:notes>
+</file>
+
+<file path=ppt/notesSlides/notesSlide7.xml><?xml version="1.0" encoding="utf-8"?>
+<p:notes xmlns:a="http://schemas.openxmlformats.org/drawingml/2006/main" xmlns:r="http://schemas.openxmlformats.org/officeDocument/2006/relationships" xmlns:p="http://schemas.openxmlformats.org/presentationml/2006/main">
+  <p:cSld>
+    <p:spTree>
+      <p:nvGrpSpPr>
+        <p:cNvPr id="1" name=""/>
+        <p:cNvGrpSpPr/>
+        <p:nvPr/>
+      </p:nvGrpSpPr>
+      <p:grpSpPr>
+        <a:xfrm>
+          <a:off x="0" y="0"/>
+          <a:ext cx="0" cy="0"/>
+          <a:chOff x="0" y="0"/>
+          <a:chExt cx="0" cy="0"/>
+        </a:xfrm>
+      </p:grpSpPr>
+      <p:sp>
+        <p:nvSpPr>
+          <p:cNvPr id="2" name="Slide Image Placeholder 1"/>
+          <p:cNvSpPr>
+            <a:spLocks noGrp="1" noRot="1" noChangeAspect="1"/>
+          </p:cNvSpPr>
+          <p:nvPr>
+            <p:ph type="sldImg"/>
+          </p:nvPr>
+        </p:nvSpPr>
+        <p:spPr/>
+      </p:sp>
+      <p:sp>
+        <p:nvSpPr>
+          <p:cNvPr id="3" name="Notes Placeholder 2"/>
+          <p:cNvSpPr>
+            <a:spLocks noGrp="1"/>
+          </p:cNvSpPr>
+          <p:nvPr>
+            <p:ph type="body" idx="1"/>
+          </p:nvPr>
+        </p:nvSpPr>
+        <p:spPr/>
+        <p:txBody>
+          <a:bodyPr/>
+          <a:lstStyle/>
+          <a:p>
+            <a:pPr marL="171450" indent="-171450">
+              <a:buFont typeface="Arial"/>
+              <a:buChar char="•"/>
+            </a:pPr>
+            <a:r>
+              <a:rPr lang="en-US" sz="1200" dirty="0" smtClean="0"/>
+              <a:t>Provide radically faster and widely accessible “getting started” experience for all Spring development</a:t>
+            </a:r>
+          </a:p>
+          <a:p>
+            <a:pPr marL="171450" indent="-171450">
+              <a:buFont typeface="Arial"/>
+              <a:buChar char="•"/>
+            </a:pPr>
+            <a:r>
+              <a:rPr lang="en-US" sz="1200" dirty="0" smtClean="0">
+                <a:solidFill>
+                  <a:srgbClr val="FFFFFF"/>
+                </a:solidFill>
+              </a:rPr>
+              <a:t>Opinionated out of the box, but get out of the way as quickly as possible</a:t>
+            </a:r>
+          </a:p>
+          <a:p>
+            <a:pPr marL="171450" indent="-171450">
+              <a:buFont typeface="Arial"/>
+              <a:buChar char="•"/>
+            </a:pPr>
+            <a:r>
+              <a:rPr lang="en-US" sz="1200" dirty="0" smtClean="0">
+                <a:solidFill>
+                  <a:srgbClr val="FFFFFF"/>
+                </a:solidFill>
+              </a:rPr>
+              <a:t>Provide a range of non-functional</a:t>
+            </a:r>
+            <a:r>
+              <a:rPr lang="en-US" sz="1200" baseline="0" dirty="0" smtClean="0">
+                <a:solidFill>
+                  <a:srgbClr val="FFFFFF"/>
+                </a:solidFill>
+              </a:rPr>
+              <a:t> features (embedded servers, metrics, health checks, externalized config)</a:t>
+            </a:r>
+            <a:endParaRPr lang="en-US" sz="1200" dirty="0" smtClean="0">
+              <a:solidFill>
+                <a:srgbClr val="FFFFFF"/>
+              </a:solidFill>
+            </a:endParaRPr>
+          </a:p>
+          <a:p>
+            <a:endParaRPr lang="en-US" dirty="0"/>
+          </a:p>
+        </p:txBody>
+      </p:sp>
+      <p:sp>
+        <p:nvSpPr>
+          <p:cNvPr id="4" name="Slide Number Placeholder 3"/>
+          <p:cNvSpPr>
+            <a:spLocks noGrp="1"/>
+          </p:cNvSpPr>
+          <p:nvPr>
+            <p:ph type="sldNum" sz="quarter" idx="10"/>
+          </p:nvPr>
+        </p:nvSpPr>
+        <p:spPr/>
+        <p:txBody>
+          <a:bodyPr/>
+          <a:lstStyle/>
+          <a:p>
+            <a:fld id="{19B87A38-3CEC-41F8-9B8A-7D549F200228}" type="slidenum">
+              <a:rPr lang="en-US" smtClean="0"/>
+              <a:t>7</a:t>
+            </a:fld>
+            <a:endParaRPr lang="en-US" dirty="0"/>
+          </a:p>
+        </p:txBody>
+      </p:sp>
+    </p:spTree>
+    <p:extLst>
+      <p:ext uri="{BB962C8B-B14F-4D97-AF65-F5344CB8AC3E}">
+        <p14:creationId xmlns:p14="http://schemas.microsoft.com/office/powerpoint/2010/main" val="4288609631"/>
+      </p:ext>
+    </p:extLst>
+  </p:cSld>
+  <p:clrMapOvr>
+    <a:masterClrMapping/>
+  </p:clrMapOvr>
+</p:notes>
+</file>
+
+<file path=ppt/notesSlides/notesSlide8.xml><?xml version="1.0" encoding="utf-8"?>
 <p:notes xmlns:a="http://schemas.openxmlformats.org/drawingml/2006/main" xmlns:r="http://schemas.openxmlformats.org/officeDocument/2006/relationships" xmlns:p="http://schemas.openxmlformats.org/presentationml/2006/main">
   <p:cSld>
     <p:spTree>
@@ -1770,235 +2225,6 @@
 </file>
 
 <file path=ppt/slideLayouts/slideLayout4.xml><?xml version="1.0" encoding="utf-8"?>
-<p:sldLayout xmlns:a="http://schemas.openxmlformats.org/drawingml/2006/main" xmlns:r="http://schemas.openxmlformats.org/officeDocument/2006/relationships" xmlns:p="http://schemas.openxmlformats.org/presentationml/2006/main" type="obj">
-  <p:cSld name="Title and Content">
-    <p:spTree>
-      <p:nvGrpSpPr>
-        <p:cNvPr id="1" name="Shape 67"/>
-        <p:cNvGrpSpPr/>
-        <p:nvPr/>
-      </p:nvGrpSpPr>
-      <p:grpSpPr>
-        <a:xfrm>
-          <a:off x="0" y="0"/>
-          <a:ext cx="0" cy="0"/>
-          <a:chOff x="0" y="0"/>
-          <a:chExt cx="0" cy="0"/>
-        </a:xfrm>
-      </p:grpSpPr>
-      <p:sp>
-        <p:nvSpPr>
-          <p:cNvPr id="68" name="Shape 68"/>
-          <p:cNvSpPr txBox="1">
-            <a:spLocks noGrp="1"/>
-          </p:cNvSpPr>
-          <p:nvPr>
-            <p:ph type="title"/>
-          </p:nvPr>
-        </p:nvSpPr>
-        <p:spPr>
-          <a:xfrm>
-            <a:off x="457200" y="205979"/>
-            <a:ext cx="8229600" cy="857400"/>
-          </a:xfrm>
-          <a:prstGeom prst="rect">
-            <a:avLst/>
-          </a:prstGeom>
-          <a:noFill/>
-          <a:ln>
-            <a:noFill/>
-          </a:ln>
-        </p:spPr>
-        <p:txBody>
-          <a:bodyPr lIns="91425" tIns="91425" rIns="91425" bIns="91425" anchor="t" anchorCtr="0"/>
-          <a:lstStyle>
-            <a:lvl1pPr algn="l" rtl="0">
-              <a:spcBef>
-                <a:spcPts val="0"/>
-              </a:spcBef>
-              <a:spcAft>
-                <a:spcPts val="0"/>
-              </a:spcAft>
-              <a:defRPr/>
-            </a:lvl1pPr>
-            <a:lvl2pPr algn="l" rtl="0">
-              <a:spcBef>
-                <a:spcPts val="0"/>
-              </a:spcBef>
-              <a:spcAft>
-                <a:spcPts val="0"/>
-              </a:spcAft>
-              <a:defRPr/>
-            </a:lvl2pPr>
-            <a:lvl3pPr algn="l" rtl="0">
-              <a:spcBef>
-                <a:spcPts val="0"/>
-              </a:spcBef>
-              <a:spcAft>
-                <a:spcPts val="0"/>
-              </a:spcAft>
-              <a:defRPr/>
-            </a:lvl3pPr>
-            <a:lvl4pPr algn="l" rtl="0">
-              <a:spcBef>
-                <a:spcPts val="0"/>
-              </a:spcBef>
-              <a:spcAft>
-                <a:spcPts val="0"/>
-              </a:spcAft>
-              <a:defRPr/>
-            </a:lvl4pPr>
-            <a:lvl5pPr algn="l" rtl="0">
-              <a:spcBef>
-                <a:spcPts val="0"/>
-              </a:spcBef>
-              <a:spcAft>
-                <a:spcPts val="0"/>
-              </a:spcAft>
-              <a:defRPr/>
-            </a:lvl5pPr>
-            <a:lvl6pPr marL="457200" algn="l" rtl="0">
-              <a:spcBef>
-                <a:spcPts val="0"/>
-              </a:spcBef>
-              <a:spcAft>
-                <a:spcPts val="0"/>
-              </a:spcAft>
-              <a:defRPr/>
-            </a:lvl6pPr>
-            <a:lvl7pPr marL="914400" algn="l" rtl="0">
-              <a:spcBef>
-                <a:spcPts val="0"/>
-              </a:spcBef>
-              <a:spcAft>
-                <a:spcPts val="0"/>
-              </a:spcAft>
-              <a:defRPr/>
-            </a:lvl7pPr>
-            <a:lvl8pPr marL="1371600" algn="l" rtl="0">
-              <a:spcBef>
-                <a:spcPts val="0"/>
-              </a:spcBef>
-              <a:spcAft>
-                <a:spcPts val="0"/>
-              </a:spcAft>
-              <a:defRPr/>
-            </a:lvl8pPr>
-            <a:lvl9pPr marL="1828800" algn="l" rtl="0">
-              <a:spcBef>
-                <a:spcPts val="0"/>
-              </a:spcBef>
-              <a:spcAft>
-                <a:spcPts val="0"/>
-              </a:spcAft>
-              <a:defRPr/>
-            </a:lvl9pPr>
-          </a:lstStyle>
-          <a:p>
-            <a:endParaRPr/>
-          </a:p>
-        </p:txBody>
-      </p:sp>
-      <p:sp>
-        <p:nvSpPr>
-          <p:cNvPr id="69" name="Shape 69"/>
-          <p:cNvSpPr txBox="1">
-            <a:spLocks noGrp="1"/>
-          </p:cNvSpPr>
-          <p:nvPr>
-            <p:ph type="body" idx="1"/>
-          </p:nvPr>
-        </p:nvSpPr>
-        <p:spPr>
-          <a:xfrm>
-            <a:off x="457200" y="1200150"/>
-            <a:ext cx="8229600" cy="3394500"/>
-          </a:xfrm>
-          <a:prstGeom prst="rect">
-            <a:avLst/>
-          </a:prstGeom>
-          <a:noFill/>
-          <a:ln>
-            <a:noFill/>
-          </a:ln>
-        </p:spPr>
-        <p:txBody>
-          <a:bodyPr lIns="91425" tIns="91425" rIns="91425" bIns="91425" anchor="t" anchorCtr="0"/>
-          <a:lstStyle>
-            <a:lvl1pPr rtl="0">
-              <a:spcBef>
-                <a:spcPts val="0"/>
-              </a:spcBef>
-              <a:defRPr/>
-            </a:lvl1pPr>
-            <a:lvl2pPr rtl="0">
-              <a:spcBef>
-                <a:spcPts val="0"/>
-              </a:spcBef>
-              <a:defRPr/>
-            </a:lvl2pPr>
-            <a:lvl3pPr rtl="0">
-              <a:spcBef>
-                <a:spcPts val="0"/>
-              </a:spcBef>
-              <a:defRPr/>
-            </a:lvl3pPr>
-            <a:lvl4pPr rtl="0">
-              <a:spcBef>
-                <a:spcPts val="0"/>
-              </a:spcBef>
-              <a:defRPr/>
-            </a:lvl4pPr>
-            <a:lvl5pPr rtl="0">
-              <a:spcBef>
-                <a:spcPts val="0"/>
-              </a:spcBef>
-              <a:defRPr/>
-            </a:lvl5pPr>
-            <a:lvl6pPr rtl="0">
-              <a:spcBef>
-                <a:spcPts val="0"/>
-              </a:spcBef>
-              <a:defRPr/>
-            </a:lvl6pPr>
-            <a:lvl7pPr rtl="0">
-              <a:spcBef>
-                <a:spcPts val="0"/>
-              </a:spcBef>
-              <a:defRPr/>
-            </a:lvl7pPr>
-            <a:lvl8pPr rtl="0">
-              <a:spcBef>
-                <a:spcPts val="0"/>
-              </a:spcBef>
-              <a:defRPr/>
-            </a:lvl8pPr>
-            <a:lvl9pPr rtl="0">
-              <a:spcBef>
-                <a:spcPts val="0"/>
-              </a:spcBef>
-              <a:defRPr/>
-            </a:lvl9pPr>
-          </a:lstStyle>
-          <a:p>
-            <a:endParaRPr/>
-          </a:p>
-        </p:txBody>
-      </p:sp>
-    </p:spTree>
-    <p:extLst>
-      <p:ext uri="{BB962C8B-B14F-4D97-AF65-F5344CB8AC3E}">
-        <p14:creationId xmlns:p14="http://schemas.microsoft.com/office/powerpoint/2010/main" val="2450470115"/>
-      </p:ext>
-    </p:extLst>
-  </p:cSld>
-  <p:clrMapOvr>
-    <a:masterClrMapping/>
-  </p:clrMapOvr>
-</p:sldLayout>
-</file>
-
-<file path=ppt/slideLayouts/slideLayout5.xml><?xml version="1.0" encoding="utf-8"?>
 <p:sldLayout xmlns:a="http://schemas.openxmlformats.org/drawingml/2006/main" xmlns:r="http://schemas.openxmlformats.org/officeDocument/2006/relationships" xmlns:p="http://schemas.openxmlformats.org/presentationml/2006/main">
   <p:cSld name="black background">
     <p:spTree>
@@ -2296,6 +2522,376 @@
   <p:clrMapOvr>
     <a:masterClrMapping/>
   </p:clrMapOvr>
+</p:sldLayout>
+</file>
+
+<file path=ppt/slideLayouts/slideLayout5.xml><?xml version="1.0" encoding="utf-8"?>
+<p:sldLayout xmlns:a="http://schemas.openxmlformats.org/drawingml/2006/main" xmlns:r="http://schemas.openxmlformats.org/officeDocument/2006/relationships" xmlns:p="http://schemas.openxmlformats.org/presentationml/2006/main" userDrawn="1">
+  <p:cSld name="Temp Basic with Rule">
+    <p:bg>
+      <p:bgPr>
+        <a:solidFill>
+          <a:srgbClr val="17232A"/>
+        </a:solidFill>
+        <a:effectLst/>
+      </p:bgPr>
+    </p:bg>
+    <p:spTree>
+      <p:nvGrpSpPr>
+        <p:cNvPr id="1" name=""/>
+        <p:cNvGrpSpPr/>
+        <p:nvPr/>
+      </p:nvGrpSpPr>
+      <p:grpSpPr>
+        <a:xfrm>
+          <a:off x="0" y="0"/>
+          <a:ext cx="0" cy="0"/>
+          <a:chOff x="0" y="0"/>
+          <a:chExt cx="0" cy="0"/>
+        </a:xfrm>
+      </p:grpSpPr>
+      <p:sp>
+        <p:nvSpPr>
+          <p:cNvPr id="2" name="Title 1"/>
+          <p:cNvSpPr>
+            <a:spLocks noGrp="1"/>
+          </p:cNvSpPr>
+          <p:nvPr>
+            <p:ph type="title" hasCustomPrompt="1"/>
+          </p:nvPr>
+        </p:nvSpPr>
+        <p:spPr>
+          <a:xfrm>
+            <a:off x="457199" y="320040"/>
+            <a:ext cx="8229601" cy="363558"/>
+          </a:xfrm>
+          <a:prstGeom prst="rect">
+            <a:avLst/>
+          </a:prstGeom>
+        </p:spPr>
+        <p:txBody>
+          <a:bodyPr lIns="0" tIns="0" rIns="0" bIns="0"/>
+          <a:lstStyle>
+            <a:lvl1pPr>
+              <a:defRPr sz="3200" b="0">
+                <a:solidFill>
+                  <a:schemeClr val="bg1"/>
+                </a:solidFill>
+                <a:latin typeface="Arial" panose="020B0604020202020204" pitchFamily="34" charset="0"/>
+                <a:cs typeface="Arial" panose="020B0604020202020204" pitchFamily="34" charset="0"/>
+              </a:defRPr>
+            </a:lvl1pPr>
+          </a:lstStyle>
+          <a:p>
+            <a:r>
+              <a:rPr lang="en-US" dirty="0" smtClean="0"/>
+              <a:t>CLICK TO EDIT MASTER TITLE STYLE</a:t>
+            </a:r>
+            <a:endParaRPr lang="en-US" dirty="0"/>
+          </a:p>
+        </p:txBody>
+      </p:sp>
+      <p:sp>
+        <p:nvSpPr>
+          <p:cNvPr id="4" name="Content Placeholder 3"/>
+          <p:cNvSpPr>
+            <a:spLocks noGrp="1"/>
+          </p:cNvSpPr>
+          <p:nvPr>
+            <p:ph sz="quarter" idx="10"/>
+          </p:nvPr>
+        </p:nvSpPr>
+        <p:spPr>
+          <a:xfrm>
+            <a:off x="457200" y="1108074"/>
+            <a:ext cx="8229600" cy="3082925"/>
+          </a:xfrm>
+          <a:prstGeom prst="rect">
+            <a:avLst/>
+          </a:prstGeom>
+        </p:spPr>
+        <p:txBody>
+          <a:bodyPr/>
+          <a:lstStyle>
+            <a:lvl1pPr>
+              <a:defRPr>
+                <a:solidFill>
+                  <a:schemeClr val="bg1"/>
+                </a:solidFill>
+                <a:latin typeface="Arial" panose="020B0604020202020204" pitchFamily="34" charset="0"/>
+                <a:cs typeface="Arial" panose="020B0604020202020204" pitchFamily="34" charset="0"/>
+              </a:defRPr>
+            </a:lvl1pPr>
+            <a:lvl2pPr>
+              <a:defRPr>
+                <a:solidFill>
+                  <a:schemeClr val="bg1"/>
+                </a:solidFill>
+                <a:latin typeface="Arial" panose="020B0604020202020204" pitchFamily="34" charset="0"/>
+                <a:cs typeface="Arial" panose="020B0604020202020204" pitchFamily="34" charset="0"/>
+              </a:defRPr>
+            </a:lvl2pPr>
+            <a:lvl3pPr>
+              <a:defRPr>
+                <a:solidFill>
+                  <a:schemeClr val="bg1"/>
+                </a:solidFill>
+                <a:latin typeface="Arial" panose="020B0604020202020204" pitchFamily="34" charset="0"/>
+                <a:cs typeface="Arial" panose="020B0604020202020204" pitchFamily="34" charset="0"/>
+              </a:defRPr>
+            </a:lvl3pPr>
+            <a:lvl4pPr>
+              <a:defRPr>
+                <a:solidFill>
+                  <a:schemeClr val="bg1"/>
+                </a:solidFill>
+                <a:latin typeface="Arial" panose="020B0604020202020204" pitchFamily="34" charset="0"/>
+                <a:cs typeface="Arial" panose="020B0604020202020204" pitchFamily="34" charset="0"/>
+              </a:defRPr>
+            </a:lvl4pPr>
+            <a:lvl5pPr>
+              <a:defRPr>
+                <a:solidFill>
+                  <a:schemeClr val="bg1"/>
+                </a:solidFill>
+                <a:latin typeface="Arial" panose="020B0604020202020204" pitchFamily="34" charset="0"/>
+                <a:cs typeface="Arial" panose="020B0604020202020204" pitchFamily="34" charset="0"/>
+              </a:defRPr>
+            </a:lvl5pPr>
+          </a:lstStyle>
+          <a:p>
+            <a:pPr lvl="0"/>
+            <a:r>
+              <a:rPr lang="en-US" smtClean="0"/>
+              <a:t>Click to edit Master text styles</a:t>
+            </a:r>
+          </a:p>
+          <a:p>
+            <a:pPr lvl="1"/>
+            <a:r>
+              <a:rPr lang="en-US" smtClean="0"/>
+              <a:t>Second level</a:t>
+            </a:r>
+          </a:p>
+          <a:p>
+            <a:pPr lvl="2"/>
+            <a:r>
+              <a:rPr lang="en-US" smtClean="0"/>
+              <a:t>Third level</a:t>
+            </a:r>
+          </a:p>
+          <a:p>
+            <a:pPr lvl="3"/>
+            <a:r>
+              <a:rPr lang="en-US" smtClean="0"/>
+              <a:t>Fourth level</a:t>
+            </a:r>
+          </a:p>
+          <a:p>
+            <a:pPr lvl="4"/>
+            <a:r>
+              <a:rPr lang="en-US" smtClean="0"/>
+              <a:t>Fifth level</a:t>
+            </a:r>
+            <a:endParaRPr lang="en-US" dirty="0"/>
+          </a:p>
+        </p:txBody>
+      </p:sp>
+      <p:sp>
+        <p:nvSpPr>
+          <p:cNvPr id="5" name="Rectangle 4"/>
+          <p:cNvSpPr/>
+          <p:nvPr userDrawn="1"/>
+        </p:nvSpPr>
+        <p:spPr bwMode="gray">
+          <a:xfrm>
+            <a:off x="0" y="4629150"/>
+            <a:ext cx="9144000" cy="385763"/>
+          </a:xfrm>
+          <a:prstGeom prst="rect">
+            <a:avLst/>
+          </a:prstGeom>
+          <a:solidFill>
+            <a:srgbClr val="00786E"/>
+          </a:solidFill>
+          <a:ln>
+            <a:noFill/>
+          </a:ln>
+        </p:spPr>
+        <p:style>
+          <a:lnRef idx="2">
+            <a:schemeClr val="accent1">
+              <a:shade val="50000"/>
+            </a:schemeClr>
+          </a:lnRef>
+          <a:fillRef idx="1">
+            <a:schemeClr val="accent1"/>
+          </a:fillRef>
+          <a:effectRef idx="0">
+            <a:schemeClr val="accent1"/>
+          </a:effectRef>
+          <a:fontRef idx="minor">
+            <a:schemeClr val="lt1"/>
+          </a:fontRef>
+        </p:style>
+        <p:txBody>
+          <a:bodyPr rtlCol="0" anchor="ctr"/>
+          <a:lstStyle/>
+          <a:p>
+            <a:pPr algn="l"/>
+            <a:endParaRPr lang="en-US" dirty="0">
+              <a:latin typeface="+mn-lt"/>
+            </a:endParaRPr>
+          </a:p>
+        </p:txBody>
+      </p:sp>
+      <p:sp>
+        <p:nvSpPr>
+          <p:cNvPr id="7" name="TextBox 6"/>
+          <p:cNvSpPr txBox="1"/>
+          <p:nvPr userDrawn="1"/>
+        </p:nvSpPr>
+        <p:spPr bwMode="gray">
+          <a:xfrm>
+            <a:off x="366713" y="5018449"/>
+            <a:ext cx="2274887" cy="92333"/>
+          </a:xfrm>
+          <a:prstGeom prst="rect">
+            <a:avLst/>
+          </a:prstGeom>
+          <a:noFill/>
+        </p:spPr>
+        <p:txBody>
+          <a:bodyPr wrap="square" lIns="0" tIns="0" rIns="0" bIns="0" rtlCol="0">
+            <a:spAutoFit/>
+          </a:bodyPr>
+          <a:lstStyle/>
+          <a:p>
+            <a:pPr algn="l"/>
+            <a:r>
+              <a:rPr lang="en-US" sz="600" dirty="0" smtClean="0">
+                <a:solidFill>
+                  <a:schemeClr val="bg1">
+                    <a:lumMod val="50000"/>
+                  </a:schemeClr>
+                </a:solidFill>
+                <a:latin typeface="Arial"/>
+                <a:cs typeface="Arial"/>
+              </a:rPr>
+              <a:t>© Copyright 2015 Pivotal.</a:t>
+            </a:r>
+            <a:r>
+              <a:rPr lang="en-US" sz="600" baseline="0" dirty="0" smtClean="0">
+                <a:solidFill>
+                  <a:schemeClr val="bg1">
+                    <a:lumMod val="50000"/>
+                  </a:schemeClr>
+                </a:solidFill>
+                <a:latin typeface="Arial"/>
+                <a:cs typeface="Arial"/>
+              </a:rPr>
+              <a:t> </a:t>
+            </a:r>
+            <a:r>
+              <a:rPr lang="en-US" sz="600" dirty="0" smtClean="0">
+                <a:solidFill>
+                  <a:schemeClr val="bg1">
+                    <a:lumMod val="50000"/>
+                  </a:schemeClr>
+                </a:solidFill>
+                <a:latin typeface="Arial"/>
+                <a:cs typeface="Arial"/>
+              </a:rPr>
+              <a:t>All rights reserved.</a:t>
+            </a:r>
+            <a:endParaRPr lang="en-US" sz="600" dirty="0">
+              <a:solidFill>
+                <a:schemeClr val="bg1">
+                  <a:lumMod val="50000"/>
+                </a:schemeClr>
+              </a:solidFill>
+              <a:latin typeface="Arial"/>
+              <a:cs typeface="Arial"/>
+            </a:endParaRPr>
+          </a:p>
+        </p:txBody>
+      </p:sp>
+      <p:pic>
+        <p:nvPicPr>
+          <p:cNvPr id="8" name="Picture 7" descr="Pivotal_Logo_white.png"/>
+          <p:cNvPicPr>
+            <a:picLocks noChangeAspect="1"/>
+          </p:cNvPicPr>
+          <p:nvPr userDrawn="1"/>
+        </p:nvPicPr>
+        <p:blipFill>
+          <a:blip r:embed="rId2" cstate="print"/>
+          <a:stretch>
+            <a:fillRect/>
+          </a:stretch>
+        </p:blipFill>
+        <p:spPr>
+          <a:xfrm>
+            <a:off x="7941733" y="4713966"/>
+            <a:ext cx="957262" cy="219455"/>
+          </a:xfrm>
+          <a:prstGeom prst="rect">
+            <a:avLst/>
+          </a:prstGeom>
+        </p:spPr>
+      </p:pic>
+      <p:cxnSp>
+        <p:nvCxnSpPr>
+          <p:cNvPr id="9" name="Straight Connector 8"/>
+          <p:cNvCxnSpPr/>
+          <p:nvPr userDrawn="1"/>
+        </p:nvCxnSpPr>
+        <p:spPr>
+          <a:xfrm>
+            <a:off x="0" y="885931"/>
+            <a:ext cx="9144000" cy="0"/>
+          </a:xfrm>
+          <a:prstGeom prst="line">
+            <a:avLst/>
+          </a:prstGeom>
+          <a:ln>
+            <a:solidFill>
+              <a:srgbClr val="E8E8E8"/>
+            </a:solidFill>
+          </a:ln>
+        </p:spPr>
+        <p:style>
+          <a:lnRef idx="1">
+            <a:schemeClr val="dk1"/>
+          </a:lnRef>
+          <a:fillRef idx="0">
+            <a:schemeClr val="dk1"/>
+          </a:fillRef>
+          <a:effectRef idx="0">
+            <a:schemeClr val="dk1"/>
+          </a:effectRef>
+          <a:fontRef idx="minor">
+            <a:schemeClr val="tx1"/>
+          </a:fontRef>
+        </p:style>
+      </p:cxnSp>
+    </p:spTree>
+    <p:extLst>
+      <p:ext uri="{BB962C8B-B14F-4D97-AF65-F5344CB8AC3E}">
+        <p14:creationId xmlns:p14="http://schemas.microsoft.com/office/powerpoint/2010/main" val="1699687126"/>
+      </p:ext>
+    </p:extLst>
+  </p:cSld>
+  <p:clrMapOvr>
+    <a:masterClrMapping/>
+  </p:clrMapOvr>
+  <p:timing>
+    <p:tnLst>
+      <p:par>
+        <p:cTn xmlns:p14="http://schemas.microsoft.com/office/powerpoint/2010/main" id="1" dur="indefinite" restart="never" nodeType="tmRoot"/>
+      </p:par>
+    </p:tnLst>
+  </p:timing>
 </p:sldLayout>
 </file>
 
@@ -2896,8 +3492,8 @@
     <p:sldLayoutId id="2147484098" r:id="rId1"/>
     <p:sldLayoutId id="2147484099" r:id="rId2"/>
     <p:sldLayoutId id="2147484100" r:id="rId3"/>
-    <p:sldLayoutId id="2147484120" r:id="rId4"/>
-    <p:sldLayoutId id="2147484121" r:id="rId5"/>
+    <p:sldLayoutId id="2147484121" r:id="rId4"/>
+    <p:sldLayoutId id="2147484122" r:id="rId5"/>
   </p:sldLayoutIdLst>
   <p:timing>
     <p:tnLst>
@@ -3656,37 +4252,8 @@
                 </a:effectLst>
                 <a:cs typeface="Arial"/>
               </a:rPr>
-              <a:t>Spring </a:t>
+              <a:t>Spring Security</a:t>
             </a:r>
-            <a:r>
-              <a:rPr lang="en-US" sz="4200" b="1" spc="-100" dirty="0" smtClean="0">
-                <a:solidFill>
-                  <a:srgbClr val="00AE9E"/>
-                </a:solidFill>
-                <a:effectLst>
-                  <a:outerShdw blurRad="50800" dist="38100" dir="5400000" algn="t" rotWithShape="0">
-                    <a:prstClr val="black">
-                      <a:alpha val="40000"/>
-                    </a:prstClr>
-                  </a:outerShdw>
-                </a:effectLst>
-                <a:cs typeface="Arial"/>
-              </a:rPr>
-              <a:t>Security</a:t>
-            </a:r>
-            <a:endParaRPr lang="en-US" sz="4200" b="1" spc="-100" dirty="0" smtClean="0">
-              <a:solidFill>
-                <a:srgbClr val="00AE9E"/>
-              </a:solidFill>
-              <a:effectLst>
-                <a:outerShdw blurRad="50800" dist="38100" dir="5400000" algn="t" rotWithShape="0">
-                  <a:prstClr val="black">
-                    <a:alpha val="40000"/>
-                  </a:prstClr>
-                </a:outerShdw>
-              </a:effectLst>
-              <a:cs typeface="Arial"/>
-            </a:endParaRPr>
           </a:p>
           <a:p>
             <a:pPr>
@@ -3941,7 +4508,7 @@
   <p:cSld>
     <p:spTree>
       <p:nvGrpSpPr>
-        <p:cNvPr id="1" name="Shape 194"/>
+        <p:cNvPr id="1" name=""/>
         <p:cNvGrpSpPr/>
         <p:nvPr/>
       </p:nvGrpSpPr>
@@ -3955,8 +4522,8 @@
       </p:grpSpPr>
       <p:sp>
         <p:nvSpPr>
-          <p:cNvPr id="195" name="Shape 195"/>
-          <p:cNvSpPr txBox="1">
+          <p:cNvPr id="2" name="Title 1"/>
+          <p:cNvSpPr>
             <a:spLocks noGrp="1"/>
           </p:cNvSpPr>
           <p:nvPr>
@@ -3968,119 +4535,313 @@
           <a:bodyPr/>
           <a:lstStyle/>
           <a:p>
-            <a:pPr lvl="0"/>
             <a:r>
-              <a:rPr lang="en-US" sz="3600" dirty="0" smtClean="0">
-                <a:solidFill>
-                  <a:schemeClr val="accent1"/>
-                </a:solidFill>
-                <a:sym typeface="Arial"/>
-              </a:rPr>
-              <a:t>Topics in this Session</a:t>
+              <a:rPr lang="en-US" dirty="0" smtClean="0"/>
+              <a:t>Spring </a:t>
             </a:r>
-            <a:endParaRPr lang="en-US" sz="3600" dirty="0">
+            <a:r>
+              <a:rPr lang="en-US" dirty="0" smtClean="0"/>
+              <a:t>Security</a:t>
+            </a:r>
+            <a:endParaRPr lang="en-US" dirty="0">
               <a:solidFill>
-                <a:schemeClr val="accent1"/>
+                <a:srgbClr val="138A7E"/>
               </a:solidFill>
-              <a:sym typeface="Arial"/>
             </a:endParaRPr>
           </a:p>
         </p:txBody>
       </p:sp>
       <p:sp>
         <p:nvSpPr>
-          <p:cNvPr id="196" name="Shape 196"/>
-          <p:cNvSpPr txBox="1">
+          <p:cNvPr id="3" name="Content Placeholder 2"/>
+          <p:cNvSpPr>
             <a:spLocks noGrp="1"/>
           </p:cNvSpPr>
           <p:nvPr>
-            <p:ph type="body" sz="quarter" idx="4294967295"/>
+            <p:ph sz="quarter" idx="10"/>
           </p:nvPr>
         </p:nvSpPr>
         <p:spPr>
           <a:xfrm>
-            <a:off x="431800" y="624362"/>
-            <a:ext cx="8551408" cy="3848609"/>
+            <a:off x="457199" y="1108075"/>
+            <a:ext cx="8453121" cy="1381126"/>
+          </a:xfrm>
+        </p:spPr>
+        <p:txBody>
+          <a:bodyPr>
+            <a:normAutofit/>
+          </a:bodyPr>
+          <a:lstStyle/>
+          <a:p>
+            <a:pPr marL="0" indent="0">
+              <a:buNone/>
+            </a:pPr>
+            <a:r>
+              <a:rPr lang="en-US" sz="1400" dirty="0" smtClean="0"/>
+              <a:t>a framework that focuses on providing both authentication and authorization to Java and Groovy applications</a:t>
+            </a:r>
+          </a:p>
+          <a:p>
+            <a:pPr marL="0" indent="0">
+              <a:buNone/>
+            </a:pPr>
+            <a:endParaRPr lang="en-US" sz="1400" dirty="0"/>
+          </a:p>
+          <a:p>
+            <a:pPr marL="0" indent="0">
+              <a:buNone/>
+            </a:pPr>
+            <a:r>
+              <a:rPr lang="en-US" sz="1400" dirty="0" smtClean="0"/>
+              <a:t>It makes it </a:t>
+            </a:r>
+            <a:r>
+              <a:rPr lang="en-US" sz="1400" i="1" u="sng" dirty="0" smtClean="0"/>
+              <a:t>easy to use </a:t>
+            </a:r>
+            <a:r>
+              <a:rPr lang="en-US" sz="1400" dirty="0" smtClean="0"/>
+              <a:t>data access technologies, relational and non-relational databases, map-reduce frameworks, and cloud-based data services.</a:t>
+            </a:r>
+            <a:endParaRPr lang="en-US" sz="1400" dirty="0" smtClean="0"/>
+          </a:p>
+        </p:txBody>
+      </p:sp>
+      <p:sp>
+        <p:nvSpPr>
+          <p:cNvPr id="7" name="Content Placeholder 2"/>
+          <p:cNvSpPr txBox="1">
+            <a:spLocks/>
+          </p:cNvSpPr>
+          <p:nvPr/>
+        </p:nvSpPr>
+        <p:spPr>
+          <a:xfrm>
+            <a:off x="3749040" y="2212656"/>
+            <a:ext cx="5080000" cy="2298383"/>
           </a:xfrm>
           <a:prstGeom prst="rect">
             <a:avLst/>
           </a:prstGeom>
         </p:spPr>
         <p:txBody>
-          <a:bodyPr/>
-          <a:lstStyle/>
-          <a:p>
-            <a:pPr marL="0" lvl="0" indent="0">
-              <a:buClr>
-                <a:srgbClr val="008774"/>
-              </a:buClr>
+          <a:bodyPr>
+            <a:normAutofit/>
+          </a:bodyPr>
+          <a:lstStyle>
+            <a:lvl1pPr marL="342900" indent="-342900" algn="l" defTabSz="457200" rtl="0" eaLnBrk="1" latinLnBrk="0" hangingPunct="1">
+              <a:spcBef>
+                <a:spcPct val="20000"/>
+              </a:spcBef>
+              <a:buFont typeface="Arial"/>
+              <a:buChar char="•"/>
+              <a:defRPr sz="3200" kern="1200">
+                <a:solidFill>
+                  <a:schemeClr val="bg1"/>
+                </a:solidFill>
+                <a:latin typeface="Arial" panose="020B0604020202020204" pitchFamily="34" charset="0"/>
+                <a:ea typeface="+mn-ea"/>
+                <a:cs typeface="Arial" panose="020B0604020202020204" pitchFamily="34" charset="0"/>
+              </a:defRPr>
+            </a:lvl1pPr>
+            <a:lvl2pPr marL="742950" indent="-285750" algn="l" defTabSz="457200" rtl="0" eaLnBrk="1" latinLnBrk="0" hangingPunct="1">
+              <a:spcBef>
+                <a:spcPct val="20000"/>
+              </a:spcBef>
+              <a:buFont typeface="Arial"/>
+              <a:buChar char="–"/>
+              <a:defRPr sz="2800" kern="1200">
+                <a:solidFill>
+                  <a:schemeClr val="bg1"/>
+                </a:solidFill>
+                <a:latin typeface="Arial" panose="020B0604020202020204" pitchFamily="34" charset="0"/>
+                <a:ea typeface="+mn-ea"/>
+                <a:cs typeface="Arial" panose="020B0604020202020204" pitchFamily="34" charset="0"/>
+              </a:defRPr>
+            </a:lvl2pPr>
+            <a:lvl3pPr marL="1143000" indent="-228600" algn="l" defTabSz="457200" rtl="0" eaLnBrk="1" latinLnBrk="0" hangingPunct="1">
+              <a:spcBef>
+                <a:spcPct val="20000"/>
+              </a:spcBef>
+              <a:buFont typeface="Arial"/>
+              <a:buChar char="•"/>
+              <a:defRPr sz="2400" kern="1200">
+                <a:solidFill>
+                  <a:schemeClr val="bg1"/>
+                </a:solidFill>
+                <a:latin typeface="Arial" panose="020B0604020202020204" pitchFamily="34" charset="0"/>
+                <a:ea typeface="+mn-ea"/>
+                <a:cs typeface="Arial" panose="020B0604020202020204" pitchFamily="34" charset="0"/>
+              </a:defRPr>
+            </a:lvl3pPr>
+            <a:lvl4pPr marL="1600200" indent="-228600" algn="l" defTabSz="457200" rtl="0" eaLnBrk="1" latinLnBrk="0" hangingPunct="1">
+              <a:spcBef>
+                <a:spcPct val="20000"/>
+              </a:spcBef>
+              <a:buFont typeface="Arial"/>
+              <a:buChar char="–"/>
+              <a:defRPr sz="2000" kern="1200">
+                <a:solidFill>
+                  <a:schemeClr val="bg1"/>
+                </a:solidFill>
+                <a:latin typeface="Arial" panose="020B0604020202020204" pitchFamily="34" charset="0"/>
+                <a:ea typeface="+mn-ea"/>
+                <a:cs typeface="Arial" panose="020B0604020202020204" pitchFamily="34" charset="0"/>
+              </a:defRPr>
+            </a:lvl4pPr>
+            <a:lvl5pPr marL="2057400" indent="-228600" algn="l" defTabSz="457200" rtl="0" eaLnBrk="1" latinLnBrk="0" hangingPunct="1">
+              <a:spcBef>
+                <a:spcPct val="20000"/>
+              </a:spcBef>
+              <a:buFont typeface="Arial"/>
+              <a:buChar char="»"/>
+              <a:defRPr sz="2000" kern="1200">
+                <a:solidFill>
+                  <a:schemeClr val="bg1"/>
+                </a:solidFill>
+                <a:latin typeface="Arial" panose="020B0604020202020204" pitchFamily="34" charset="0"/>
+                <a:ea typeface="+mn-ea"/>
+                <a:cs typeface="Arial" panose="020B0604020202020204" pitchFamily="34" charset="0"/>
+              </a:defRPr>
+            </a:lvl5pPr>
+            <a:lvl6pPr marL="2514600" indent="-228600" algn="l" defTabSz="457200" rtl="0" eaLnBrk="1" latinLnBrk="0" hangingPunct="1">
+              <a:spcBef>
+                <a:spcPct val="20000"/>
+              </a:spcBef>
+              <a:buFont typeface="Arial"/>
+              <a:buChar char="•"/>
+              <a:defRPr sz="2000" kern="1200">
+                <a:solidFill>
+                  <a:schemeClr val="tx1"/>
+                </a:solidFill>
+                <a:latin typeface="+mn-lt"/>
+                <a:ea typeface="+mn-ea"/>
+                <a:cs typeface="+mn-cs"/>
+              </a:defRPr>
+            </a:lvl6pPr>
+            <a:lvl7pPr marL="2971800" indent="-228600" algn="l" defTabSz="457200" rtl="0" eaLnBrk="1" latinLnBrk="0" hangingPunct="1">
+              <a:spcBef>
+                <a:spcPct val="20000"/>
+              </a:spcBef>
+              <a:buFont typeface="Arial"/>
+              <a:buChar char="•"/>
+              <a:defRPr sz="2000" kern="1200">
+                <a:solidFill>
+                  <a:schemeClr val="tx1"/>
+                </a:solidFill>
+                <a:latin typeface="+mn-lt"/>
+                <a:ea typeface="+mn-ea"/>
+                <a:cs typeface="+mn-cs"/>
+              </a:defRPr>
+            </a:lvl7pPr>
+            <a:lvl8pPr marL="3429000" indent="-228600" algn="l" defTabSz="457200" rtl="0" eaLnBrk="1" latinLnBrk="0" hangingPunct="1">
+              <a:spcBef>
+                <a:spcPct val="20000"/>
+              </a:spcBef>
+              <a:buFont typeface="Arial"/>
+              <a:buChar char="•"/>
+              <a:defRPr sz="2000" kern="1200">
+                <a:solidFill>
+                  <a:schemeClr val="tx1"/>
+                </a:solidFill>
+                <a:latin typeface="+mn-lt"/>
+                <a:ea typeface="+mn-ea"/>
+                <a:cs typeface="+mn-cs"/>
+              </a:defRPr>
+            </a:lvl8pPr>
+            <a:lvl9pPr marL="3886200" indent="-228600" algn="l" defTabSz="457200" rtl="0" eaLnBrk="1" latinLnBrk="0" hangingPunct="1">
+              <a:spcBef>
+                <a:spcPct val="20000"/>
+              </a:spcBef>
+              <a:buFont typeface="Arial"/>
+              <a:buChar char="•"/>
+              <a:defRPr sz="2000" kern="1200">
+                <a:solidFill>
+                  <a:schemeClr val="tx1"/>
+                </a:solidFill>
+                <a:latin typeface="+mn-lt"/>
+                <a:ea typeface="+mn-ea"/>
+                <a:cs typeface="+mn-cs"/>
+              </a:defRPr>
+            </a:lvl9pPr>
+          </a:lstStyle>
+          <a:p>
+            <a:pPr marL="0" indent="0">
+              <a:buFont typeface="Arial"/>
               <a:buNone/>
             </a:pPr>
-            <a:endParaRPr lang="en-US" sz="2800" dirty="0" smtClean="0">
-              <a:sym typeface="Arial"/>
-            </a:endParaRPr>
-          </a:p>
-          <a:p>
-            <a:pPr>
-              <a:buClr>
-                <a:srgbClr val="008774"/>
-              </a:buClr>
-            </a:pPr>
-            <a:r>
-              <a:rPr lang="en-US" sz="2400" dirty="0" smtClean="0">
-                <a:sym typeface="Arial"/>
-              </a:rPr>
-              <a:t>Review Spring Data</a:t>
-            </a:r>
-            <a:endParaRPr lang="en-US" sz="2000" dirty="0" smtClean="0">
-              <a:sym typeface="Arial"/>
-            </a:endParaRPr>
-          </a:p>
-          <a:p>
-            <a:pPr>
-              <a:buClr>
-                <a:srgbClr val="008774"/>
-              </a:buClr>
-            </a:pPr>
-            <a:r>
-              <a:rPr lang="en-US" sz="2400" b="1" dirty="0" smtClean="0">
-                <a:sym typeface="Arial"/>
-              </a:rPr>
-              <a:t>Spring Data REST</a:t>
-            </a:r>
+            <a:endParaRPr lang="en-US" sz="1400" dirty="0" smtClean="0"/>
           </a:p>
         </p:txBody>
       </p:sp>
+      <p:pic>
+        <p:nvPicPr>
+          <p:cNvPr id="6" name="Picture 5"/>
+          <p:cNvPicPr>
+            <a:picLocks noChangeAspect="1"/>
+          </p:cNvPicPr>
+          <p:nvPr/>
+        </p:nvPicPr>
+        <p:blipFill>
+          <a:blip r:embed="rId3"/>
+          <a:stretch>
+            <a:fillRect/>
+          </a:stretch>
+        </p:blipFill>
+        <p:spPr>
+          <a:xfrm>
+            <a:off x="279400" y="3009900"/>
+            <a:ext cx="8572500" cy="889000"/>
+          </a:xfrm>
+          <a:prstGeom prst="rect">
+            <a:avLst/>
+          </a:prstGeom>
+        </p:spPr>
+      </p:pic>
       <p:sp>
         <p:nvSpPr>
-          <p:cNvPr id="3" name="TextBox 2"/>
-          <p:cNvSpPr txBox="1"/>
+          <p:cNvPr id="8" name="Frame 7"/>
+          <p:cNvSpPr/>
           <p:nvPr/>
         </p:nvSpPr>
         <p:spPr>
           <a:xfrm>
-            <a:off x="8370455" y="4906818"/>
-            <a:ext cx="184666" cy="369332"/>
+            <a:off x="3992880" y="2722880"/>
+            <a:ext cx="1828800" cy="1483360"/>
           </a:xfrm>
-          <a:prstGeom prst="rect">
-            <a:avLst/>
+          <a:prstGeom prst="frame">
+            <a:avLst>
+              <a:gd name="adj1" fmla="val 5183"/>
+            </a:avLst>
           </a:prstGeom>
-          <a:noFill/>
+          <a:ln/>
         </p:spPr>
+        <p:style>
+          <a:lnRef idx="1">
+            <a:schemeClr val="accent1"/>
+          </a:lnRef>
+          <a:fillRef idx="3">
+            <a:schemeClr val="accent1"/>
+          </a:fillRef>
+          <a:effectRef idx="2">
+            <a:schemeClr val="accent1"/>
+          </a:effectRef>
+          <a:fontRef idx="minor">
+            <a:schemeClr val="lt1"/>
+          </a:fontRef>
+        </p:style>
         <p:txBody>
-          <a:bodyPr wrap="none" rtlCol="0">
-            <a:spAutoFit/>
-          </a:bodyPr>
+          <a:bodyPr/>
           <a:lstStyle/>
           <a:p>
-            <a:endParaRPr lang="en-US" dirty="0"/>
+            <a:endParaRPr lang="en-US"/>
           </a:p>
         </p:txBody>
       </p:sp>
     </p:spTree>
     <p:extLst>
       <p:ext uri="{BB962C8B-B14F-4D97-AF65-F5344CB8AC3E}">
-        <p14:creationId xmlns:p14="http://schemas.microsoft.com/office/powerpoint/2010/main" val="970695873"/>
+        <p14:creationId xmlns:p14="http://schemas.microsoft.com/office/powerpoint/2010/main" val="3724089710"/>
       </p:ext>
     </p:extLst>
   </p:cSld>
@@ -4089,10 +4850,10 @@
   </p:clrMapOvr>
   <mc:AlternateContent xmlns:mc="http://schemas.openxmlformats.org/markup-compatibility/2006" xmlns:p14="http://schemas.microsoft.com/office/powerpoint/2010/main">
     <mc:Choice Requires="p14">
-      <p:transition p14:dur="0"/>
+      <p:transition spd="slow" p14:dur="2000"/>
     </mc:Choice>
     <mc:Fallback xmlns="">
-      <p:transition xmlns:p14="http://schemas.microsoft.com/office/powerpoint/2010/main"/>
+      <p:transition xmlns:p14="http://schemas.microsoft.com/office/powerpoint/2010/main" spd="slow"/>
     </mc:Fallback>
   </mc:AlternateContent>
   <p:timing>
@@ -4110,7 +4871,7 @@
   <p:cSld>
     <p:spTree>
       <p:nvGrpSpPr>
-        <p:cNvPr id="1" name="Shape 194"/>
+        <p:cNvPr id="1" name=""/>
         <p:cNvGrpSpPr/>
         <p:nvPr/>
       </p:nvGrpSpPr>
@@ -4124,8 +4885,8 @@
       </p:grpSpPr>
       <p:sp>
         <p:nvSpPr>
-          <p:cNvPr id="195" name="Shape 195"/>
-          <p:cNvSpPr txBox="1">
+          <p:cNvPr id="2" name="Title 1"/>
+          <p:cNvSpPr>
             <a:spLocks noGrp="1"/>
           </p:cNvSpPr>
           <p:nvPr>
@@ -4137,132 +4898,231 @@
           <a:bodyPr/>
           <a:lstStyle/>
           <a:p>
-            <a:pPr lvl="0"/>
             <a:r>
-              <a:rPr lang="en-US" sz="3600" dirty="0" smtClean="0">
-                <a:solidFill>
-                  <a:schemeClr val="accent1"/>
-                </a:solidFill>
-                <a:sym typeface="Arial"/>
-              </a:rPr>
-              <a:t>Spring Data REST</a:t>
+              <a:rPr lang="en-US" dirty="0" smtClean="0"/>
+              <a:t>Spring </a:t>
             </a:r>
-            <a:endParaRPr lang="en-US" sz="3600" dirty="0">
+            <a:r>
+              <a:rPr lang="en-US" dirty="0" smtClean="0"/>
+              <a:t>Security</a:t>
+            </a:r>
+            <a:endParaRPr lang="en-US" dirty="0">
               <a:solidFill>
-                <a:schemeClr val="accent1"/>
+                <a:srgbClr val="138A7E"/>
               </a:solidFill>
-              <a:sym typeface="Arial"/>
             </a:endParaRPr>
           </a:p>
         </p:txBody>
       </p:sp>
       <p:sp>
         <p:nvSpPr>
-          <p:cNvPr id="196" name="Shape 196"/>
-          <p:cNvSpPr txBox="1">
+          <p:cNvPr id="3" name="Content Placeholder 2"/>
+          <p:cNvSpPr>
             <a:spLocks noGrp="1"/>
           </p:cNvSpPr>
           <p:nvPr>
-            <p:ph type="body" sz="quarter" idx="4294967295"/>
+            <p:ph sz="quarter" idx="10"/>
           </p:nvPr>
         </p:nvSpPr>
         <p:spPr>
           <a:xfrm>
-            <a:off x="431800" y="624362"/>
-            <a:ext cx="8551408" cy="3848609"/>
+            <a:off x="457199" y="1108075"/>
+            <a:ext cx="8453121" cy="639445"/>
+          </a:xfrm>
+        </p:spPr>
+        <p:txBody>
+          <a:bodyPr>
+            <a:normAutofit/>
+          </a:bodyPr>
+          <a:lstStyle/>
+          <a:p>
+            <a:pPr marL="0" indent="0">
+              <a:buNone/>
+            </a:pPr>
+            <a:r>
+              <a:rPr lang="en-US" sz="1400" dirty="0" smtClean="0"/>
+              <a:t>at an authentication level, Spring Security supports a wide range of authentication models, its own set of authentication features, and integration with technologies</a:t>
+            </a:r>
+          </a:p>
+        </p:txBody>
+      </p:sp>
+      <p:sp>
+        <p:nvSpPr>
+          <p:cNvPr id="7" name="Content Placeholder 2"/>
+          <p:cNvSpPr txBox="1">
+            <a:spLocks/>
+          </p:cNvSpPr>
+          <p:nvPr/>
+        </p:nvSpPr>
+        <p:spPr>
+          <a:xfrm>
+            <a:off x="3749040" y="2212656"/>
+            <a:ext cx="5080000" cy="2298383"/>
           </a:xfrm>
           <a:prstGeom prst="rect">
             <a:avLst/>
           </a:prstGeom>
         </p:spPr>
         <p:txBody>
-          <a:bodyPr/>
-          <a:lstStyle/>
-          <a:p>
-            <a:pPr marL="0" lvl="0" indent="0">
-              <a:buClr>
-                <a:srgbClr val="008774"/>
-              </a:buClr>
+          <a:bodyPr>
+            <a:normAutofit/>
+          </a:bodyPr>
+          <a:lstStyle>
+            <a:lvl1pPr marL="342900" indent="-342900" algn="l" defTabSz="457200" rtl="0" eaLnBrk="1" latinLnBrk="0" hangingPunct="1">
+              <a:spcBef>
+                <a:spcPct val="20000"/>
+              </a:spcBef>
+              <a:buFont typeface="Arial"/>
+              <a:buChar char="•"/>
+              <a:defRPr sz="3200" kern="1200">
+                <a:solidFill>
+                  <a:schemeClr val="bg1"/>
+                </a:solidFill>
+                <a:latin typeface="Arial" panose="020B0604020202020204" pitchFamily="34" charset="0"/>
+                <a:ea typeface="+mn-ea"/>
+                <a:cs typeface="Arial" panose="020B0604020202020204" pitchFamily="34" charset="0"/>
+              </a:defRPr>
+            </a:lvl1pPr>
+            <a:lvl2pPr marL="742950" indent="-285750" algn="l" defTabSz="457200" rtl="0" eaLnBrk="1" latinLnBrk="0" hangingPunct="1">
+              <a:spcBef>
+                <a:spcPct val="20000"/>
+              </a:spcBef>
+              <a:buFont typeface="Arial"/>
+              <a:buChar char="–"/>
+              <a:defRPr sz="2800" kern="1200">
+                <a:solidFill>
+                  <a:schemeClr val="bg1"/>
+                </a:solidFill>
+                <a:latin typeface="Arial" panose="020B0604020202020204" pitchFamily="34" charset="0"/>
+                <a:ea typeface="+mn-ea"/>
+                <a:cs typeface="Arial" panose="020B0604020202020204" pitchFamily="34" charset="0"/>
+              </a:defRPr>
+            </a:lvl2pPr>
+            <a:lvl3pPr marL="1143000" indent="-228600" algn="l" defTabSz="457200" rtl="0" eaLnBrk="1" latinLnBrk="0" hangingPunct="1">
+              <a:spcBef>
+                <a:spcPct val="20000"/>
+              </a:spcBef>
+              <a:buFont typeface="Arial"/>
+              <a:buChar char="•"/>
+              <a:defRPr sz="2400" kern="1200">
+                <a:solidFill>
+                  <a:schemeClr val="bg1"/>
+                </a:solidFill>
+                <a:latin typeface="Arial" panose="020B0604020202020204" pitchFamily="34" charset="0"/>
+                <a:ea typeface="+mn-ea"/>
+                <a:cs typeface="Arial" panose="020B0604020202020204" pitchFamily="34" charset="0"/>
+              </a:defRPr>
+            </a:lvl3pPr>
+            <a:lvl4pPr marL="1600200" indent="-228600" algn="l" defTabSz="457200" rtl="0" eaLnBrk="1" latinLnBrk="0" hangingPunct="1">
+              <a:spcBef>
+                <a:spcPct val="20000"/>
+              </a:spcBef>
+              <a:buFont typeface="Arial"/>
+              <a:buChar char="–"/>
+              <a:defRPr sz="2000" kern="1200">
+                <a:solidFill>
+                  <a:schemeClr val="bg1"/>
+                </a:solidFill>
+                <a:latin typeface="Arial" panose="020B0604020202020204" pitchFamily="34" charset="0"/>
+                <a:ea typeface="+mn-ea"/>
+                <a:cs typeface="Arial" panose="020B0604020202020204" pitchFamily="34" charset="0"/>
+              </a:defRPr>
+            </a:lvl4pPr>
+            <a:lvl5pPr marL="2057400" indent="-228600" algn="l" defTabSz="457200" rtl="0" eaLnBrk="1" latinLnBrk="0" hangingPunct="1">
+              <a:spcBef>
+                <a:spcPct val="20000"/>
+              </a:spcBef>
+              <a:buFont typeface="Arial"/>
+              <a:buChar char="»"/>
+              <a:defRPr sz="2000" kern="1200">
+                <a:solidFill>
+                  <a:schemeClr val="bg1"/>
+                </a:solidFill>
+                <a:latin typeface="Arial" panose="020B0604020202020204" pitchFamily="34" charset="0"/>
+                <a:ea typeface="+mn-ea"/>
+                <a:cs typeface="Arial" panose="020B0604020202020204" pitchFamily="34" charset="0"/>
+              </a:defRPr>
+            </a:lvl5pPr>
+            <a:lvl6pPr marL="2514600" indent="-228600" algn="l" defTabSz="457200" rtl="0" eaLnBrk="1" latinLnBrk="0" hangingPunct="1">
+              <a:spcBef>
+                <a:spcPct val="20000"/>
+              </a:spcBef>
+              <a:buFont typeface="Arial"/>
+              <a:buChar char="•"/>
+              <a:defRPr sz="2000" kern="1200">
+                <a:solidFill>
+                  <a:schemeClr val="tx1"/>
+                </a:solidFill>
+                <a:latin typeface="+mn-lt"/>
+                <a:ea typeface="+mn-ea"/>
+                <a:cs typeface="+mn-cs"/>
+              </a:defRPr>
+            </a:lvl6pPr>
+            <a:lvl7pPr marL="2971800" indent="-228600" algn="l" defTabSz="457200" rtl="0" eaLnBrk="1" latinLnBrk="0" hangingPunct="1">
+              <a:spcBef>
+                <a:spcPct val="20000"/>
+              </a:spcBef>
+              <a:buFont typeface="Arial"/>
+              <a:buChar char="•"/>
+              <a:defRPr sz="2000" kern="1200">
+                <a:solidFill>
+                  <a:schemeClr val="tx1"/>
+                </a:solidFill>
+                <a:latin typeface="+mn-lt"/>
+                <a:ea typeface="+mn-ea"/>
+                <a:cs typeface="+mn-cs"/>
+              </a:defRPr>
+            </a:lvl7pPr>
+            <a:lvl8pPr marL="3429000" indent="-228600" algn="l" defTabSz="457200" rtl="0" eaLnBrk="1" latinLnBrk="0" hangingPunct="1">
+              <a:spcBef>
+                <a:spcPct val="20000"/>
+              </a:spcBef>
+              <a:buFont typeface="Arial"/>
+              <a:buChar char="•"/>
+              <a:defRPr sz="2000" kern="1200">
+                <a:solidFill>
+                  <a:schemeClr val="tx1"/>
+                </a:solidFill>
+                <a:latin typeface="+mn-lt"/>
+                <a:ea typeface="+mn-ea"/>
+                <a:cs typeface="+mn-cs"/>
+              </a:defRPr>
+            </a:lvl8pPr>
+            <a:lvl9pPr marL="3886200" indent="-228600" algn="l" defTabSz="457200" rtl="0" eaLnBrk="1" latinLnBrk="0" hangingPunct="1">
+              <a:spcBef>
+                <a:spcPct val="20000"/>
+              </a:spcBef>
+              <a:buFont typeface="Arial"/>
+              <a:buChar char="•"/>
+              <a:defRPr sz="2000" kern="1200">
+                <a:solidFill>
+                  <a:schemeClr val="tx1"/>
+                </a:solidFill>
+                <a:latin typeface="+mn-lt"/>
+                <a:ea typeface="+mn-ea"/>
+                <a:cs typeface="+mn-cs"/>
+              </a:defRPr>
+            </a:lvl9pPr>
+          </a:lstStyle>
+          <a:p>
+            <a:pPr marL="0" indent="0">
+              <a:buFont typeface="Arial"/>
               <a:buNone/>
             </a:pPr>
-            <a:endParaRPr lang="en-US" sz="2800" dirty="0" smtClean="0">
-              <a:sym typeface="Arial"/>
-            </a:endParaRPr>
-          </a:p>
-          <a:p>
-            <a:pPr marL="0" indent="0">
-              <a:buClr>
-                <a:srgbClr val="008774"/>
-              </a:buClr>
-              <a:buNone/>
-            </a:pPr>
-            <a:r>
-              <a:rPr lang="en-US" sz="2400" dirty="0" smtClean="0">
-                <a:sym typeface="Arial"/>
-              </a:rPr>
-              <a:t>Goal is to provide a solid foundation on which to expose </a:t>
-            </a:r>
-            <a:r>
-              <a:rPr lang="en-US" sz="2400" b="1" dirty="0" smtClean="0">
-                <a:solidFill>
-                  <a:srgbClr val="800000"/>
-                </a:solidFill>
-                <a:sym typeface="Arial"/>
-              </a:rPr>
-              <a:t>CRUD</a:t>
-            </a:r>
-            <a:r>
-              <a:rPr lang="en-US" sz="2400" dirty="0" smtClean="0">
-                <a:solidFill>
-                  <a:srgbClr val="800000"/>
-                </a:solidFill>
-                <a:sym typeface="Arial"/>
-              </a:rPr>
-              <a:t> </a:t>
-            </a:r>
-            <a:r>
-              <a:rPr lang="en-US" sz="2400" dirty="0" smtClean="0">
-                <a:sym typeface="Arial"/>
-              </a:rPr>
-              <a:t>repositories to your </a:t>
-            </a:r>
-            <a:r>
-              <a:rPr lang="en-US" sz="2400" i="1" dirty="0" smtClean="0">
-                <a:solidFill>
-                  <a:srgbClr val="800000"/>
-                </a:solidFill>
-                <a:sym typeface="Arial"/>
-              </a:rPr>
-              <a:t>repository managed entities </a:t>
-            </a:r>
-            <a:r>
-              <a:rPr lang="en-US" sz="2400" dirty="0" smtClean="0">
-                <a:sym typeface="Arial"/>
-              </a:rPr>
-              <a:t>using plain </a:t>
-            </a:r>
-            <a:r>
-              <a:rPr lang="en-US" sz="2400" b="1" dirty="0" smtClean="0">
-                <a:solidFill>
-                  <a:srgbClr val="800000"/>
-                </a:solidFill>
-                <a:sym typeface="Arial"/>
-              </a:rPr>
-              <a:t>HTTP REST semantics</a:t>
-            </a:r>
+            <a:endParaRPr lang="en-US" sz="1400" dirty="0" smtClean="0"/>
           </a:p>
         </p:txBody>
       </p:sp>
       <p:sp>
         <p:nvSpPr>
-          <p:cNvPr id="3" name="TextBox 2"/>
-          <p:cNvSpPr txBox="1"/>
+          <p:cNvPr id="4" name="Rectangle 3"/>
+          <p:cNvSpPr/>
           <p:nvPr/>
         </p:nvSpPr>
         <p:spPr>
-          <a:xfrm>
-            <a:off x="8370455" y="4906818"/>
-            <a:ext cx="184666" cy="369332"/>
+          <a:xfrm rot="21104048">
+            <a:off x="152209" y="1827935"/>
+            <a:ext cx="3560014" cy="769441"/>
           </a:xfrm>
           <a:prstGeom prst="rect">
             <a:avLst/>
@@ -4270,19 +5130,922 @@
           <a:noFill/>
         </p:spPr>
         <p:txBody>
-          <a:bodyPr wrap="none" rtlCol="0">
+          <a:bodyPr wrap="none" lIns="91440" tIns="45720" rIns="91440" bIns="45720">
             <a:spAutoFit/>
           </a:bodyPr>
           <a:lstStyle/>
           <a:p>
-            <a:endParaRPr lang="en-US" dirty="0"/>
+            <a:pPr algn="ctr"/>
+            <a:r>
+              <a:rPr lang="en-US" sz="4400" b="1" cap="none" spc="0" dirty="0" smtClean="0">
+                <a:ln w="12700">
+                  <a:solidFill>
+                    <a:schemeClr val="tx2">
+                      <a:satMod val="155000"/>
+                    </a:schemeClr>
+                  </a:solidFill>
+                  <a:prstDash val="solid"/>
+                </a:ln>
+                <a:solidFill>
+                  <a:schemeClr val="bg2">
+                    <a:tint val="85000"/>
+                    <a:satMod val="155000"/>
+                  </a:schemeClr>
+                </a:solidFill>
+                <a:effectLst>
+                  <a:outerShdw blurRad="41275" dist="20320" dir="1800000" algn="tl" rotWithShape="0">
+                    <a:srgbClr val="000000">
+                      <a:alpha val="40000"/>
+                    </a:srgbClr>
+                  </a:outerShdw>
+                </a:effectLst>
+              </a:rPr>
+              <a:t>HTTP BASIC</a:t>
+            </a:r>
+            <a:endParaRPr lang="en-US" sz="4400" b="1" cap="none" spc="0" dirty="0">
+              <a:ln w="12700">
+                <a:solidFill>
+                  <a:schemeClr val="tx2">
+                    <a:satMod val="155000"/>
+                  </a:schemeClr>
+                </a:solidFill>
+                <a:prstDash val="solid"/>
+              </a:ln>
+              <a:solidFill>
+                <a:schemeClr val="bg2">
+                  <a:tint val="85000"/>
+                  <a:satMod val="155000"/>
+                </a:schemeClr>
+              </a:solidFill>
+              <a:effectLst>
+                <a:outerShdw blurRad="41275" dist="20320" dir="1800000" algn="tl" rotWithShape="0">
+                  <a:srgbClr val="000000">
+                    <a:alpha val="40000"/>
+                  </a:srgbClr>
+                </a:outerShdw>
+              </a:effectLst>
+            </a:endParaRPr>
+          </a:p>
+        </p:txBody>
+      </p:sp>
+      <p:sp>
+        <p:nvSpPr>
+          <p:cNvPr id="9" name="Rectangle 8"/>
+          <p:cNvSpPr/>
+          <p:nvPr/>
+        </p:nvSpPr>
+        <p:spPr>
+          <a:xfrm rot="397206">
+            <a:off x="32588" y="2782975"/>
+            <a:ext cx="3528881" cy="769441"/>
+          </a:xfrm>
+          <a:prstGeom prst="rect">
+            <a:avLst/>
+          </a:prstGeom>
+          <a:noFill/>
+        </p:spPr>
+        <p:txBody>
+          <a:bodyPr wrap="none" lIns="91440" tIns="45720" rIns="91440" bIns="45720">
+            <a:spAutoFit/>
+          </a:bodyPr>
+          <a:lstStyle/>
+          <a:p>
+            <a:pPr algn="ctr"/>
+            <a:r>
+              <a:rPr lang="en-US" sz="4400" b="1" cap="none" spc="0" dirty="0" smtClean="0">
+                <a:ln w="12700">
+                  <a:solidFill>
+                    <a:schemeClr val="tx2">
+                      <a:satMod val="155000"/>
+                    </a:schemeClr>
+                  </a:solidFill>
+                  <a:prstDash val="solid"/>
+                </a:ln>
+                <a:solidFill>
+                  <a:schemeClr val="bg2">
+                    <a:tint val="85000"/>
+                    <a:satMod val="155000"/>
+                  </a:schemeClr>
+                </a:solidFill>
+                <a:effectLst>
+                  <a:outerShdw blurRad="41275" dist="20320" dir="1800000" algn="tl" rotWithShape="0">
+                    <a:srgbClr val="000000">
+                      <a:alpha val="40000"/>
+                    </a:srgbClr>
+                  </a:outerShdw>
+                </a:effectLst>
+              </a:rPr>
+              <a:t>HTTP Digest</a:t>
+            </a:r>
+            <a:endParaRPr lang="en-US" sz="4400" b="1" cap="none" spc="0" dirty="0">
+              <a:ln w="12700">
+                <a:solidFill>
+                  <a:schemeClr val="tx2">
+                    <a:satMod val="155000"/>
+                  </a:schemeClr>
+                </a:solidFill>
+                <a:prstDash val="solid"/>
+              </a:ln>
+              <a:solidFill>
+                <a:schemeClr val="bg2">
+                  <a:tint val="85000"/>
+                  <a:satMod val="155000"/>
+                </a:schemeClr>
+              </a:solidFill>
+              <a:effectLst>
+                <a:outerShdw blurRad="41275" dist="20320" dir="1800000" algn="tl" rotWithShape="0">
+                  <a:srgbClr val="000000">
+                    <a:alpha val="40000"/>
+                  </a:srgbClr>
+                </a:outerShdw>
+              </a:effectLst>
+            </a:endParaRPr>
+          </a:p>
+        </p:txBody>
+      </p:sp>
+      <p:sp>
+        <p:nvSpPr>
+          <p:cNvPr id="10" name="Rectangle 9"/>
+          <p:cNvSpPr/>
+          <p:nvPr/>
+        </p:nvSpPr>
+        <p:spPr>
+          <a:xfrm rot="21104048">
+            <a:off x="276792" y="3605935"/>
+            <a:ext cx="3278988" cy="769441"/>
+          </a:xfrm>
+          <a:prstGeom prst="rect">
+            <a:avLst/>
+          </a:prstGeom>
+          <a:noFill/>
+        </p:spPr>
+        <p:txBody>
+          <a:bodyPr wrap="none" lIns="91440" tIns="45720" rIns="91440" bIns="45720">
+            <a:spAutoFit/>
+          </a:bodyPr>
+          <a:lstStyle/>
+          <a:p>
+            <a:pPr algn="ctr"/>
+            <a:r>
+              <a:rPr lang="en-US" sz="4400" b="1" cap="none" spc="0" dirty="0" smtClean="0">
+                <a:ln w="12700">
+                  <a:solidFill>
+                    <a:schemeClr val="tx2">
+                      <a:satMod val="155000"/>
+                    </a:schemeClr>
+                  </a:solidFill>
+                  <a:prstDash val="solid"/>
+                </a:ln>
+                <a:solidFill>
+                  <a:schemeClr val="bg2">
+                    <a:tint val="85000"/>
+                    <a:satMod val="155000"/>
+                  </a:schemeClr>
+                </a:solidFill>
+                <a:effectLst>
+                  <a:outerShdw blurRad="41275" dist="20320" dir="1800000" algn="tl" rotWithShape="0">
+                    <a:srgbClr val="000000">
+                      <a:alpha val="40000"/>
+                    </a:srgbClr>
+                  </a:outerShdw>
+                </a:effectLst>
+              </a:rPr>
+              <a:t>HTTP X.509</a:t>
+            </a:r>
+            <a:endParaRPr lang="en-US" sz="4400" b="1" cap="none" spc="0" dirty="0">
+              <a:ln w="12700">
+                <a:solidFill>
+                  <a:schemeClr val="tx2">
+                    <a:satMod val="155000"/>
+                  </a:schemeClr>
+                </a:solidFill>
+                <a:prstDash val="solid"/>
+              </a:ln>
+              <a:solidFill>
+                <a:schemeClr val="bg2">
+                  <a:tint val="85000"/>
+                  <a:satMod val="155000"/>
+                </a:schemeClr>
+              </a:solidFill>
+              <a:effectLst>
+                <a:outerShdw blurRad="41275" dist="20320" dir="1800000" algn="tl" rotWithShape="0">
+                  <a:srgbClr val="000000">
+                    <a:alpha val="40000"/>
+                  </a:srgbClr>
+                </a:outerShdw>
+              </a:effectLst>
+            </a:endParaRPr>
+          </a:p>
+        </p:txBody>
+      </p:sp>
+      <p:sp>
+        <p:nvSpPr>
+          <p:cNvPr id="11" name="Rectangle 10"/>
+          <p:cNvSpPr/>
+          <p:nvPr/>
+        </p:nvSpPr>
+        <p:spPr>
+          <a:xfrm rot="21407974">
+            <a:off x="2304523" y="2339644"/>
+            <a:ext cx="1710474" cy="769441"/>
+          </a:xfrm>
+          <a:prstGeom prst="rect">
+            <a:avLst/>
+          </a:prstGeom>
+          <a:noFill/>
+        </p:spPr>
+        <p:txBody>
+          <a:bodyPr wrap="none" lIns="91440" tIns="45720" rIns="91440" bIns="45720">
+            <a:spAutoFit/>
+          </a:bodyPr>
+          <a:lstStyle/>
+          <a:p>
+            <a:pPr algn="ctr"/>
+            <a:r>
+              <a:rPr lang="en-US" sz="4400" b="1" cap="none" spc="0" dirty="0" smtClean="0">
+                <a:ln w="12700">
+                  <a:solidFill>
+                    <a:schemeClr val="tx2">
+                      <a:satMod val="155000"/>
+                    </a:schemeClr>
+                  </a:solidFill>
+                  <a:prstDash val="solid"/>
+                </a:ln>
+                <a:solidFill>
+                  <a:schemeClr val="bg2">
+                    <a:tint val="85000"/>
+                    <a:satMod val="155000"/>
+                  </a:schemeClr>
+                </a:solidFill>
+                <a:effectLst>
+                  <a:outerShdw blurRad="41275" dist="20320" dir="1800000" algn="tl" rotWithShape="0">
+                    <a:srgbClr val="000000">
+                      <a:alpha val="40000"/>
+                    </a:srgbClr>
+                  </a:outerShdw>
+                </a:effectLst>
+              </a:rPr>
+              <a:t>LDAP</a:t>
+            </a:r>
+            <a:endParaRPr lang="en-US" sz="4400" b="1" cap="none" spc="0" dirty="0">
+              <a:ln w="12700">
+                <a:solidFill>
+                  <a:schemeClr val="tx2">
+                    <a:satMod val="155000"/>
+                  </a:schemeClr>
+                </a:solidFill>
+                <a:prstDash val="solid"/>
+              </a:ln>
+              <a:solidFill>
+                <a:schemeClr val="bg2">
+                  <a:tint val="85000"/>
+                  <a:satMod val="155000"/>
+                </a:schemeClr>
+              </a:solidFill>
+              <a:effectLst>
+                <a:outerShdw blurRad="41275" dist="20320" dir="1800000" algn="tl" rotWithShape="0">
+                  <a:srgbClr val="000000">
+                    <a:alpha val="40000"/>
+                  </a:srgbClr>
+                </a:outerShdw>
+              </a:effectLst>
+            </a:endParaRPr>
+          </a:p>
+        </p:txBody>
+      </p:sp>
+      <p:sp>
+        <p:nvSpPr>
+          <p:cNvPr id="12" name="Rectangle 11"/>
+          <p:cNvSpPr/>
+          <p:nvPr/>
+        </p:nvSpPr>
+        <p:spPr>
+          <a:xfrm>
+            <a:off x="3508654" y="3930975"/>
+            <a:ext cx="5680662" cy="769441"/>
+          </a:xfrm>
+          <a:prstGeom prst="rect">
+            <a:avLst/>
+          </a:prstGeom>
+          <a:noFill/>
+        </p:spPr>
+        <p:txBody>
+          <a:bodyPr wrap="none" lIns="91440" tIns="45720" rIns="91440" bIns="45720">
+            <a:spAutoFit/>
+          </a:bodyPr>
+          <a:lstStyle/>
+          <a:p>
+            <a:pPr algn="ctr"/>
+            <a:r>
+              <a:rPr lang="en-US" sz="4400" b="1" cap="none" spc="0" dirty="0" smtClean="0">
+                <a:ln w="12700">
+                  <a:solidFill>
+                    <a:schemeClr val="tx2">
+                      <a:satMod val="155000"/>
+                    </a:schemeClr>
+                  </a:solidFill>
+                  <a:prstDash val="solid"/>
+                </a:ln>
+                <a:solidFill>
+                  <a:schemeClr val="bg2">
+                    <a:tint val="85000"/>
+                    <a:satMod val="155000"/>
+                  </a:schemeClr>
+                </a:solidFill>
+                <a:effectLst>
+                  <a:outerShdw blurRad="41275" dist="20320" dir="1800000" algn="tl" rotWithShape="0">
+                    <a:srgbClr val="000000">
+                      <a:alpha val="40000"/>
+                    </a:srgbClr>
+                  </a:outerShdw>
+                </a:effectLst>
+              </a:rPr>
+              <a:t>Form Authentication</a:t>
+            </a:r>
+            <a:endParaRPr lang="en-US" sz="4400" b="1" cap="none" spc="0" dirty="0">
+              <a:ln w="12700">
+                <a:solidFill>
+                  <a:schemeClr val="tx2">
+                    <a:satMod val="155000"/>
+                  </a:schemeClr>
+                </a:solidFill>
+                <a:prstDash val="solid"/>
+              </a:ln>
+              <a:solidFill>
+                <a:schemeClr val="bg2">
+                  <a:tint val="85000"/>
+                  <a:satMod val="155000"/>
+                </a:schemeClr>
+              </a:solidFill>
+              <a:effectLst>
+                <a:outerShdw blurRad="41275" dist="20320" dir="1800000" algn="tl" rotWithShape="0">
+                  <a:srgbClr val="000000">
+                    <a:alpha val="40000"/>
+                  </a:srgbClr>
+                </a:outerShdw>
+              </a:effectLst>
+            </a:endParaRPr>
+          </a:p>
+        </p:txBody>
+      </p:sp>
+      <p:sp>
+        <p:nvSpPr>
+          <p:cNvPr id="13" name="Rectangle 12"/>
+          <p:cNvSpPr/>
+          <p:nvPr/>
+        </p:nvSpPr>
+        <p:spPr>
+          <a:xfrm rot="5400000">
+            <a:off x="7663792" y="2771513"/>
+            <a:ext cx="2190974" cy="769441"/>
+          </a:xfrm>
+          <a:prstGeom prst="rect">
+            <a:avLst/>
+          </a:prstGeom>
+          <a:noFill/>
+        </p:spPr>
+        <p:txBody>
+          <a:bodyPr wrap="none" lIns="91440" tIns="45720" rIns="91440" bIns="45720">
+            <a:spAutoFit/>
+          </a:bodyPr>
+          <a:lstStyle/>
+          <a:p>
+            <a:pPr algn="ctr"/>
+            <a:r>
+              <a:rPr lang="en-US" sz="4400" b="1" cap="none" spc="0" dirty="0" smtClean="0">
+                <a:ln w="12700">
+                  <a:solidFill>
+                    <a:schemeClr val="tx2">
+                      <a:satMod val="155000"/>
+                    </a:schemeClr>
+                  </a:solidFill>
+                  <a:prstDash val="solid"/>
+                </a:ln>
+                <a:solidFill>
+                  <a:schemeClr val="bg2">
+                    <a:tint val="85000"/>
+                    <a:satMod val="155000"/>
+                  </a:schemeClr>
+                </a:solidFill>
+                <a:effectLst>
+                  <a:outerShdw blurRad="41275" dist="20320" dir="1800000" algn="tl" rotWithShape="0">
+                    <a:srgbClr val="000000">
+                      <a:alpha val="40000"/>
+                    </a:srgbClr>
+                  </a:outerShdw>
+                </a:effectLst>
+              </a:rPr>
+              <a:t>OpenID</a:t>
+            </a:r>
+            <a:endParaRPr lang="en-US" sz="4400" b="1" cap="none" spc="0" dirty="0">
+              <a:ln w="12700">
+                <a:solidFill>
+                  <a:schemeClr val="tx2">
+                    <a:satMod val="155000"/>
+                  </a:schemeClr>
+                </a:solidFill>
+                <a:prstDash val="solid"/>
+              </a:ln>
+              <a:solidFill>
+                <a:schemeClr val="bg2">
+                  <a:tint val="85000"/>
+                  <a:satMod val="155000"/>
+                </a:schemeClr>
+              </a:solidFill>
+              <a:effectLst>
+                <a:outerShdw blurRad="41275" dist="20320" dir="1800000" algn="tl" rotWithShape="0">
+                  <a:srgbClr val="000000">
+                    <a:alpha val="40000"/>
+                  </a:srgbClr>
+                </a:outerShdw>
+              </a:effectLst>
+            </a:endParaRPr>
+          </a:p>
+        </p:txBody>
+      </p:sp>
+      <p:sp>
+        <p:nvSpPr>
+          <p:cNvPr id="14" name="Rectangle 13"/>
+          <p:cNvSpPr/>
+          <p:nvPr/>
+        </p:nvSpPr>
+        <p:spPr>
+          <a:xfrm rot="21104048">
+            <a:off x="4704270" y="1493880"/>
+            <a:ext cx="1689811" cy="769441"/>
+          </a:xfrm>
+          <a:prstGeom prst="rect">
+            <a:avLst/>
+          </a:prstGeom>
+          <a:noFill/>
+        </p:spPr>
+        <p:txBody>
+          <a:bodyPr wrap="none" lIns="91440" tIns="45720" rIns="91440" bIns="45720">
+            <a:spAutoFit/>
+          </a:bodyPr>
+          <a:lstStyle/>
+          <a:p>
+            <a:pPr algn="ctr"/>
+            <a:r>
+              <a:rPr lang="en-US" sz="4400" b="1" cap="none" spc="0" dirty="0" smtClean="0">
+                <a:ln w="12700">
+                  <a:solidFill>
+                    <a:schemeClr val="tx2">
+                      <a:satMod val="155000"/>
+                    </a:schemeClr>
+                  </a:solidFill>
+                  <a:prstDash val="solid"/>
+                </a:ln>
+                <a:solidFill>
+                  <a:schemeClr val="bg2">
+                    <a:tint val="85000"/>
+                    <a:satMod val="155000"/>
+                  </a:schemeClr>
+                </a:solidFill>
+                <a:effectLst>
+                  <a:outerShdw blurRad="41275" dist="20320" dir="1800000" algn="tl" rotWithShape="0">
+                    <a:srgbClr val="000000">
+                      <a:alpha val="40000"/>
+                    </a:srgbClr>
+                  </a:outerShdw>
+                </a:effectLst>
+              </a:rPr>
+              <a:t>JAAS</a:t>
+            </a:r>
+            <a:endParaRPr lang="en-US" sz="4400" b="1" cap="none" spc="0" dirty="0">
+              <a:ln w="12700">
+                <a:solidFill>
+                  <a:schemeClr val="tx2">
+                    <a:satMod val="155000"/>
+                  </a:schemeClr>
+                </a:solidFill>
+                <a:prstDash val="solid"/>
+              </a:ln>
+              <a:solidFill>
+                <a:schemeClr val="bg2">
+                  <a:tint val="85000"/>
+                  <a:satMod val="155000"/>
+                </a:schemeClr>
+              </a:solidFill>
+              <a:effectLst>
+                <a:outerShdw blurRad="41275" dist="20320" dir="1800000" algn="tl" rotWithShape="0">
+                  <a:srgbClr val="000000">
+                    <a:alpha val="40000"/>
+                  </a:srgbClr>
+                </a:outerShdw>
+              </a:effectLst>
+            </a:endParaRPr>
+          </a:p>
+        </p:txBody>
+      </p:sp>
+      <p:sp>
+        <p:nvSpPr>
+          <p:cNvPr id="15" name="Rectangle 14"/>
+          <p:cNvSpPr/>
+          <p:nvPr/>
+        </p:nvSpPr>
+        <p:spPr>
+          <a:xfrm rot="586685">
+            <a:off x="6341528" y="1390886"/>
+            <a:ext cx="2662107" cy="769441"/>
+          </a:xfrm>
+          <a:prstGeom prst="rect">
+            <a:avLst/>
+          </a:prstGeom>
+          <a:noFill/>
+        </p:spPr>
+        <p:txBody>
+          <a:bodyPr wrap="none" lIns="91440" tIns="45720" rIns="91440" bIns="45720">
+            <a:spAutoFit/>
+          </a:bodyPr>
+          <a:lstStyle/>
+          <a:p>
+            <a:pPr algn="ctr"/>
+            <a:r>
+              <a:rPr lang="en-US" sz="4400" b="1" cap="none" spc="0" dirty="0" smtClean="0">
+                <a:ln w="12700">
+                  <a:solidFill>
+                    <a:schemeClr val="tx2">
+                      <a:satMod val="155000"/>
+                    </a:schemeClr>
+                  </a:solidFill>
+                  <a:prstDash val="solid"/>
+                </a:ln>
+                <a:solidFill>
+                  <a:schemeClr val="bg2">
+                    <a:tint val="85000"/>
+                    <a:satMod val="155000"/>
+                  </a:schemeClr>
+                </a:solidFill>
+                <a:effectLst>
+                  <a:outerShdw blurRad="41275" dist="20320" dir="1800000" algn="tl" rotWithShape="0">
+                    <a:srgbClr val="000000">
+                      <a:alpha val="40000"/>
+                    </a:srgbClr>
+                  </a:outerShdw>
+                </a:effectLst>
+              </a:rPr>
+              <a:t>Kerberos</a:t>
+            </a:r>
+            <a:endParaRPr lang="en-US" sz="4400" b="1" cap="none" spc="0" dirty="0">
+              <a:ln w="12700">
+                <a:solidFill>
+                  <a:schemeClr val="tx2">
+                    <a:satMod val="155000"/>
+                  </a:schemeClr>
+                </a:solidFill>
+                <a:prstDash val="solid"/>
+              </a:ln>
+              <a:solidFill>
+                <a:schemeClr val="bg2">
+                  <a:tint val="85000"/>
+                  <a:satMod val="155000"/>
+                </a:schemeClr>
+              </a:solidFill>
+              <a:effectLst>
+                <a:outerShdw blurRad="41275" dist="20320" dir="1800000" algn="tl" rotWithShape="0">
+                  <a:srgbClr val="000000">
+                    <a:alpha val="40000"/>
+                  </a:srgbClr>
+                </a:outerShdw>
+              </a:effectLst>
+            </a:endParaRPr>
+          </a:p>
+        </p:txBody>
+      </p:sp>
+      <p:sp>
+        <p:nvSpPr>
+          <p:cNvPr id="16" name="Rectangle 15"/>
+          <p:cNvSpPr/>
+          <p:nvPr/>
+        </p:nvSpPr>
+        <p:spPr>
+          <a:xfrm rot="704468">
+            <a:off x="4122292" y="2332443"/>
+            <a:ext cx="2128983" cy="769441"/>
+          </a:xfrm>
+          <a:prstGeom prst="rect">
+            <a:avLst/>
+          </a:prstGeom>
+          <a:noFill/>
+        </p:spPr>
+        <p:txBody>
+          <a:bodyPr wrap="none" lIns="91440" tIns="45720" rIns="91440" bIns="45720">
+            <a:spAutoFit/>
+          </a:bodyPr>
+          <a:lstStyle/>
+          <a:p>
+            <a:pPr algn="ctr"/>
+            <a:r>
+              <a:rPr lang="en-US" sz="4400" b="1" dirty="0" smtClean="0">
+                <a:ln w="12700">
+                  <a:solidFill>
+                    <a:schemeClr val="tx2">
+                      <a:satMod val="155000"/>
+                    </a:schemeClr>
+                  </a:solidFill>
+                  <a:prstDash val="solid"/>
+                </a:ln>
+                <a:solidFill>
+                  <a:schemeClr val="bg2">
+                    <a:tint val="85000"/>
+                    <a:satMod val="155000"/>
+                  </a:schemeClr>
+                </a:solidFill>
+                <a:effectLst>
+                  <a:outerShdw blurRad="41275" dist="20320" dir="1800000" algn="tl" rotWithShape="0">
+                    <a:srgbClr val="000000">
+                      <a:alpha val="40000"/>
+                    </a:srgbClr>
+                  </a:outerShdw>
+                </a:effectLst>
+              </a:rPr>
+              <a:t>JOSSO</a:t>
+            </a:r>
+            <a:endParaRPr lang="en-US" sz="4400" b="1" cap="none" spc="0" dirty="0">
+              <a:ln w="12700">
+                <a:solidFill>
+                  <a:schemeClr val="tx2">
+                    <a:satMod val="155000"/>
+                  </a:schemeClr>
+                </a:solidFill>
+                <a:prstDash val="solid"/>
+              </a:ln>
+              <a:solidFill>
+                <a:schemeClr val="bg2">
+                  <a:tint val="85000"/>
+                  <a:satMod val="155000"/>
+                </a:schemeClr>
+              </a:solidFill>
+              <a:effectLst>
+                <a:outerShdw blurRad="41275" dist="20320" dir="1800000" algn="tl" rotWithShape="0">
+                  <a:srgbClr val="000000">
+                    <a:alpha val="40000"/>
+                  </a:srgbClr>
+                </a:outerShdw>
+              </a:effectLst>
+            </a:endParaRPr>
+          </a:p>
+        </p:txBody>
+      </p:sp>
+      <p:sp>
+        <p:nvSpPr>
+          <p:cNvPr id="17" name="Rectangle 16"/>
+          <p:cNvSpPr/>
+          <p:nvPr/>
+        </p:nvSpPr>
+        <p:spPr>
+          <a:xfrm rot="1160042">
+            <a:off x="3358504" y="3126697"/>
+            <a:ext cx="2598463" cy="769441"/>
+          </a:xfrm>
+          <a:prstGeom prst="rect">
+            <a:avLst/>
+          </a:prstGeom>
+          <a:noFill/>
+        </p:spPr>
+        <p:txBody>
+          <a:bodyPr wrap="none" lIns="91440" tIns="45720" rIns="91440" bIns="45720">
+            <a:spAutoFit/>
+          </a:bodyPr>
+          <a:lstStyle/>
+          <a:p>
+            <a:pPr algn="ctr"/>
+            <a:r>
+              <a:rPr lang="en-US" sz="4400" b="1" dirty="0" err="1" smtClean="0">
+                <a:ln w="12700">
+                  <a:solidFill>
+                    <a:schemeClr val="tx2">
+                      <a:satMod val="155000"/>
+                    </a:schemeClr>
+                  </a:solidFill>
+                  <a:prstDash val="solid"/>
+                </a:ln>
+                <a:solidFill>
+                  <a:schemeClr val="bg2">
+                    <a:tint val="85000"/>
+                    <a:satMod val="155000"/>
+                  </a:schemeClr>
+                </a:solidFill>
+                <a:effectLst>
+                  <a:outerShdw blurRad="41275" dist="20320" dir="1800000" algn="tl" rotWithShape="0">
+                    <a:srgbClr val="000000">
+                      <a:alpha val="40000"/>
+                    </a:srgbClr>
+                  </a:outerShdw>
+                </a:effectLst>
+              </a:rPr>
+              <a:t>AppFuse</a:t>
+            </a:r>
+            <a:endParaRPr lang="en-US" sz="4400" b="1" cap="none" spc="0" dirty="0">
+              <a:ln w="12700">
+                <a:solidFill>
+                  <a:schemeClr val="tx2">
+                    <a:satMod val="155000"/>
+                  </a:schemeClr>
+                </a:solidFill>
+                <a:prstDash val="solid"/>
+              </a:ln>
+              <a:solidFill>
+                <a:schemeClr val="bg2">
+                  <a:tint val="85000"/>
+                  <a:satMod val="155000"/>
+                </a:schemeClr>
+              </a:solidFill>
+              <a:effectLst>
+                <a:outerShdw blurRad="41275" dist="20320" dir="1800000" algn="tl" rotWithShape="0">
+                  <a:srgbClr val="000000">
+                    <a:alpha val="40000"/>
+                  </a:srgbClr>
+                </a:outerShdw>
+              </a:effectLst>
+            </a:endParaRPr>
+          </a:p>
+        </p:txBody>
+      </p:sp>
+      <p:sp>
+        <p:nvSpPr>
+          <p:cNvPr id="18" name="Rectangle 17"/>
+          <p:cNvSpPr/>
+          <p:nvPr/>
+        </p:nvSpPr>
+        <p:spPr>
+          <a:xfrm>
+            <a:off x="6341617" y="2155075"/>
+            <a:ext cx="1774845" cy="769441"/>
+          </a:xfrm>
+          <a:prstGeom prst="rect">
+            <a:avLst/>
+          </a:prstGeom>
+          <a:noFill/>
+        </p:spPr>
+        <p:txBody>
+          <a:bodyPr wrap="none" lIns="91440" tIns="45720" rIns="91440" bIns="45720">
+            <a:spAutoFit/>
+          </a:bodyPr>
+          <a:lstStyle/>
+          <a:p>
+            <a:pPr algn="ctr"/>
+            <a:r>
+              <a:rPr lang="en-US" sz="4400" b="1" dirty="0" smtClean="0">
+                <a:ln w="12700">
+                  <a:solidFill>
+                    <a:schemeClr val="tx2">
+                      <a:satMod val="155000"/>
+                    </a:schemeClr>
+                  </a:solidFill>
+                  <a:prstDash val="solid"/>
+                </a:ln>
+                <a:solidFill>
+                  <a:schemeClr val="bg2">
+                    <a:tint val="85000"/>
+                    <a:satMod val="155000"/>
+                  </a:schemeClr>
+                </a:solidFill>
+                <a:effectLst>
+                  <a:outerShdw blurRad="41275" dist="20320" dir="1800000" algn="tl" rotWithShape="0">
+                    <a:srgbClr val="000000">
+                      <a:alpha val="40000"/>
+                    </a:srgbClr>
+                  </a:outerShdw>
+                </a:effectLst>
+              </a:rPr>
+              <a:t>SAML</a:t>
+            </a:r>
+            <a:endParaRPr lang="en-US" sz="4400" b="1" cap="none" spc="0" dirty="0">
+              <a:ln w="12700">
+                <a:solidFill>
+                  <a:schemeClr val="tx2">
+                    <a:satMod val="155000"/>
+                  </a:schemeClr>
+                </a:solidFill>
+                <a:prstDash val="solid"/>
+              </a:ln>
+              <a:solidFill>
+                <a:schemeClr val="bg2">
+                  <a:tint val="85000"/>
+                  <a:satMod val="155000"/>
+                </a:schemeClr>
+              </a:solidFill>
+              <a:effectLst>
+                <a:outerShdw blurRad="41275" dist="20320" dir="1800000" algn="tl" rotWithShape="0">
+                  <a:srgbClr val="000000">
+                    <a:alpha val="40000"/>
+                  </a:srgbClr>
+                </a:outerShdw>
+              </a:effectLst>
+            </a:endParaRPr>
+          </a:p>
+        </p:txBody>
+      </p:sp>
+      <p:sp>
+        <p:nvSpPr>
+          <p:cNvPr id="19" name="Rectangle 18"/>
+          <p:cNvSpPr/>
+          <p:nvPr/>
+        </p:nvSpPr>
+        <p:spPr>
+          <a:xfrm rot="21421813">
+            <a:off x="5670962" y="2731500"/>
+            <a:ext cx="2881418" cy="1446550"/>
+          </a:xfrm>
+          <a:prstGeom prst="rect">
+            <a:avLst/>
+          </a:prstGeom>
+          <a:noFill/>
+        </p:spPr>
+        <p:txBody>
+          <a:bodyPr wrap="none" lIns="91440" tIns="45720" rIns="91440" bIns="45720">
+            <a:spAutoFit/>
+          </a:bodyPr>
+          <a:lstStyle/>
+          <a:p>
+            <a:pPr algn="ctr"/>
+            <a:r>
+              <a:rPr lang="en-US" sz="4400" b="1" cap="none" spc="0" dirty="0" smtClean="0">
+                <a:ln w="12700">
+                  <a:solidFill>
+                    <a:schemeClr val="tx2">
+                      <a:satMod val="155000"/>
+                    </a:schemeClr>
+                  </a:solidFill>
+                  <a:prstDash val="solid"/>
+                </a:ln>
+                <a:solidFill>
+                  <a:schemeClr val="bg2">
+                    <a:tint val="85000"/>
+                    <a:satMod val="155000"/>
+                  </a:schemeClr>
+                </a:solidFill>
+                <a:effectLst>
+                  <a:outerShdw blurRad="41275" dist="20320" dir="1800000" algn="tl" rotWithShape="0">
+                    <a:srgbClr val="000000">
+                      <a:alpha val="40000"/>
+                    </a:srgbClr>
+                  </a:outerShdw>
+                </a:effectLst>
+              </a:rPr>
+              <a:t>Federated</a:t>
+            </a:r>
+          </a:p>
+          <a:p>
+            <a:pPr algn="ctr"/>
+            <a:r>
+              <a:rPr lang="en-US" sz="4400" b="1" cap="none" spc="0" dirty="0" smtClean="0">
+                <a:ln w="12700">
+                  <a:solidFill>
+                    <a:schemeClr val="tx2">
+                      <a:satMod val="155000"/>
+                    </a:schemeClr>
+                  </a:solidFill>
+                  <a:prstDash val="solid"/>
+                </a:ln>
+                <a:solidFill>
+                  <a:schemeClr val="bg2">
+                    <a:tint val="85000"/>
+                    <a:satMod val="155000"/>
+                  </a:schemeClr>
+                </a:solidFill>
+                <a:effectLst>
+                  <a:outerShdw blurRad="41275" dist="20320" dir="1800000" algn="tl" rotWithShape="0">
+                    <a:srgbClr val="000000">
+                      <a:alpha val="40000"/>
+                    </a:srgbClr>
+                  </a:outerShdw>
+                </a:effectLst>
+              </a:rPr>
+              <a:t>Providers</a:t>
+            </a:r>
+            <a:endParaRPr lang="en-US" sz="4400" b="1" cap="none" spc="0" dirty="0">
+              <a:ln w="12700">
+                <a:solidFill>
+                  <a:schemeClr val="tx2">
+                    <a:satMod val="155000"/>
+                  </a:schemeClr>
+                </a:solidFill>
+                <a:prstDash val="solid"/>
+              </a:ln>
+              <a:solidFill>
+                <a:schemeClr val="bg2">
+                  <a:tint val="85000"/>
+                  <a:satMod val="155000"/>
+                </a:schemeClr>
+              </a:solidFill>
+              <a:effectLst>
+                <a:outerShdw blurRad="41275" dist="20320" dir="1800000" algn="tl" rotWithShape="0">
+                  <a:srgbClr val="000000">
+                    <a:alpha val="40000"/>
+                  </a:srgbClr>
+                </a:outerShdw>
+              </a:effectLst>
+            </a:endParaRPr>
           </a:p>
         </p:txBody>
       </p:sp>
     </p:spTree>
     <p:extLst>
       <p:ext uri="{BB962C8B-B14F-4D97-AF65-F5344CB8AC3E}">
-        <p14:creationId xmlns:p14="http://schemas.microsoft.com/office/powerpoint/2010/main" val="3595631830"/>
+        <p14:creationId xmlns:p14="http://schemas.microsoft.com/office/powerpoint/2010/main" val="2138467296"/>
       </p:ext>
     </p:extLst>
   </p:cSld>
@@ -4291,10 +6054,1158 @@
   </p:clrMapOvr>
   <mc:AlternateContent xmlns:mc="http://schemas.openxmlformats.org/markup-compatibility/2006" xmlns:p14="http://schemas.microsoft.com/office/powerpoint/2010/main">
     <mc:Choice Requires="p14">
-      <p:transition p14:dur="0"/>
+      <p:transition spd="slow" p14:dur="2000"/>
     </mc:Choice>
     <mc:Fallback xmlns="">
-      <p:transition xmlns:p14="http://schemas.microsoft.com/office/powerpoint/2010/main"/>
+      <p:transition xmlns:p14="http://schemas.microsoft.com/office/powerpoint/2010/main" spd="slow"/>
+    </mc:Fallback>
+  </mc:AlternateContent>
+  <p:timing>
+    <p:tnLst>
+      <p:par>
+        <p:cTn xmlns:p14="http://schemas.microsoft.com/office/powerpoint/2010/main" id="1" dur="indefinite" restart="never" nodeType="tmRoot">
+          <p:childTnLst>
+            <p:seq concurrent="1" nextAc="seek">
+              <p:cTn id="2" dur="indefinite" nodeType="mainSeq">
+                <p:childTnLst>
+                  <p:par>
+                    <p:cTn id="3" fill="hold">
+                      <p:stCondLst>
+                        <p:cond delay="indefinite"/>
+                      </p:stCondLst>
+                      <p:childTnLst>
+                        <p:par>
+                          <p:cTn id="4" fill="hold">
+                            <p:stCondLst>
+                              <p:cond delay="0"/>
+                            </p:stCondLst>
+                            <p:childTnLst>
+                              <p:par>
+                                <p:cTn id="5" presetID="1" presetClass="entr" presetSubtype="0" fill="hold" grpId="0" nodeType="clickEffect">
+                                  <p:stCondLst>
+                                    <p:cond delay="0"/>
+                                  </p:stCondLst>
+                                  <p:childTnLst>
+                                    <p:set>
+                                      <p:cBhvr>
+                                        <p:cTn id="6" dur="1" fill="hold">
+                                          <p:stCondLst>
+                                            <p:cond delay="309"/>
+                                          </p:stCondLst>
+                                        </p:cTn>
+                                        <p:tgtEl>
+                                          <p:spTgt spid="4"/>
+                                        </p:tgtEl>
+                                        <p:attrNameLst>
+                                          <p:attrName>style.visibility</p:attrName>
+                                        </p:attrNameLst>
+                                      </p:cBhvr>
+                                      <p:to>
+                                        <p:strVal val="visible"/>
+                                      </p:to>
+                                    </p:set>
+                                  </p:childTnLst>
+                                </p:cTn>
+                              </p:par>
+                            </p:childTnLst>
+                          </p:cTn>
+                        </p:par>
+                      </p:childTnLst>
+                    </p:cTn>
+                  </p:par>
+                  <p:par>
+                    <p:cTn id="7" fill="hold">
+                      <p:stCondLst>
+                        <p:cond delay="indefinite"/>
+                      </p:stCondLst>
+                      <p:childTnLst>
+                        <p:par>
+                          <p:cTn id="8" fill="hold">
+                            <p:stCondLst>
+                              <p:cond delay="0"/>
+                            </p:stCondLst>
+                            <p:childTnLst>
+                              <p:par>
+                                <p:cTn id="9" presetID="1" presetClass="entr" presetSubtype="0" fill="hold" grpId="0" nodeType="clickEffect">
+                                  <p:stCondLst>
+                                    <p:cond delay="0"/>
+                                  </p:stCondLst>
+                                  <p:childTnLst>
+                                    <p:set>
+                                      <p:cBhvr>
+                                        <p:cTn id="10" dur="1" fill="hold">
+                                          <p:stCondLst>
+                                            <p:cond delay="309"/>
+                                          </p:stCondLst>
+                                        </p:cTn>
+                                        <p:tgtEl>
+                                          <p:spTgt spid="9"/>
+                                        </p:tgtEl>
+                                        <p:attrNameLst>
+                                          <p:attrName>style.visibility</p:attrName>
+                                        </p:attrNameLst>
+                                      </p:cBhvr>
+                                      <p:to>
+                                        <p:strVal val="visible"/>
+                                      </p:to>
+                                    </p:set>
+                                  </p:childTnLst>
+                                </p:cTn>
+                              </p:par>
+                            </p:childTnLst>
+                          </p:cTn>
+                        </p:par>
+                      </p:childTnLst>
+                    </p:cTn>
+                  </p:par>
+                  <p:par>
+                    <p:cTn id="11" fill="hold">
+                      <p:stCondLst>
+                        <p:cond delay="indefinite"/>
+                      </p:stCondLst>
+                      <p:childTnLst>
+                        <p:par>
+                          <p:cTn id="12" fill="hold">
+                            <p:stCondLst>
+                              <p:cond delay="0"/>
+                            </p:stCondLst>
+                            <p:childTnLst>
+                              <p:par>
+                                <p:cTn id="13" presetID="1" presetClass="entr" presetSubtype="0" fill="hold" grpId="0" nodeType="clickEffect">
+                                  <p:stCondLst>
+                                    <p:cond delay="0"/>
+                                  </p:stCondLst>
+                                  <p:childTnLst>
+                                    <p:set>
+                                      <p:cBhvr>
+                                        <p:cTn id="14" dur="1" fill="hold">
+                                          <p:stCondLst>
+                                            <p:cond delay="309"/>
+                                          </p:stCondLst>
+                                        </p:cTn>
+                                        <p:tgtEl>
+                                          <p:spTgt spid="10"/>
+                                        </p:tgtEl>
+                                        <p:attrNameLst>
+                                          <p:attrName>style.visibility</p:attrName>
+                                        </p:attrNameLst>
+                                      </p:cBhvr>
+                                      <p:to>
+                                        <p:strVal val="visible"/>
+                                      </p:to>
+                                    </p:set>
+                                  </p:childTnLst>
+                                </p:cTn>
+                              </p:par>
+                            </p:childTnLst>
+                          </p:cTn>
+                        </p:par>
+                      </p:childTnLst>
+                    </p:cTn>
+                  </p:par>
+                  <p:par>
+                    <p:cTn id="15" fill="hold">
+                      <p:stCondLst>
+                        <p:cond delay="indefinite"/>
+                      </p:stCondLst>
+                      <p:childTnLst>
+                        <p:par>
+                          <p:cTn id="16" fill="hold">
+                            <p:stCondLst>
+                              <p:cond delay="0"/>
+                            </p:stCondLst>
+                            <p:childTnLst>
+                              <p:par>
+                                <p:cTn id="17" presetID="1" presetClass="entr" presetSubtype="0" fill="hold" grpId="0" nodeType="clickEffect">
+                                  <p:stCondLst>
+                                    <p:cond delay="0"/>
+                                  </p:stCondLst>
+                                  <p:childTnLst>
+                                    <p:set>
+                                      <p:cBhvr>
+                                        <p:cTn id="18" dur="1" fill="hold">
+                                          <p:stCondLst>
+                                            <p:cond delay="309"/>
+                                          </p:stCondLst>
+                                        </p:cTn>
+                                        <p:tgtEl>
+                                          <p:spTgt spid="11"/>
+                                        </p:tgtEl>
+                                        <p:attrNameLst>
+                                          <p:attrName>style.visibility</p:attrName>
+                                        </p:attrNameLst>
+                                      </p:cBhvr>
+                                      <p:to>
+                                        <p:strVal val="visible"/>
+                                      </p:to>
+                                    </p:set>
+                                  </p:childTnLst>
+                                </p:cTn>
+                              </p:par>
+                            </p:childTnLst>
+                          </p:cTn>
+                        </p:par>
+                      </p:childTnLst>
+                    </p:cTn>
+                  </p:par>
+                  <p:par>
+                    <p:cTn id="19" fill="hold">
+                      <p:stCondLst>
+                        <p:cond delay="indefinite"/>
+                      </p:stCondLst>
+                      <p:childTnLst>
+                        <p:par>
+                          <p:cTn id="20" fill="hold">
+                            <p:stCondLst>
+                              <p:cond delay="0"/>
+                            </p:stCondLst>
+                            <p:childTnLst>
+                              <p:par>
+                                <p:cTn id="21" presetID="1" presetClass="entr" presetSubtype="0" fill="hold" grpId="0" nodeType="clickEffect">
+                                  <p:stCondLst>
+                                    <p:cond delay="0"/>
+                                  </p:stCondLst>
+                                  <p:childTnLst>
+                                    <p:set>
+                                      <p:cBhvr>
+                                        <p:cTn id="22" dur="1" fill="hold">
+                                          <p:stCondLst>
+                                            <p:cond delay="309"/>
+                                          </p:stCondLst>
+                                        </p:cTn>
+                                        <p:tgtEl>
+                                          <p:spTgt spid="12"/>
+                                        </p:tgtEl>
+                                        <p:attrNameLst>
+                                          <p:attrName>style.visibility</p:attrName>
+                                        </p:attrNameLst>
+                                      </p:cBhvr>
+                                      <p:to>
+                                        <p:strVal val="visible"/>
+                                      </p:to>
+                                    </p:set>
+                                  </p:childTnLst>
+                                </p:cTn>
+                              </p:par>
+                            </p:childTnLst>
+                          </p:cTn>
+                        </p:par>
+                      </p:childTnLst>
+                    </p:cTn>
+                  </p:par>
+                  <p:par>
+                    <p:cTn id="23" fill="hold">
+                      <p:stCondLst>
+                        <p:cond delay="indefinite"/>
+                      </p:stCondLst>
+                      <p:childTnLst>
+                        <p:par>
+                          <p:cTn id="24" fill="hold">
+                            <p:stCondLst>
+                              <p:cond delay="0"/>
+                            </p:stCondLst>
+                            <p:childTnLst>
+                              <p:par>
+                                <p:cTn id="25" presetID="1" presetClass="entr" presetSubtype="0" fill="hold" grpId="0" nodeType="clickEffect">
+                                  <p:stCondLst>
+                                    <p:cond delay="0"/>
+                                  </p:stCondLst>
+                                  <p:childTnLst>
+                                    <p:set>
+                                      <p:cBhvr>
+                                        <p:cTn id="26" dur="1" fill="hold">
+                                          <p:stCondLst>
+                                            <p:cond delay="309"/>
+                                          </p:stCondLst>
+                                        </p:cTn>
+                                        <p:tgtEl>
+                                          <p:spTgt spid="13"/>
+                                        </p:tgtEl>
+                                        <p:attrNameLst>
+                                          <p:attrName>style.visibility</p:attrName>
+                                        </p:attrNameLst>
+                                      </p:cBhvr>
+                                      <p:to>
+                                        <p:strVal val="visible"/>
+                                      </p:to>
+                                    </p:set>
+                                  </p:childTnLst>
+                                </p:cTn>
+                              </p:par>
+                            </p:childTnLst>
+                          </p:cTn>
+                        </p:par>
+                      </p:childTnLst>
+                    </p:cTn>
+                  </p:par>
+                  <p:par>
+                    <p:cTn id="27" fill="hold">
+                      <p:stCondLst>
+                        <p:cond delay="indefinite"/>
+                      </p:stCondLst>
+                      <p:childTnLst>
+                        <p:par>
+                          <p:cTn id="28" fill="hold">
+                            <p:stCondLst>
+                              <p:cond delay="0"/>
+                            </p:stCondLst>
+                            <p:childTnLst>
+                              <p:par>
+                                <p:cTn id="29" presetID="1" presetClass="entr" presetSubtype="0" fill="hold" grpId="0" nodeType="clickEffect">
+                                  <p:stCondLst>
+                                    <p:cond delay="0"/>
+                                  </p:stCondLst>
+                                  <p:childTnLst>
+                                    <p:set>
+                                      <p:cBhvr>
+                                        <p:cTn id="30" dur="1" fill="hold">
+                                          <p:stCondLst>
+                                            <p:cond delay="309"/>
+                                          </p:stCondLst>
+                                        </p:cTn>
+                                        <p:tgtEl>
+                                          <p:spTgt spid="18"/>
+                                        </p:tgtEl>
+                                        <p:attrNameLst>
+                                          <p:attrName>style.visibility</p:attrName>
+                                        </p:attrNameLst>
+                                      </p:cBhvr>
+                                      <p:to>
+                                        <p:strVal val="visible"/>
+                                      </p:to>
+                                    </p:set>
+                                  </p:childTnLst>
+                                </p:cTn>
+                              </p:par>
+                            </p:childTnLst>
+                          </p:cTn>
+                        </p:par>
+                      </p:childTnLst>
+                    </p:cTn>
+                  </p:par>
+                  <p:par>
+                    <p:cTn id="31" fill="hold">
+                      <p:stCondLst>
+                        <p:cond delay="indefinite"/>
+                      </p:stCondLst>
+                      <p:childTnLst>
+                        <p:par>
+                          <p:cTn id="32" fill="hold">
+                            <p:stCondLst>
+                              <p:cond delay="0"/>
+                            </p:stCondLst>
+                            <p:childTnLst>
+                              <p:par>
+                                <p:cTn id="33" presetID="1" presetClass="entr" presetSubtype="0" fill="hold" grpId="0" nodeType="clickEffect">
+                                  <p:stCondLst>
+                                    <p:cond delay="0"/>
+                                  </p:stCondLst>
+                                  <p:childTnLst>
+                                    <p:set>
+                                      <p:cBhvr>
+                                        <p:cTn id="34" dur="1" fill="hold">
+                                          <p:stCondLst>
+                                            <p:cond delay="309"/>
+                                          </p:stCondLst>
+                                        </p:cTn>
+                                        <p:tgtEl>
+                                          <p:spTgt spid="14"/>
+                                        </p:tgtEl>
+                                        <p:attrNameLst>
+                                          <p:attrName>style.visibility</p:attrName>
+                                        </p:attrNameLst>
+                                      </p:cBhvr>
+                                      <p:to>
+                                        <p:strVal val="visible"/>
+                                      </p:to>
+                                    </p:set>
+                                  </p:childTnLst>
+                                </p:cTn>
+                              </p:par>
+                            </p:childTnLst>
+                          </p:cTn>
+                        </p:par>
+                      </p:childTnLst>
+                    </p:cTn>
+                  </p:par>
+                  <p:par>
+                    <p:cTn id="35" fill="hold">
+                      <p:stCondLst>
+                        <p:cond delay="indefinite"/>
+                      </p:stCondLst>
+                      <p:childTnLst>
+                        <p:par>
+                          <p:cTn id="36" fill="hold">
+                            <p:stCondLst>
+                              <p:cond delay="0"/>
+                            </p:stCondLst>
+                            <p:childTnLst>
+                              <p:par>
+                                <p:cTn id="37" presetID="1" presetClass="entr" presetSubtype="0" fill="hold" grpId="0" nodeType="clickEffect">
+                                  <p:stCondLst>
+                                    <p:cond delay="0"/>
+                                  </p:stCondLst>
+                                  <p:childTnLst>
+                                    <p:set>
+                                      <p:cBhvr>
+                                        <p:cTn id="38" dur="1" fill="hold">
+                                          <p:stCondLst>
+                                            <p:cond delay="309"/>
+                                          </p:stCondLst>
+                                        </p:cTn>
+                                        <p:tgtEl>
+                                          <p:spTgt spid="17"/>
+                                        </p:tgtEl>
+                                        <p:attrNameLst>
+                                          <p:attrName>style.visibility</p:attrName>
+                                        </p:attrNameLst>
+                                      </p:cBhvr>
+                                      <p:to>
+                                        <p:strVal val="visible"/>
+                                      </p:to>
+                                    </p:set>
+                                  </p:childTnLst>
+                                </p:cTn>
+                              </p:par>
+                            </p:childTnLst>
+                          </p:cTn>
+                        </p:par>
+                      </p:childTnLst>
+                    </p:cTn>
+                  </p:par>
+                  <p:par>
+                    <p:cTn id="39" fill="hold">
+                      <p:stCondLst>
+                        <p:cond delay="indefinite"/>
+                      </p:stCondLst>
+                      <p:childTnLst>
+                        <p:par>
+                          <p:cTn id="40" fill="hold">
+                            <p:stCondLst>
+                              <p:cond delay="0"/>
+                            </p:stCondLst>
+                            <p:childTnLst>
+                              <p:par>
+                                <p:cTn id="41" presetID="1" presetClass="entr" presetSubtype="0" fill="hold" grpId="0" nodeType="clickEffect">
+                                  <p:stCondLst>
+                                    <p:cond delay="0"/>
+                                  </p:stCondLst>
+                                  <p:childTnLst>
+                                    <p:set>
+                                      <p:cBhvr>
+                                        <p:cTn id="42" dur="1" fill="hold">
+                                          <p:stCondLst>
+                                            <p:cond delay="309"/>
+                                          </p:stCondLst>
+                                        </p:cTn>
+                                        <p:tgtEl>
+                                          <p:spTgt spid="16"/>
+                                        </p:tgtEl>
+                                        <p:attrNameLst>
+                                          <p:attrName>style.visibility</p:attrName>
+                                        </p:attrNameLst>
+                                      </p:cBhvr>
+                                      <p:to>
+                                        <p:strVal val="visible"/>
+                                      </p:to>
+                                    </p:set>
+                                  </p:childTnLst>
+                                </p:cTn>
+                              </p:par>
+                            </p:childTnLst>
+                          </p:cTn>
+                        </p:par>
+                      </p:childTnLst>
+                    </p:cTn>
+                  </p:par>
+                  <p:par>
+                    <p:cTn id="43" fill="hold">
+                      <p:stCondLst>
+                        <p:cond delay="indefinite"/>
+                      </p:stCondLst>
+                      <p:childTnLst>
+                        <p:par>
+                          <p:cTn id="44" fill="hold">
+                            <p:stCondLst>
+                              <p:cond delay="0"/>
+                            </p:stCondLst>
+                            <p:childTnLst>
+                              <p:par>
+                                <p:cTn id="45" presetID="1" presetClass="entr" presetSubtype="0" fill="hold" grpId="0" nodeType="clickEffect">
+                                  <p:stCondLst>
+                                    <p:cond delay="0"/>
+                                  </p:stCondLst>
+                                  <p:childTnLst>
+                                    <p:set>
+                                      <p:cBhvr>
+                                        <p:cTn id="46" dur="1" fill="hold">
+                                          <p:stCondLst>
+                                            <p:cond delay="309"/>
+                                          </p:stCondLst>
+                                        </p:cTn>
+                                        <p:tgtEl>
+                                          <p:spTgt spid="15"/>
+                                        </p:tgtEl>
+                                        <p:attrNameLst>
+                                          <p:attrName>style.visibility</p:attrName>
+                                        </p:attrNameLst>
+                                      </p:cBhvr>
+                                      <p:to>
+                                        <p:strVal val="visible"/>
+                                      </p:to>
+                                    </p:set>
+                                  </p:childTnLst>
+                                </p:cTn>
+                              </p:par>
+                            </p:childTnLst>
+                          </p:cTn>
+                        </p:par>
+                      </p:childTnLst>
+                    </p:cTn>
+                  </p:par>
+                  <p:par>
+                    <p:cTn id="47" fill="hold">
+                      <p:stCondLst>
+                        <p:cond delay="indefinite"/>
+                      </p:stCondLst>
+                      <p:childTnLst>
+                        <p:par>
+                          <p:cTn id="48" fill="hold">
+                            <p:stCondLst>
+                              <p:cond delay="0"/>
+                            </p:stCondLst>
+                            <p:childTnLst>
+                              <p:par>
+                                <p:cTn id="49" presetID="1" presetClass="entr" presetSubtype="0" fill="hold" grpId="1" nodeType="clickEffect">
+                                  <p:stCondLst>
+                                    <p:cond delay="0"/>
+                                  </p:stCondLst>
+                                  <p:childTnLst>
+                                    <p:set>
+                                      <p:cBhvr>
+                                        <p:cTn id="50" dur="1" fill="hold">
+                                          <p:stCondLst>
+                                            <p:cond delay="309"/>
+                                          </p:stCondLst>
+                                        </p:cTn>
+                                        <p:tgtEl>
+                                          <p:spTgt spid="12"/>
+                                        </p:tgtEl>
+                                        <p:attrNameLst>
+                                          <p:attrName>style.visibility</p:attrName>
+                                        </p:attrNameLst>
+                                      </p:cBhvr>
+                                      <p:to>
+                                        <p:strVal val="visible"/>
+                                      </p:to>
+                                    </p:set>
+                                  </p:childTnLst>
+                                </p:cTn>
+                              </p:par>
+                            </p:childTnLst>
+                          </p:cTn>
+                        </p:par>
+                      </p:childTnLst>
+                    </p:cTn>
+                  </p:par>
+                  <p:par>
+                    <p:cTn id="51" fill="hold">
+                      <p:stCondLst>
+                        <p:cond delay="indefinite"/>
+                      </p:stCondLst>
+                      <p:childTnLst>
+                        <p:par>
+                          <p:cTn id="52" fill="hold">
+                            <p:stCondLst>
+                              <p:cond delay="0"/>
+                            </p:stCondLst>
+                            <p:childTnLst>
+                              <p:par>
+                                <p:cTn id="53" presetID="1" presetClass="entr" presetSubtype="0" fill="hold" grpId="0" nodeType="clickEffect">
+                                  <p:stCondLst>
+                                    <p:cond delay="0"/>
+                                  </p:stCondLst>
+                                  <p:childTnLst>
+                                    <p:set>
+                                      <p:cBhvr>
+                                        <p:cTn id="54" dur="1" fill="hold">
+                                          <p:stCondLst>
+                                            <p:cond delay="309"/>
+                                          </p:stCondLst>
+                                        </p:cTn>
+                                        <p:tgtEl>
+                                          <p:spTgt spid="19"/>
+                                        </p:tgtEl>
+                                        <p:attrNameLst>
+                                          <p:attrName>style.visibility</p:attrName>
+                                        </p:attrNameLst>
+                                      </p:cBhvr>
+                                      <p:to>
+                                        <p:strVal val="visible"/>
+                                      </p:to>
+                                    </p:set>
+                                  </p:childTnLst>
+                                </p:cTn>
+                              </p:par>
+                            </p:childTnLst>
+                          </p:cTn>
+                        </p:par>
+                      </p:childTnLst>
+                    </p:cTn>
+                  </p:par>
+                </p:childTnLst>
+              </p:cTn>
+              <p:prevCondLst>
+                <p:cond evt="onPrev" delay="0">
+                  <p:tgtEl>
+                    <p:sldTgt/>
+                  </p:tgtEl>
+                </p:cond>
+              </p:prevCondLst>
+              <p:nextCondLst>
+                <p:cond evt="onNext" delay="0">
+                  <p:tgtEl>
+                    <p:sldTgt/>
+                  </p:tgtEl>
+                </p:cond>
+              </p:nextCondLst>
+            </p:seq>
+          </p:childTnLst>
+        </p:cTn>
+      </p:par>
+    </p:tnLst>
+    <p:bldLst>
+      <p:bldP spid="4" grpId="0"/>
+      <p:bldP spid="9" grpId="0"/>
+      <p:bldP spid="10" grpId="0"/>
+      <p:bldP spid="11" grpId="0"/>
+      <p:bldP spid="12" grpId="0"/>
+      <p:bldP spid="12" grpId="1"/>
+      <p:bldP spid="13" grpId="0"/>
+      <p:bldP spid="14" grpId="0"/>
+      <p:bldP spid="15" grpId="0"/>
+      <p:bldP spid="16" grpId="0"/>
+      <p:bldP spid="17" grpId="0"/>
+      <p:bldP spid="18" grpId="0"/>
+      <p:bldP spid="19" grpId="0"/>
+    </p:bldLst>
+  </p:timing>
+</p:sld>
+</file>
+
+<file path=ppt/slides/slide4.xml><?xml version="1.0" encoding="utf-8"?>
+<p:sld xmlns:a="http://schemas.openxmlformats.org/drawingml/2006/main" xmlns:r="http://schemas.openxmlformats.org/officeDocument/2006/relationships" xmlns:p="http://schemas.openxmlformats.org/presentationml/2006/main">
+  <p:cSld>
+    <p:spTree>
+      <p:nvGrpSpPr>
+        <p:cNvPr id="1" name=""/>
+        <p:cNvGrpSpPr/>
+        <p:nvPr/>
+      </p:nvGrpSpPr>
+      <p:grpSpPr>
+        <a:xfrm>
+          <a:off x="0" y="0"/>
+          <a:ext cx="0" cy="0"/>
+          <a:chOff x="0" y="0"/>
+          <a:chExt cx="0" cy="0"/>
+        </a:xfrm>
+      </p:grpSpPr>
+      <p:sp>
+        <p:nvSpPr>
+          <p:cNvPr id="2" name="Title 1"/>
+          <p:cNvSpPr>
+            <a:spLocks noGrp="1"/>
+          </p:cNvSpPr>
+          <p:nvPr>
+            <p:ph type="title"/>
+          </p:nvPr>
+        </p:nvSpPr>
+        <p:spPr/>
+        <p:txBody>
+          <a:bodyPr/>
+          <a:lstStyle/>
+          <a:p>
+            <a:r>
+              <a:rPr lang="en-US" dirty="0" smtClean="0"/>
+              <a:t>Spring Data JPA</a:t>
+            </a:r>
+            <a:endParaRPr lang="en-US" dirty="0">
+              <a:solidFill>
+                <a:srgbClr val="138A7E"/>
+              </a:solidFill>
+            </a:endParaRPr>
+          </a:p>
+        </p:txBody>
+      </p:sp>
+      <p:sp>
+        <p:nvSpPr>
+          <p:cNvPr id="3" name="Content Placeholder 2"/>
+          <p:cNvSpPr>
+            <a:spLocks noGrp="1"/>
+          </p:cNvSpPr>
+          <p:nvPr>
+            <p:ph sz="quarter" idx="10"/>
+          </p:nvPr>
+        </p:nvSpPr>
+        <p:spPr>
+          <a:xfrm>
+            <a:off x="457199" y="1108075"/>
+            <a:ext cx="2672081" cy="629285"/>
+          </a:xfrm>
+        </p:spPr>
+        <p:txBody>
+          <a:bodyPr>
+            <a:normAutofit/>
+          </a:bodyPr>
+          <a:lstStyle/>
+          <a:p>
+            <a:pPr marL="0" indent="0">
+              <a:buNone/>
+            </a:pPr>
+            <a:r>
+              <a:rPr lang="en-US" sz="1400" dirty="0" smtClean="0"/>
+              <a:t>Add the Spring </a:t>
+            </a:r>
+            <a:r>
+              <a:rPr lang="en-US" sz="1400" dirty="0" smtClean="0"/>
+              <a:t>Security </a:t>
+            </a:r>
+            <a:r>
+              <a:rPr lang="en-US" sz="1400" dirty="0" smtClean="0"/>
+              <a:t>starter </a:t>
+            </a:r>
+            <a:r>
+              <a:rPr lang="en-US" sz="1400" dirty="0" smtClean="0"/>
+              <a:t>to our pom.xml file</a:t>
+            </a:r>
+          </a:p>
+        </p:txBody>
+      </p:sp>
+      <p:sp>
+        <p:nvSpPr>
+          <p:cNvPr id="7" name="Content Placeholder 2"/>
+          <p:cNvSpPr txBox="1">
+            <a:spLocks/>
+          </p:cNvSpPr>
+          <p:nvPr/>
+        </p:nvSpPr>
+        <p:spPr>
+          <a:xfrm>
+            <a:off x="3749040" y="2212656"/>
+            <a:ext cx="5080000" cy="2298383"/>
+          </a:xfrm>
+          <a:prstGeom prst="rect">
+            <a:avLst/>
+          </a:prstGeom>
+        </p:spPr>
+        <p:txBody>
+          <a:bodyPr>
+            <a:normAutofit/>
+          </a:bodyPr>
+          <a:lstStyle>
+            <a:lvl1pPr marL="342900" indent="-342900" algn="l" defTabSz="457200" rtl="0" eaLnBrk="1" latinLnBrk="0" hangingPunct="1">
+              <a:spcBef>
+                <a:spcPct val="20000"/>
+              </a:spcBef>
+              <a:buFont typeface="Arial"/>
+              <a:buChar char="•"/>
+              <a:defRPr sz="3200" kern="1200">
+                <a:solidFill>
+                  <a:schemeClr val="bg1"/>
+                </a:solidFill>
+                <a:latin typeface="Arial" panose="020B0604020202020204" pitchFamily="34" charset="0"/>
+                <a:ea typeface="+mn-ea"/>
+                <a:cs typeface="Arial" panose="020B0604020202020204" pitchFamily="34" charset="0"/>
+              </a:defRPr>
+            </a:lvl1pPr>
+            <a:lvl2pPr marL="742950" indent="-285750" algn="l" defTabSz="457200" rtl="0" eaLnBrk="1" latinLnBrk="0" hangingPunct="1">
+              <a:spcBef>
+                <a:spcPct val="20000"/>
+              </a:spcBef>
+              <a:buFont typeface="Arial"/>
+              <a:buChar char="–"/>
+              <a:defRPr sz="2800" kern="1200">
+                <a:solidFill>
+                  <a:schemeClr val="bg1"/>
+                </a:solidFill>
+                <a:latin typeface="Arial" panose="020B0604020202020204" pitchFamily="34" charset="0"/>
+                <a:ea typeface="+mn-ea"/>
+                <a:cs typeface="Arial" panose="020B0604020202020204" pitchFamily="34" charset="0"/>
+              </a:defRPr>
+            </a:lvl2pPr>
+            <a:lvl3pPr marL="1143000" indent="-228600" algn="l" defTabSz="457200" rtl="0" eaLnBrk="1" latinLnBrk="0" hangingPunct="1">
+              <a:spcBef>
+                <a:spcPct val="20000"/>
+              </a:spcBef>
+              <a:buFont typeface="Arial"/>
+              <a:buChar char="•"/>
+              <a:defRPr sz="2400" kern="1200">
+                <a:solidFill>
+                  <a:schemeClr val="bg1"/>
+                </a:solidFill>
+                <a:latin typeface="Arial" panose="020B0604020202020204" pitchFamily="34" charset="0"/>
+                <a:ea typeface="+mn-ea"/>
+                <a:cs typeface="Arial" panose="020B0604020202020204" pitchFamily="34" charset="0"/>
+              </a:defRPr>
+            </a:lvl3pPr>
+            <a:lvl4pPr marL="1600200" indent="-228600" algn="l" defTabSz="457200" rtl="0" eaLnBrk="1" latinLnBrk="0" hangingPunct="1">
+              <a:spcBef>
+                <a:spcPct val="20000"/>
+              </a:spcBef>
+              <a:buFont typeface="Arial"/>
+              <a:buChar char="–"/>
+              <a:defRPr sz="2000" kern="1200">
+                <a:solidFill>
+                  <a:schemeClr val="bg1"/>
+                </a:solidFill>
+                <a:latin typeface="Arial" panose="020B0604020202020204" pitchFamily="34" charset="0"/>
+                <a:ea typeface="+mn-ea"/>
+                <a:cs typeface="Arial" panose="020B0604020202020204" pitchFamily="34" charset="0"/>
+              </a:defRPr>
+            </a:lvl4pPr>
+            <a:lvl5pPr marL="2057400" indent="-228600" algn="l" defTabSz="457200" rtl="0" eaLnBrk="1" latinLnBrk="0" hangingPunct="1">
+              <a:spcBef>
+                <a:spcPct val="20000"/>
+              </a:spcBef>
+              <a:buFont typeface="Arial"/>
+              <a:buChar char="»"/>
+              <a:defRPr sz="2000" kern="1200">
+                <a:solidFill>
+                  <a:schemeClr val="bg1"/>
+                </a:solidFill>
+                <a:latin typeface="Arial" panose="020B0604020202020204" pitchFamily="34" charset="0"/>
+                <a:ea typeface="+mn-ea"/>
+                <a:cs typeface="Arial" panose="020B0604020202020204" pitchFamily="34" charset="0"/>
+              </a:defRPr>
+            </a:lvl5pPr>
+            <a:lvl6pPr marL="2514600" indent="-228600" algn="l" defTabSz="457200" rtl="0" eaLnBrk="1" latinLnBrk="0" hangingPunct="1">
+              <a:spcBef>
+                <a:spcPct val="20000"/>
+              </a:spcBef>
+              <a:buFont typeface="Arial"/>
+              <a:buChar char="•"/>
+              <a:defRPr sz="2000" kern="1200">
+                <a:solidFill>
+                  <a:schemeClr val="tx1"/>
+                </a:solidFill>
+                <a:latin typeface="+mn-lt"/>
+                <a:ea typeface="+mn-ea"/>
+                <a:cs typeface="+mn-cs"/>
+              </a:defRPr>
+            </a:lvl6pPr>
+            <a:lvl7pPr marL="2971800" indent="-228600" algn="l" defTabSz="457200" rtl="0" eaLnBrk="1" latinLnBrk="0" hangingPunct="1">
+              <a:spcBef>
+                <a:spcPct val="20000"/>
+              </a:spcBef>
+              <a:buFont typeface="Arial"/>
+              <a:buChar char="•"/>
+              <a:defRPr sz="2000" kern="1200">
+                <a:solidFill>
+                  <a:schemeClr val="tx1"/>
+                </a:solidFill>
+                <a:latin typeface="+mn-lt"/>
+                <a:ea typeface="+mn-ea"/>
+                <a:cs typeface="+mn-cs"/>
+              </a:defRPr>
+            </a:lvl7pPr>
+            <a:lvl8pPr marL="3429000" indent="-228600" algn="l" defTabSz="457200" rtl="0" eaLnBrk="1" latinLnBrk="0" hangingPunct="1">
+              <a:spcBef>
+                <a:spcPct val="20000"/>
+              </a:spcBef>
+              <a:buFont typeface="Arial"/>
+              <a:buChar char="•"/>
+              <a:defRPr sz="2000" kern="1200">
+                <a:solidFill>
+                  <a:schemeClr val="tx1"/>
+                </a:solidFill>
+                <a:latin typeface="+mn-lt"/>
+                <a:ea typeface="+mn-ea"/>
+                <a:cs typeface="+mn-cs"/>
+              </a:defRPr>
+            </a:lvl8pPr>
+            <a:lvl9pPr marL="3886200" indent="-228600" algn="l" defTabSz="457200" rtl="0" eaLnBrk="1" latinLnBrk="0" hangingPunct="1">
+              <a:spcBef>
+                <a:spcPct val="20000"/>
+              </a:spcBef>
+              <a:buFont typeface="Arial"/>
+              <a:buChar char="•"/>
+              <a:defRPr sz="2000" kern="1200">
+                <a:solidFill>
+                  <a:schemeClr val="tx1"/>
+                </a:solidFill>
+                <a:latin typeface="+mn-lt"/>
+                <a:ea typeface="+mn-ea"/>
+                <a:cs typeface="+mn-cs"/>
+              </a:defRPr>
+            </a:lvl9pPr>
+          </a:lstStyle>
+          <a:p>
+            <a:pPr marL="0" indent="0">
+              <a:buFont typeface="Arial"/>
+              <a:buNone/>
+            </a:pPr>
+            <a:endParaRPr lang="en-US" sz="1400" dirty="0" smtClean="0"/>
+          </a:p>
+        </p:txBody>
+      </p:sp>
+      <p:pic>
+        <p:nvPicPr>
+          <p:cNvPr id="4" name="Picture 3"/>
+          <p:cNvPicPr>
+            <a:picLocks noChangeAspect="1"/>
+          </p:cNvPicPr>
+          <p:nvPr/>
+        </p:nvPicPr>
+        <p:blipFill>
+          <a:blip r:embed="rId3"/>
+          <a:stretch>
+            <a:fillRect/>
+          </a:stretch>
+        </p:blipFill>
+        <p:spPr>
+          <a:xfrm>
+            <a:off x="3329940" y="1068070"/>
+            <a:ext cx="5499100" cy="889000"/>
+          </a:xfrm>
+          <a:prstGeom prst="rect">
+            <a:avLst/>
+          </a:prstGeom>
+        </p:spPr>
+      </p:pic>
+      <p:pic>
+        <p:nvPicPr>
+          <p:cNvPr id="5" name="Picture 4"/>
+          <p:cNvPicPr>
+            <a:picLocks noChangeAspect="1"/>
+          </p:cNvPicPr>
+          <p:nvPr/>
+        </p:nvPicPr>
+        <p:blipFill>
+          <a:blip r:embed="rId4"/>
+          <a:stretch>
+            <a:fillRect/>
+          </a:stretch>
+        </p:blipFill>
+        <p:spPr>
+          <a:xfrm>
+            <a:off x="12700" y="2331720"/>
+            <a:ext cx="9118600" cy="723900"/>
+          </a:xfrm>
+          <a:prstGeom prst="rect">
+            <a:avLst/>
+          </a:prstGeom>
+        </p:spPr>
+      </p:pic>
+      <p:pic>
+        <p:nvPicPr>
+          <p:cNvPr id="14" name="Picture 13"/>
+          <p:cNvPicPr>
+            <a:picLocks noChangeAspect="1"/>
+          </p:cNvPicPr>
+          <p:nvPr/>
+        </p:nvPicPr>
+        <p:blipFill>
+          <a:blip r:embed="rId5"/>
+          <a:stretch>
+            <a:fillRect/>
+          </a:stretch>
+        </p:blipFill>
+        <p:spPr>
+          <a:xfrm>
+            <a:off x="3474720" y="3218274"/>
+            <a:ext cx="4683760" cy="1673523"/>
+          </a:xfrm>
+          <a:prstGeom prst="rect">
+            <a:avLst/>
+          </a:prstGeom>
+        </p:spPr>
+      </p:pic>
+      <p:sp>
+        <p:nvSpPr>
+          <p:cNvPr id="15" name="Content Placeholder 2"/>
+          <p:cNvSpPr txBox="1">
+            <a:spLocks/>
+          </p:cNvSpPr>
+          <p:nvPr/>
+        </p:nvSpPr>
+        <p:spPr>
+          <a:xfrm>
+            <a:off x="457199" y="3532916"/>
+            <a:ext cx="2672081" cy="629285"/>
+          </a:xfrm>
+          <a:prstGeom prst="rect">
+            <a:avLst/>
+          </a:prstGeom>
+        </p:spPr>
+        <p:txBody>
+          <a:bodyPr>
+            <a:normAutofit/>
+          </a:bodyPr>
+          <a:lstStyle>
+            <a:lvl1pPr marL="342900" indent="-342900" algn="l" defTabSz="457200" rtl="0" eaLnBrk="1" latinLnBrk="0" hangingPunct="1">
+              <a:spcBef>
+                <a:spcPct val="20000"/>
+              </a:spcBef>
+              <a:buFont typeface="Arial"/>
+              <a:buChar char="•"/>
+              <a:defRPr sz="3200" kern="1200">
+                <a:solidFill>
+                  <a:schemeClr val="bg1"/>
+                </a:solidFill>
+                <a:latin typeface="Arial" panose="020B0604020202020204" pitchFamily="34" charset="0"/>
+                <a:ea typeface="+mn-ea"/>
+                <a:cs typeface="Arial" panose="020B0604020202020204" pitchFamily="34" charset="0"/>
+              </a:defRPr>
+            </a:lvl1pPr>
+            <a:lvl2pPr marL="742950" indent="-285750" algn="l" defTabSz="457200" rtl="0" eaLnBrk="1" latinLnBrk="0" hangingPunct="1">
+              <a:spcBef>
+                <a:spcPct val="20000"/>
+              </a:spcBef>
+              <a:buFont typeface="Arial"/>
+              <a:buChar char="–"/>
+              <a:defRPr sz="2800" kern="1200">
+                <a:solidFill>
+                  <a:schemeClr val="bg1"/>
+                </a:solidFill>
+                <a:latin typeface="Arial" panose="020B0604020202020204" pitchFamily="34" charset="0"/>
+                <a:ea typeface="+mn-ea"/>
+                <a:cs typeface="Arial" panose="020B0604020202020204" pitchFamily="34" charset="0"/>
+              </a:defRPr>
+            </a:lvl2pPr>
+            <a:lvl3pPr marL="1143000" indent="-228600" algn="l" defTabSz="457200" rtl="0" eaLnBrk="1" latinLnBrk="0" hangingPunct="1">
+              <a:spcBef>
+                <a:spcPct val="20000"/>
+              </a:spcBef>
+              <a:buFont typeface="Arial"/>
+              <a:buChar char="•"/>
+              <a:defRPr sz="2400" kern="1200">
+                <a:solidFill>
+                  <a:schemeClr val="bg1"/>
+                </a:solidFill>
+                <a:latin typeface="Arial" panose="020B0604020202020204" pitchFamily="34" charset="0"/>
+                <a:ea typeface="+mn-ea"/>
+                <a:cs typeface="Arial" panose="020B0604020202020204" pitchFamily="34" charset="0"/>
+              </a:defRPr>
+            </a:lvl3pPr>
+            <a:lvl4pPr marL="1600200" indent="-228600" algn="l" defTabSz="457200" rtl="0" eaLnBrk="1" latinLnBrk="0" hangingPunct="1">
+              <a:spcBef>
+                <a:spcPct val="20000"/>
+              </a:spcBef>
+              <a:buFont typeface="Arial"/>
+              <a:buChar char="–"/>
+              <a:defRPr sz="2000" kern="1200">
+                <a:solidFill>
+                  <a:schemeClr val="bg1"/>
+                </a:solidFill>
+                <a:latin typeface="Arial" panose="020B0604020202020204" pitchFamily="34" charset="0"/>
+                <a:ea typeface="+mn-ea"/>
+                <a:cs typeface="Arial" panose="020B0604020202020204" pitchFamily="34" charset="0"/>
+              </a:defRPr>
+            </a:lvl4pPr>
+            <a:lvl5pPr marL="2057400" indent="-228600" algn="l" defTabSz="457200" rtl="0" eaLnBrk="1" latinLnBrk="0" hangingPunct="1">
+              <a:spcBef>
+                <a:spcPct val="20000"/>
+              </a:spcBef>
+              <a:buFont typeface="Arial"/>
+              <a:buChar char="»"/>
+              <a:defRPr sz="2000" kern="1200">
+                <a:solidFill>
+                  <a:schemeClr val="bg1"/>
+                </a:solidFill>
+                <a:latin typeface="Arial" panose="020B0604020202020204" pitchFamily="34" charset="0"/>
+                <a:ea typeface="+mn-ea"/>
+                <a:cs typeface="Arial" panose="020B0604020202020204" pitchFamily="34" charset="0"/>
+              </a:defRPr>
+            </a:lvl5pPr>
+            <a:lvl6pPr marL="2514600" indent="-228600" algn="l" defTabSz="457200" rtl="0" eaLnBrk="1" latinLnBrk="0" hangingPunct="1">
+              <a:spcBef>
+                <a:spcPct val="20000"/>
+              </a:spcBef>
+              <a:buFont typeface="Arial"/>
+              <a:buChar char="•"/>
+              <a:defRPr sz="2000" kern="1200">
+                <a:solidFill>
+                  <a:schemeClr val="tx1"/>
+                </a:solidFill>
+                <a:latin typeface="+mn-lt"/>
+                <a:ea typeface="+mn-ea"/>
+                <a:cs typeface="+mn-cs"/>
+              </a:defRPr>
+            </a:lvl6pPr>
+            <a:lvl7pPr marL="2971800" indent="-228600" algn="l" defTabSz="457200" rtl="0" eaLnBrk="1" latinLnBrk="0" hangingPunct="1">
+              <a:spcBef>
+                <a:spcPct val="20000"/>
+              </a:spcBef>
+              <a:buFont typeface="Arial"/>
+              <a:buChar char="•"/>
+              <a:defRPr sz="2000" kern="1200">
+                <a:solidFill>
+                  <a:schemeClr val="tx1"/>
+                </a:solidFill>
+                <a:latin typeface="+mn-lt"/>
+                <a:ea typeface="+mn-ea"/>
+                <a:cs typeface="+mn-cs"/>
+              </a:defRPr>
+            </a:lvl7pPr>
+            <a:lvl8pPr marL="3429000" indent="-228600" algn="l" defTabSz="457200" rtl="0" eaLnBrk="1" latinLnBrk="0" hangingPunct="1">
+              <a:spcBef>
+                <a:spcPct val="20000"/>
+              </a:spcBef>
+              <a:buFont typeface="Arial"/>
+              <a:buChar char="•"/>
+              <a:defRPr sz="2000" kern="1200">
+                <a:solidFill>
+                  <a:schemeClr val="tx1"/>
+                </a:solidFill>
+                <a:latin typeface="+mn-lt"/>
+                <a:ea typeface="+mn-ea"/>
+                <a:cs typeface="+mn-cs"/>
+              </a:defRPr>
+            </a:lvl8pPr>
+            <a:lvl9pPr marL="3886200" indent="-228600" algn="l" defTabSz="457200" rtl="0" eaLnBrk="1" latinLnBrk="0" hangingPunct="1">
+              <a:spcBef>
+                <a:spcPct val="20000"/>
+              </a:spcBef>
+              <a:buFont typeface="Arial"/>
+              <a:buChar char="•"/>
+              <a:defRPr sz="2000" kern="1200">
+                <a:solidFill>
+                  <a:schemeClr val="tx1"/>
+                </a:solidFill>
+                <a:latin typeface="+mn-lt"/>
+                <a:ea typeface="+mn-ea"/>
+                <a:cs typeface="+mn-cs"/>
+              </a:defRPr>
+            </a:lvl9pPr>
+          </a:lstStyle>
+          <a:p>
+            <a:pPr marL="0" indent="0">
+              <a:buFont typeface="Arial"/>
+              <a:buNone/>
+            </a:pPr>
+            <a:r>
+              <a:rPr lang="en-US" sz="1400" dirty="0" smtClean="0"/>
+              <a:t>Generate password for two-factor authentication</a:t>
+            </a:r>
+          </a:p>
+        </p:txBody>
+      </p:sp>
+    </p:spTree>
+    <p:extLst>
+      <p:ext uri="{BB962C8B-B14F-4D97-AF65-F5344CB8AC3E}">
+        <p14:creationId xmlns:p14="http://schemas.microsoft.com/office/powerpoint/2010/main" val="3923726290"/>
+      </p:ext>
+    </p:extLst>
+  </p:cSld>
+  <p:clrMapOvr>
+    <a:masterClrMapping/>
+  </p:clrMapOvr>
+  <mc:AlternateContent xmlns:mc="http://schemas.openxmlformats.org/markup-compatibility/2006" xmlns:p14="http://schemas.microsoft.com/office/powerpoint/2010/main">
+    <mc:Choice Requires="p14">
+      <p:transition spd="slow" p14:dur="2000"/>
+    </mc:Choice>
+    <mc:Fallback xmlns="">
+      <p:transition xmlns:p14="http://schemas.microsoft.com/office/powerpoint/2010/main" spd="slow"/>
     </mc:Fallback>
   </mc:AlternateContent>
   <p:timing>
@@ -4307,7 +7218,1463 @@
 </p:sld>
 </file>
 
-<file path=ppt/slides/slide4.xml><?xml version="1.0" encoding="utf-8"?>
+<file path=ppt/slides/slide5.xml><?xml version="1.0" encoding="utf-8"?>
+<p:sld xmlns:a="http://schemas.openxmlformats.org/drawingml/2006/main" xmlns:r="http://schemas.openxmlformats.org/officeDocument/2006/relationships" xmlns:p="http://schemas.openxmlformats.org/presentationml/2006/main">
+  <p:cSld>
+    <p:spTree>
+      <p:nvGrpSpPr>
+        <p:cNvPr id="1" name=""/>
+        <p:cNvGrpSpPr/>
+        <p:nvPr/>
+      </p:nvGrpSpPr>
+      <p:grpSpPr>
+        <a:xfrm>
+          <a:off x="0" y="0"/>
+          <a:ext cx="0" cy="0"/>
+          <a:chOff x="0" y="0"/>
+          <a:chExt cx="0" cy="0"/>
+        </a:xfrm>
+      </p:grpSpPr>
+      <p:sp>
+        <p:nvSpPr>
+          <p:cNvPr id="2" name="Title 1"/>
+          <p:cNvSpPr>
+            <a:spLocks noGrp="1"/>
+          </p:cNvSpPr>
+          <p:nvPr>
+            <p:ph type="title"/>
+          </p:nvPr>
+        </p:nvSpPr>
+        <p:spPr/>
+        <p:txBody>
+          <a:bodyPr/>
+          <a:lstStyle/>
+          <a:p>
+            <a:r>
+              <a:rPr lang="en-US" dirty="0" smtClean="0"/>
+              <a:t>OAuth</a:t>
+            </a:r>
+            <a:endParaRPr lang="en-US" dirty="0">
+              <a:solidFill>
+                <a:srgbClr val="138A7E"/>
+              </a:solidFill>
+            </a:endParaRPr>
+          </a:p>
+        </p:txBody>
+      </p:sp>
+      <p:sp>
+        <p:nvSpPr>
+          <p:cNvPr id="7" name="Content Placeholder 2"/>
+          <p:cNvSpPr txBox="1">
+            <a:spLocks/>
+          </p:cNvSpPr>
+          <p:nvPr/>
+        </p:nvSpPr>
+        <p:spPr>
+          <a:xfrm>
+            <a:off x="3749040" y="2212656"/>
+            <a:ext cx="5080000" cy="2298383"/>
+          </a:xfrm>
+          <a:prstGeom prst="rect">
+            <a:avLst/>
+          </a:prstGeom>
+        </p:spPr>
+        <p:txBody>
+          <a:bodyPr>
+            <a:normAutofit/>
+          </a:bodyPr>
+          <a:lstStyle>
+            <a:lvl1pPr marL="342900" indent="-342900" algn="l" defTabSz="457200" rtl="0" eaLnBrk="1" latinLnBrk="0" hangingPunct="1">
+              <a:spcBef>
+                <a:spcPct val="20000"/>
+              </a:spcBef>
+              <a:buFont typeface="Arial"/>
+              <a:buChar char="•"/>
+              <a:defRPr sz="3200" kern="1200">
+                <a:solidFill>
+                  <a:schemeClr val="bg1"/>
+                </a:solidFill>
+                <a:latin typeface="Arial" panose="020B0604020202020204" pitchFamily="34" charset="0"/>
+                <a:ea typeface="+mn-ea"/>
+                <a:cs typeface="Arial" panose="020B0604020202020204" pitchFamily="34" charset="0"/>
+              </a:defRPr>
+            </a:lvl1pPr>
+            <a:lvl2pPr marL="742950" indent="-285750" algn="l" defTabSz="457200" rtl="0" eaLnBrk="1" latinLnBrk="0" hangingPunct="1">
+              <a:spcBef>
+                <a:spcPct val="20000"/>
+              </a:spcBef>
+              <a:buFont typeface="Arial"/>
+              <a:buChar char="–"/>
+              <a:defRPr sz="2800" kern="1200">
+                <a:solidFill>
+                  <a:schemeClr val="bg1"/>
+                </a:solidFill>
+                <a:latin typeface="Arial" panose="020B0604020202020204" pitchFamily="34" charset="0"/>
+                <a:ea typeface="+mn-ea"/>
+                <a:cs typeface="Arial" panose="020B0604020202020204" pitchFamily="34" charset="0"/>
+              </a:defRPr>
+            </a:lvl2pPr>
+            <a:lvl3pPr marL="1143000" indent="-228600" algn="l" defTabSz="457200" rtl="0" eaLnBrk="1" latinLnBrk="0" hangingPunct="1">
+              <a:spcBef>
+                <a:spcPct val="20000"/>
+              </a:spcBef>
+              <a:buFont typeface="Arial"/>
+              <a:buChar char="•"/>
+              <a:defRPr sz="2400" kern="1200">
+                <a:solidFill>
+                  <a:schemeClr val="bg1"/>
+                </a:solidFill>
+                <a:latin typeface="Arial" panose="020B0604020202020204" pitchFamily="34" charset="0"/>
+                <a:ea typeface="+mn-ea"/>
+                <a:cs typeface="Arial" panose="020B0604020202020204" pitchFamily="34" charset="0"/>
+              </a:defRPr>
+            </a:lvl3pPr>
+            <a:lvl4pPr marL="1600200" indent="-228600" algn="l" defTabSz="457200" rtl="0" eaLnBrk="1" latinLnBrk="0" hangingPunct="1">
+              <a:spcBef>
+                <a:spcPct val="20000"/>
+              </a:spcBef>
+              <a:buFont typeface="Arial"/>
+              <a:buChar char="–"/>
+              <a:defRPr sz="2000" kern="1200">
+                <a:solidFill>
+                  <a:schemeClr val="bg1"/>
+                </a:solidFill>
+                <a:latin typeface="Arial" panose="020B0604020202020204" pitchFamily="34" charset="0"/>
+                <a:ea typeface="+mn-ea"/>
+                <a:cs typeface="Arial" panose="020B0604020202020204" pitchFamily="34" charset="0"/>
+              </a:defRPr>
+            </a:lvl4pPr>
+            <a:lvl5pPr marL="2057400" indent="-228600" algn="l" defTabSz="457200" rtl="0" eaLnBrk="1" latinLnBrk="0" hangingPunct="1">
+              <a:spcBef>
+                <a:spcPct val="20000"/>
+              </a:spcBef>
+              <a:buFont typeface="Arial"/>
+              <a:buChar char="»"/>
+              <a:defRPr sz="2000" kern="1200">
+                <a:solidFill>
+                  <a:schemeClr val="bg1"/>
+                </a:solidFill>
+                <a:latin typeface="Arial" panose="020B0604020202020204" pitchFamily="34" charset="0"/>
+                <a:ea typeface="+mn-ea"/>
+                <a:cs typeface="Arial" panose="020B0604020202020204" pitchFamily="34" charset="0"/>
+              </a:defRPr>
+            </a:lvl5pPr>
+            <a:lvl6pPr marL="2514600" indent="-228600" algn="l" defTabSz="457200" rtl="0" eaLnBrk="1" latinLnBrk="0" hangingPunct="1">
+              <a:spcBef>
+                <a:spcPct val="20000"/>
+              </a:spcBef>
+              <a:buFont typeface="Arial"/>
+              <a:buChar char="•"/>
+              <a:defRPr sz="2000" kern="1200">
+                <a:solidFill>
+                  <a:schemeClr val="tx1"/>
+                </a:solidFill>
+                <a:latin typeface="+mn-lt"/>
+                <a:ea typeface="+mn-ea"/>
+                <a:cs typeface="+mn-cs"/>
+              </a:defRPr>
+            </a:lvl6pPr>
+            <a:lvl7pPr marL="2971800" indent="-228600" algn="l" defTabSz="457200" rtl="0" eaLnBrk="1" latinLnBrk="0" hangingPunct="1">
+              <a:spcBef>
+                <a:spcPct val="20000"/>
+              </a:spcBef>
+              <a:buFont typeface="Arial"/>
+              <a:buChar char="•"/>
+              <a:defRPr sz="2000" kern="1200">
+                <a:solidFill>
+                  <a:schemeClr val="tx1"/>
+                </a:solidFill>
+                <a:latin typeface="+mn-lt"/>
+                <a:ea typeface="+mn-ea"/>
+                <a:cs typeface="+mn-cs"/>
+              </a:defRPr>
+            </a:lvl7pPr>
+            <a:lvl8pPr marL="3429000" indent="-228600" algn="l" defTabSz="457200" rtl="0" eaLnBrk="1" latinLnBrk="0" hangingPunct="1">
+              <a:spcBef>
+                <a:spcPct val="20000"/>
+              </a:spcBef>
+              <a:buFont typeface="Arial"/>
+              <a:buChar char="•"/>
+              <a:defRPr sz="2000" kern="1200">
+                <a:solidFill>
+                  <a:schemeClr val="tx1"/>
+                </a:solidFill>
+                <a:latin typeface="+mn-lt"/>
+                <a:ea typeface="+mn-ea"/>
+                <a:cs typeface="+mn-cs"/>
+              </a:defRPr>
+            </a:lvl8pPr>
+            <a:lvl9pPr marL="3886200" indent="-228600" algn="l" defTabSz="457200" rtl="0" eaLnBrk="1" latinLnBrk="0" hangingPunct="1">
+              <a:spcBef>
+                <a:spcPct val="20000"/>
+              </a:spcBef>
+              <a:buFont typeface="Arial"/>
+              <a:buChar char="•"/>
+              <a:defRPr sz="2000" kern="1200">
+                <a:solidFill>
+                  <a:schemeClr val="tx1"/>
+                </a:solidFill>
+                <a:latin typeface="+mn-lt"/>
+                <a:ea typeface="+mn-ea"/>
+                <a:cs typeface="+mn-cs"/>
+              </a:defRPr>
+            </a:lvl9pPr>
+          </a:lstStyle>
+          <a:p>
+            <a:pPr marL="0" indent="0">
+              <a:buFont typeface="Arial"/>
+              <a:buNone/>
+            </a:pPr>
+            <a:endParaRPr lang="en-US" sz="1400" dirty="0" smtClean="0"/>
+          </a:p>
+        </p:txBody>
+      </p:sp>
+      <p:sp>
+        <p:nvSpPr>
+          <p:cNvPr id="4" name="Rectangle 3"/>
+          <p:cNvSpPr/>
+          <p:nvPr/>
+        </p:nvSpPr>
+        <p:spPr>
+          <a:xfrm>
+            <a:off x="121920" y="1012327"/>
+            <a:ext cx="8869680" cy="923330"/>
+          </a:xfrm>
+          <a:prstGeom prst="rect">
+            <a:avLst/>
+          </a:prstGeom>
+        </p:spPr>
+        <p:txBody>
+          <a:bodyPr wrap="square">
+            <a:spAutoFit/>
+          </a:bodyPr>
+          <a:lstStyle/>
+          <a:p>
+            <a:pPr marL="203200" lvl="0" indent="0">
+              <a:buNone/>
+            </a:pPr>
+            <a:r>
+              <a:rPr lang="en-US" dirty="0">
+                <a:solidFill>
+                  <a:srgbClr val="FFFFFF"/>
+                </a:solidFill>
+              </a:rPr>
+              <a:t>OAuth provides support for using Spring Security with OAuth (1a) and OAuth2 using standard Spring and Spring Security programming models and configuration </a:t>
+            </a:r>
+            <a:r>
+              <a:rPr lang="en-US" dirty="0" smtClean="0">
+                <a:solidFill>
+                  <a:srgbClr val="FFFFFF"/>
+                </a:solidFill>
+              </a:rPr>
+              <a:t>idioms</a:t>
+            </a:r>
+            <a:endParaRPr lang="en-US" dirty="0">
+              <a:solidFill>
+                <a:srgbClr val="FFFFFF"/>
+              </a:solidFill>
+            </a:endParaRPr>
+          </a:p>
+        </p:txBody>
+      </p:sp>
+      <p:sp>
+        <p:nvSpPr>
+          <p:cNvPr id="8" name="Content Placeholder 2"/>
+          <p:cNvSpPr txBox="1">
+            <a:spLocks/>
+          </p:cNvSpPr>
+          <p:nvPr/>
+        </p:nvSpPr>
+        <p:spPr>
+          <a:xfrm>
+            <a:off x="223519" y="2106295"/>
+            <a:ext cx="2672081" cy="629285"/>
+          </a:xfrm>
+          <a:prstGeom prst="rect">
+            <a:avLst/>
+          </a:prstGeom>
+        </p:spPr>
+        <p:txBody>
+          <a:bodyPr>
+            <a:normAutofit/>
+          </a:bodyPr>
+          <a:lstStyle>
+            <a:lvl1pPr marL="342900" indent="-342900" algn="l" defTabSz="457200" rtl="0" eaLnBrk="1" latinLnBrk="0" hangingPunct="1">
+              <a:spcBef>
+                <a:spcPct val="20000"/>
+              </a:spcBef>
+              <a:buFont typeface="Arial"/>
+              <a:buChar char="•"/>
+              <a:defRPr sz="3200" kern="1200">
+                <a:solidFill>
+                  <a:schemeClr val="bg1"/>
+                </a:solidFill>
+                <a:latin typeface="Arial" panose="020B0604020202020204" pitchFamily="34" charset="0"/>
+                <a:ea typeface="+mn-ea"/>
+                <a:cs typeface="Arial" panose="020B0604020202020204" pitchFamily="34" charset="0"/>
+              </a:defRPr>
+            </a:lvl1pPr>
+            <a:lvl2pPr marL="742950" indent="-285750" algn="l" defTabSz="457200" rtl="0" eaLnBrk="1" latinLnBrk="0" hangingPunct="1">
+              <a:spcBef>
+                <a:spcPct val="20000"/>
+              </a:spcBef>
+              <a:buFont typeface="Arial"/>
+              <a:buChar char="–"/>
+              <a:defRPr sz="2800" kern="1200">
+                <a:solidFill>
+                  <a:schemeClr val="bg1"/>
+                </a:solidFill>
+                <a:latin typeface="Arial" panose="020B0604020202020204" pitchFamily="34" charset="0"/>
+                <a:ea typeface="+mn-ea"/>
+                <a:cs typeface="Arial" panose="020B0604020202020204" pitchFamily="34" charset="0"/>
+              </a:defRPr>
+            </a:lvl2pPr>
+            <a:lvl3pPr marL="1143000" indent="-228600" algn="l" defTabSz="457200" rtl="0" eaLnBrk="1" latinLnBrk="0" hangingPunct="1">
+              <a:spcBef>
+                <a:spcPct val="20000"/>
+              </a:spcBef>
+              <a:buFont typeface="Arial"/>
+              <a:buChar char="•"/>
+              <a:defRPr sz="2400" kern="1200">
+                <a:solidFill>
+                  <a:schemeClr val="bg1"/>
+                </a:solidFill>
+                <a:latin typeface="Arial" panose="020B0604020202020204" pitchFamily="34" charset="0"/>
+                <a:ea typeface="+mn-ea"/>
+                <a:cs typeface="Arial" panose="020B0604020202020204" pitchFamily="34" charset="0"/>
+              </a:defRPr>
+            </a:lvl3pPr>
+            <a:lvl4pPr marL="1600200" indent="-228600" algn="l" defTabSz="457200" rtl="0" eaLnBrk="1" latinLnBrk="0" hangingPunct="1">
+              <a:spcBef>
+                <a:spcPct val="20000"/>
+              </a:spcBef>
+              <a:buFont typeface="Arial"/>
+              <a:buChar char="–"/>
+              <a:defRPr sz="2000" kern="1200">
+                <a:solidFill>
+                  <a:schemeClr val="bg1"/>
+                </a:solidFill>
+                <a:latin typeface="Arial" panose="020B0604020202020204" pitchFamily="34" charset="0"/>
+                <a:ea typeface="+mn-ea"/>
+                <a:cs typeface="Arial" panose="020B0604020202020204" pitchFamily="34" charset="0"/>
+              </a:defRPr>
+            </a:lvl4pPr>
+            <a:lvl5pPr marL="2057400" indent="-228600" algn="l" defTabSz="457200" rtl="0" eaLnBrk="1" latinLnBrk="0" hangingPunct="1">
+              <a:spcBef>
+                <a:spcPct val="20000"/>
+              </a:spcBef>
+              <a:buFont typeface="Arial"/>
+              <a:buChar char="»"/>
+              <a:defRPr sz="2000" kern="1200">
+                <a:solidFill>
+                  <a:schemeClr val="bg1"/>
+                </a:solidFill>
+                <a:latin typeface="Arial" panose="020B0604020202020204" pitchFamily="34" charset="0"/>
+                <a:ea typeface="+mn-ea"/>
+                <a:cs typeface="Arial" panose="020B0604020202020204" pitchFamily="34" charset="0"/>
+              </a:defRPr>
+            </a:lvl5pPr>
+            <a:lvl6pPr marL="2514600" indent="-228600" algn="l" defTabSz="457200" rtl="0" eaLnBrk="1" latinLnBrk="0" hangingPunct="1">
+              <a:spcBef>
+                <a:spcPct val="20000"/>
+              </a:spcBef>
+              <a:buFont typeface="Arial"/>
+              <a:buChar char="•"/>
+              <a:defRPr sz="2000" kern="1200">
+                <a:solidFill>
+                  <a:schemeClr val="tx1"/>
+                </a:solidFill>
+                <a:latin typeface="+mn-lt"/>
+                <a:ea typeface="+mn-ea"/>
+                <a:cs typeface="+mn-cs"/>
+              </a:defRPr>
+            </a:lvl6pPr>
+            <a:lvl7pPr marL="2971800" indent="-228600" algn="l" defTabSz="457200" rtl="0" eaLnBrk="1" latinLnBrk="0" hangingPunct="1">
+              <a:spcBef>
+                <a:spcPct val="20000"/>
+              </a:spcBef>
+              <a:buFont typeface="Arial"/>
+              <a:buChar char="•"/>
+              <a:defRPr sz="2000" kern="1200">
+                <a:solidFill>
+                  <a:schemeClr val="tx1"/>
+                </a:solidFill>
+                <a:latin typeface="+mn-lt"/>
+                <a:ea typeface="+mn-ea"/>
+                <a:cs typeface="+mn-cs"/>
+              </a:defRPr>
+            </a:lvl7pPr>
+            <a:lvl8pPr marL="3429000" indent="-228600" algn="l" defTabSz="457200" rtl="0" eaLnBrk="1" latinLnBrk="0" hangingPunct="1">
+              <a:spcBef>
+                <a:spcPct val="20000"/>
+              </a:spcBef>
+              <a:buFont typeface="Arial"/>
+              <a:buChar char="•"/>
+              <a:defRPr sz="2000" kern="1200">
+                <a:solidFill>
+                  <a:schemeClr val="tx1"/>
+                </a:solidFill>
+                <a:latin typeface="+mn-lt"/>
+                <a:ea typeface="+mn-ea"/>
+                <a:cs typeface="+mn-cs"/>
+              </a:defRPr>
+            </a:lvl8pPr>
+            <a:lvl9pPr marL="3886200" indent="-228600" algn="l" defTabSz="457200" rtl="0" eaLnBrk="1" latinLnBrk="0" hangingPunct="1">
+              <a:spcBef>
+                <a:spcPct val="20000"/>
+              </a:spcBef>
+              <a:buFont typeface="Arial"/>
+              <a:buChar char="•"/>
+              <a:defRPr sz="2000" kern="1200">
+                <a:solidFill>
+                  <a:schemeClr val="tx1"/>
+                </a:solidFill>
+                <a:latin typeface="+mn-lt"/>
+                <a:ea typeface="+mn-ea"/>
+                <a:cs typeface="+mn-cs"/>
+              </a:defRPr>
+            </a:lvl9pPr>
+          </a:lstStyle>
+          <a:p>
+            <a:pPr marL="0" indent="0">
+              <a:buFont typeface="Arial"/>
+              <a:buNone/>
+            </a:pPr>
+            <a:r>
+              <a:rPr lang="en-US" sz="1400" dirty="0" smtClean="0"/>
+              <a:t>Add a dash of </a:t>
+            </a:r>
+            <a:r>
+              <a:rPr lang="en-US" sz="1400" dirty="0" smtClean="0"/>
+              <a:t>Spring OAuth </a:t>
+            </a:r>
+            <a:r>
+              <a:rPr lang="en-US" sz="1400" dirty="0" smtClean="0"/>
+              <a:t>into </a:t>
+            </a:r>
+            <a:r>
+              <a:rPr lang="en-US" sz="1400" dirty="0" smtClean="0"/>
+              <a:t>our </a:t>
+            </a:r>
+            <a:r>
+              <a:rPr lang="en-US" sz="1400" dirty="0" smtClean="0"/>
+              <a:t>pom.xml</a:t>
+            </a:r>
+          </a:p>
+        </p:txBody>
+      </p:sp>
+      <p:pic>
+        <p:nvPicPr>
+          <p:cNvPr id="10" name="Picture 9"/>
+          <p:cNvPicPr>
+            <a:picLocks noChangeAspect="1"/>
+          </p:cNvPicPr>
+          <p:nvPr/>
+        </p:nvPicPr>
+        <p:blipFill>
+          <a:blip r:embed="rId3"/>
+          <a:stretch>
+            <a:fillRect/>
+          </a:stretch>
+        </p:blipFill>
+        <p:spPr>
+          <a:xfrm>
+            <a:off x="3136900" y="1745157"/>
+            <a:ext cx="5651500" cy="1041400"/>
+          </a:xfrm>
+          <a:prstGeom prst="rect">
+            <a:avLst/>
+          </a:prstGeom>
+        </p:spPr>
+      </p:pic>
+      <p:pic>
+        <p:nvPicPr>
+          <p:cNvPr id="20" name="Picture 19"/>
+          <p:cNvPicPr>
+            <a:picLocks noChangeAspect="1"/>
+          </p:cNvPicPr>
+          <p:nvPr/>
+        </p:nvPicPr>
+        <p:blipFill>
+          <a:blip r:embed="rId4"/>
+          <a:stretch>
+            <a:fillRect/>
+          </a:stretch>
+        </p:blipFill>
+        <p:spPr>
+          <a:xfrm>
+            <a:off x="3136900" y="2861722"/>
+            <a:ext cx="4127500" cy="1641828"/>
+          </a:xfrm>
+          <a:prstGeom prst="rect">
+            <a:avLst/>
+          </a:prstGeom>
+        </p:spPr>
+      </p:pic>
+      <p:sp>
+        <p:nvSpPr>
+          <p:cNvPr id="21" name="Content Placeholder 2"/>
+          <p:cNvSpPr txBox="1">
+            <a:spLocks/>
+          </p:cNvSpPr>
+          <p:nvPr/>
+        </p:nvSpPr>
+        <p:spPr>
+          <a:xfrm>
+            <a:off x="223519" y="3234055"/>
+            <a:ext cx="2672081" cy="972185"/>
+          </a:xfrm>
+          <a:prstGeom prst="rect">
+            <a:avLst/>
+          </a:prstGeom>
+        </p:spPr>
+        <p:txBody>
+          <a:bodyPr>
+            <a:normAutofit/>
+          </a:bodyPr>
+          <a:lstStyle>
+            <a:lvl1pPr marL="342900" indent="-342900" algn="l" defTabSz="457200" rtl="0" eaLnBrk="1" latinLnBrk="0" hangingPunct="1">
+              <a:spcBef>
+                <a:spcPct val="20000"/>
+              </a:spcBef>
+              <a:buFont typeface="Arial"/>
+              <a:buChar char="•"/>
+              <a:defRPr sz="3200" kern="1200">
+                <a:solidFill>
+                  <a:schemeClr val="bg1"/>
+                </a:solidFill>
+                <a:latin typeface="Arial" panose="020B0604020202020204" pitchFamily="34" charset="0"/>
+                <a:ea typeface="+mn-ea"/>
+                <a:cs typeface="Arial" panose="020B0604020202020204" pitchFamily="34" charset="0"/>
+              </a:defRPr>
+            </a:lvl1pPr>
+            <a:lvl2pPr marL="742950" indent="-285750" algn="l" defTabSz="457200" rtl="0" eaLnBrk="1" latinLnBrk="0" hangingPunct="1">
+              <a:spcBef>
+                <a:spcPct val="20000"/>
+              </a:spcBef>
+              <a:buFont typeface="Arial"/>
+              <a:buChar char="–"/>
+              <a:defRPr sz="2800" kern="1200">
+                <a:solidFill>
+                  <a:schemeClr val="bg1"/>
+                </a:solidFill>
+                <a:latin typeface="Arial" panose="020B0604020202020204" pitchFamily="34" charset="0"/>
+                <a:ea typeface="+mn-ea"/>
+                <a:cs typeface="Arial" panose="020B0604020202020204" pitchFamily="34" charset="0"/>
+              </a:defRPr>
+            </a:lvl2pPr>
+            <a:lvl3pPr marL="1143000" indent="-228600" algn="l" defTabSz="457200" rtl="0" eaLnBrk="1" latinLnBrk="0" hangingPunct="1">
+              <a:spcBef>
+                <a:spcPct val="20000"/>
+              </a:spcBef>
+              <a:buFont typeface="Arial"/>
+              <a:buChar char="•"/>
+              <a:defRPr sz="2400" kern="1200">
+                <a:solidFill>
+                  <a:schemeClr val="bg1"/>
+                </a:solidFill>
+                <a:latin typeface="Arial" panose="020B0604020202020204" pitchFamily="34" charset="0"/>
+                <a:ea typeface="+mn-ea"/>
+                <a:cs typeface="Arial" panose="020B0604020202020204" pitchFamily="34" charset="0"/>
+              </a:defRPr>
+            </a:lvl3pPr>
+            <a:lvl4pPr marL="1600200" indent="-228600" algn="l" defTabSz="457200" rtl="0" eaLnBrk="1" latinLnBrk="0" hangingPunct="1">
+              <a:spcBef>
+                <a:spcPct val="20000"/>
+              </a:spcBef>
+              <a:buFont typeface="Arial"/>
+              <a:buChar char="–"/>
+              <a:defRPr sz="2000" kern="1200">
+                <a:solidFill>
+                  <a:schemeClr val="bg1"/>
+                </a:solidFill>
+                <a:latin typeface="Arial" panose="020B0604020202020204" pitchFamily="34" charset="0"/>
+                <a:ea typeface="+mn-ea"/>
+                <a:cs typeface="Arial" panose="020B0604020202020204" pitchFamily="34" charset="0"/>
+              </a:defRPr>
+            </a:lvl4pPr>
+            <a:lvl5pPr marL="2057400" indent="-228600" algn="l" defTabSz="457200" rtl="0" eaLnBrk="1" latinLnBrk="0" hangingPunct="1">
+              <a:spcBef>
+                <a:spcPct val="20000"/>
+              </a:spcBef>
+              <a:buFont typeface="Arial"/>
+              <a:buChar char="»"/>
+              <a:defRPr sz="2000" kern="1200">
+                <a:solidFill>
+                  <a:schemeClr val="bg1"/>
+                </a:solidFill>
+                <a:latin typeface="Arial" panose="020B0604020202020204" pitchFamily="34" charset="0"/>
+                <a:ea typeface="+mn-ea"/>
+                <a:cs typeface="Arial" panose="020B0604020202020204" pitchFamily="34" charset="0"/>
+              </a:defRPr>
+            </a:lvl5pPr>
+            <a:lvl6pPr marL="2514600" indent="-228600" algn="l" defTabSz="457200" rtl="0" eaLnBrk="1" latinLnBrk="0" hangingPunct="1">
+              <a:spcBef>
+                <a:spcPct val="20000"/>
+              </a:spcBef>
+              <a:buFont typeface="Arial"/>
+              <a:buChar char="•"/>
+              <a:defRPr sz="2000" kern="1200">
+                <a:solidFill>
+                  <a:schemeClr val="tx1"/>
+                </a:solidFill>
+                <a:latin typeface="+mn-lt"/>
+                <a:ea typeface="+mn-ea"/>
+                <a:cs typeface="+mn-cs"/>
+              </a:defRPr>
+            </a:lvl6pPr>
+            <a:lvl7pPr marL="2971800" indent="-228600" algn="l" defTabSz="457200" rtl="0" eaLnBrk="1" latinLnBrk="0" hangingPunct="1">
+              <a:spcBef>
+                <a:spcPct val="20000"/>
+              </a:spcBef>
+              <a:buFont typeface="Arial"/>
+              <a:buChar char="•"/>
+              <a:defRPr sz="2000" kern="1200">
+                <a:solidFill>
+                  <a:schemeClr val="tx1"/>
+                </a:solidFill>
+                <a:latin typeface="+mn-lt"/>
+                <a:ea typeface="+mn-ea"/>
+                <a:cs typeface="+mn-cs"/>
+              </a:defRPr>
+            </a:lvl7pPr>
+            <a:lvl8pPr marL="3429000" indent="-228600" algn="l" defTabSz="457200" rtl="0" eaLnBrk="1" latinLnBrk="0" hangingPunct="1">
+              <a:spcBef>
+                <a:spcPct val="20000"/>
+              </a:spcBef>
+              <a:buFont typeface="Arial"/>
+              <a:buChar char="•"/>
+              <a:defRPr sz="2000" kern="1200">
+                <a:solidFill>
+                  <a:schemeClr val="tx1"/>
+                </a:solidFill>
+                <a:latin typeface="+mn-lt"/>
+                <a:ea typeface="+mn-ea"/>
+                <a:cs typeface="+mn-cs"/>
+              </a:defRPr>
+            </a:lvl8pPr>
+            <a:lvl9pPr marL="3886200" indent="-228600" algn="l" defTabSz="457200" rtl="0" eaLnBrk="1" latinLnBrk="0" hangingPunct="1">
+              <a:spcBef>
+                <a:spcPct val="20000"/>
+              </a:spcBef>
+              <a:buFont typeface="Arial"/>
+              <a:buChar char="•"/>
+              <a:defRPr sz="2000" kern="1200">
+                <a:solidFill>
+                  <a:schemeClr val="tx1"/>
+                </a:solidFill>
+                <a:latin typeface="+mn-lt"/>
+                <a:ea typeface="+mn-ea"/>
+                <a:cs typeface="+mn-cs"/>
+              </a:defRPr>
+            </a:lvl9pPr>
+          </a:lstStyle>
+          <a:p>
+            <a:pPr marL="0" indent="0">
+              <a:buFont typeface="Arial"/>
+              <a:buNone/>
+            </a:pPr>
+            <a:r>
+              <a:rPr lang="en-US" sz="1400" dirty="0" smtClean="0"/>
+              <a:t>Sprinkle in some annotations</a:t>
+            </a:r>
+          </a:p>
+          <a:p>
+            <a:pPr marL="0" indent="0">
+              <a:buFont typeface="Arial"/>
+              <a:buNone/>
+            </a:pPr>
+            <a:r>
+              <a:rPr lang="en-US" sz="1400" dirty="0" smtClean="0"/>
+              <a:t>@</a:t>
+            </a:r>
+            <a:r>
+              <a:rPr lang="en-US" sz="1400" dirty="0" err="1" smtClean="0"/>
+              <a:t>EnableAuthorizationServer</a:t>
+            </a:r>
+            <a:endParaRPr lang="en-US" sz="1400" dirty="0" smtClean="0"/>
+          </a:p>
+          <a:p>
+            <a:pPr marL="0" indent="0">
+              <a:buFont typeface="Arial"/>
+              <a:buNone/>
+            </a:pPr>
+            <a:r>
+              <a:rPr lang="en-US" sz="1400" dirty="0" smtClean="0"/>
+              <a:t>@</a:t>
+            </a:r>
+            <a:r>
+              <a:rPr lang="en-US" sz="1400" dirty="0" err="1" smtClean="0"/>
+              <a:t>EnableResourceServer</a:t>
+            </a:r>
+            <a:endParaRPr lang="en-US" sz="1400" dirty="0" smtClean="0"/>
+          </a:p>
+        </p:txBody>
+      </p:sp>
+    </p:spTree>
+    <p:extLst>
+      <p:ext uri="{BB962C8B-B14F-4D97-AF65-F5344CB8AC3E}">
+        <p14:creationId xmlns:p14="http://schemas.microsoft.com/office/powerpoint/2010/main" val="1355832900"/>
+      </p:ext>
+    </p:extLst>
+  </p:cSld>
+  <p:clrMapOvr>
+    <a:masterClrMapping/>
+  </p:clrMapOvr>
+  <mc:AlternateContent xmlns:mc="http://schemas.openxmlformats.org/markup-compatibility/2006" xmlns:p14="http://schemas.microsoft.com/office/powerpoint/2010/main">
+    <mc:Choice Requires="p14">
+      <p:transition spd="slow" p14:dur="2000"/>
+    </mc:Choice>
+    <mc:Fallback xmlns="">
+      <p:transition xmlns:p14="http://schemas.microsoft.com/office/powerpoint/2010/main" spd="slow"/>
+    </mc:Fallback>
+  </mc:AlternateContent>
+  <p:timing>
+    <p:tnLst>
+      <p:par>
+        <p:cTn xmlns:p14="http://schemas.microsoft.com/office/powerpoint/2010/main" id="1" dur="indefinite" restart="never" nodeType="tmRoot"/>
+      </p:par>
+    </p:tnLst>
+  </p:timing>
+</p:sld>
+</file>
+
+<file path=ppt/slides/slide6.xml><?xml version="1.0" encoding="utf-8"?>
+<p:sld xmlns:a="http://schemas.openxmlformats.org/drawingml/2006/main" xmlns:r="http://schemas.openxmlformats.org/officeDocument/2006/relationships" xmlns:p="http://schemas.openxmlformats.org/presentationml/2006/main">
+  <p:cSld>
+    <p:spTree>
+      <p:nvGrpSpPr>
+        <p:cNvPr id="1" name=""/>
+        <p:cNvGrpSpPr/>
+        <p:nvPr/>
+      </p:nvGrpSpPr>
+      <p:grpSpPr>
+        <a:xfrm>
+          <a:off x="0" y="0"/>
+          <a:ext cx="0" cy="0"/>
+          <a:chOff x="0" y="0"/>
+          <a:chExt cx="0" cy="0"/>
+        </a:xfrm>
+      </p:grpSpPr>
+      <p:sp>
+        <p:nvSpPr>
+          <p:cNvPr id="2" name="Title 1"/>
+          <p:cNvSpPr>
+            <a:spLocks noGrp="1"/>
+          </p:cNvSpPr>
+          <p:nvPr>
+            <p:ph type="title"/>
+          </p:nvPr>
+        </p:nvSpPr>
+        <p:spPr/>
+        <p:txBody>
+          <a:bodyPr/>
+          <a:lstStyle/>
+          <a:p>
+            <a:r>
+              <a:rPr lang="en-US" dirty="0" smtClean="0"/>
+              <a:t>OAuth Bearer Token</a:t>
+            </a:r>
+            <a:endParaRPr lang="en-US" dirty="0">
+              <a:solidFill>
+                <a:srgbClr val="138A7E"/>
+              </a:solidFill>
+            </a:endParaRPr>
+          </a:p>
+        </p:txBody>
+      </p:sp>
+      <p:sp>
+        <p:nvSpPr>
+          <p:cNvPr id="7" name="Content Placeholder 2"/>
+          <p:cNvSpPr txBox="1">
+            <a:spLocks/>
+          </p:cNvSpPr>
+          <p:nvPr/>
+        </p:nvSpPr>
+        <p:spPr>
+          <a:xfrm>
+            <a:off x="3749040" y="2212656"/>
+            <a:ext cx="5080000" cy="2298383"/>
+          </a:xfrm>
+          <a:prstGeom prst="rect">
+            <a:avLst/>
+          </a:prstGeom>
+        </p:spPr>
+        <p:txBody>
+          <a:bodyPr>
+            <a:normAutofit/>
+          </a:bodyPr>
+          <a:lstStyle>
+            <a:lvl1pPr marL="342900" indent="-342900" algn="l" defTabSz="457200" rtl="0" eaLnBrk="1" latinLnBrk="0" hangingPunct="1">
+              <a:spcBef>
+                <a:spcPct val="20000"/>
+              </a:spcBef>
+              <a:buFont typeface="Arial"/>
+              <a:buChar char="•"/>
+              <a:defRPr sz="3200" kern="1200">
+                <a:solidFill>
+                  <a:schemeClr val="bg1"/>
+                </a:solidFill>
+                <a:latin typeface="Arial" panose="020B0604020202020204" pitchFamily="34" charset="0"/>
+                <a:ea typeface="+mn-ea"/>
+                <a:cs typeface="Arial" panose="020B0604020202020204" pitchFamily="34" charset="0"/>
+              </a:defRPr>
+            </a:lvl1pPr>
+            <a:lvl2pPr marL="742950" indent="-285750" algn="l" defTabSz="457200" rtl="0" eaLnBrk="1" latinLnBrk="0" hangingPunct="1">
+              <a:spcBef>
+                <a:spcPct val="20000"/>
+              </a:spcBef>
+              <a:buFont typeface="Arial"/>
+              <a:buChar char="–"/>
+              <a:defRPr sz="2800" kern="1200">
+                <a:solidFill>
+                  <a:schemeClr val="bg1"/>
+                </a:solidFill>
+                <a:latin typeface="Arial" panose="020B0604020202020204" pitchFamily="34" charset="0"/>
+                <a:ea typeface="+mn-ea"/>
+                <a:cs typeface="Arial" panose="020B0604020202020204" pitchFamily="34" charset="0"/>
+              </a:defRPr>
+            </a:lvl2pPr>
+            <a:lvl3pPr marL="1143000" indent="-228600" algn="l" defTabSz="457200" rtl="0" eaLnBrk="1" latinLnBrk="0" hangingPunct="1">
+              <a:spcBef>
+                <a:spcPct val="20000"/>
+              </a:spcBef>
+              <a:buFont typeface="Arial"/>
+              <a:buChar char="•"/>
+              <a:defRPr sz="2400" kern="1200">
+                <a:solidFill>
+                  <a:schemeClr val="bg1"/>
+                </a:solidFill>
+                <a:latin typeface="Arial" panose="020B0604020202020204" pitchFamily="34" charset="0"/>
+                <a:ea typeface="+mn-ea"/>
+                <a:cs typeface="Arial" panose="020B0604020202020204" pitchFamily="34" charset="0"/>
+              </a:defRPr>
+            </a:lvl3pPr>
+            <a:lvl4pPr marL="1600200" indent="-228600" algn="l" defTabSz="457200" rtl="0" eaLnBrk="1" latinLnBrk="0" hangingPunct="1">
+              <a:spcBef>
+                <a:spcPct val="20000"/>
+              </a:spcBef>
+              <a:buFont typeface="Arial"/>
+              <a:buChar char="–"/>
+              <a:defRPr sz="2000" kern="1200">
+                <a:solidFill>
+                  <a:schemeClr val="bg1"/>
+                </a:solidFill>
+                <a:latin typeface="Arial" panose="020B0604020202020204" pitchFamily="34" charset="0"/>
+                <a:ea typeface="+mn-ea"/>
+                <a:cs typeface="Arial" panose="020B0604020202020204" pitchFamily="34" charset="0"/>
+              </a:defRPr>
+            </a:lvl4pPr>
+            <a:lvl5pPr marL="2057400" indent="-228600" algn="l" defTabSz="457200" rtl="0" eaLnBrk="1" latinLnBrk="0" hangingPunct="1">
+              <a:spcBef>
+                <a:spcPct val="20000"/>
+              </a:spcBef>
+              <a:buFont typeface="Arial"/>
+              <a:buChar char="»"/>
+              <a:defRPr sz="2000" kern="1200">
+                <a:solidFill>
+                  <a:schemeClr val="bg1"/>
+                </a:solidFill>
+                <a:latin typeface="Arial" panose="020B0604020202020204" pitchFamily="34" charset="0"/>
+                <a:ea typeface="+mn-ea"/>
+                <a:cs typeface="Arial" panose="020B0604020202020204" pitchFamily="34" charset="0"/>
+              </a:defRPr>
+            </a:lvl5pPr>
+            <a:lvl6pPr marL="2514600" indent="-228600" algn="l" defTabSz="457200" rtl="0" eaLnBrk="1" latinLnBrk="0" hangingPunct="1">
+              <a:spcBef>
+                <a:spcPct val="20000"/>
+              </a:spcBef>
+              <a:buFont typeface="Arial"/>
+              <a:buChar char="•"/>
+              <a:defRPr sz="2000" kern="1200">
+                <a:solidFill>
+                  <a:schemeClr val="tx1"/>
+                </a:solidFill>
+                <a:latin typeface="+mn-lt"/>
+                <a:ea typeface="+mn-ea"/>
+                <a:cs typeface="+mn-cs"/>
+              </a:defRPr>
+            </a:lvl6pPr>
+            <a:lvl7pPr marL="2971800" indent="-228600" algn="l" defTabSz="457200" rtl="0" eaLnBrk="1" latinLnBrk="0" hangingPunct="1">
+              <a:spcBef>
+                <a:spcPct val="20000"/>
+              </a:spcBef>
+              <a:buFont typeface="Arial"/>
+              <a:buChar char="•"/>
+              <a:defRPr sz="2000" kern="1200">
+                <a:solidFill>
+                  <a:schemeClr val="tx1"/>
+                </a:solidFill>
+                <a:latin typeface="+mn-lt"/>
+                <a:ea typeface="+mn-ea"/>
+                <a:cs typeface="+mn-cs"/>
+              </a:defRPr>
+            </a:lvl7pPr>
+            <a:lvl8pPr marL="3429000" indent="-228600" algn="l" defTabSz="457200" rtl="0" eaLnBrk="1" latinLnBrk="0" hangingPunct="1">
+              <a:spcBef>
+                <a:spcPct val="20000"/>
+              </a:spcBef>
+              <a:buFont typeface="Arial"/>
+              <a:buChar char="•"/>
+              <a:defRPr sz="2000" kern="1200">
+                <a:solidFill>
+                  <a:schemeClr val="tx1"/>
+                </a:solidFill>
+                <a:latin typeface="+mn-lt"/>
+                <a:ea typeface="+mn-ea"/>
+                <a:cs typeface="+mn-cs"/>
+              </a:defRPr>
+            </a:lvl8pPr>
+            <a:lvl9pPr marL="3886200" indent="-228600" algn="l" defTabSz="457200" rtl="0" eaLnBrk="1" latinLnBrk="0" hangingPunct="1">
+              <a:spcBef>
+                <a:spcPct val="20000"/>
+              </a:spcBef>
+              <a:buFont typeface="Arial"/>
+              <a:buChar char="•"/>
+              <a:defRPr sz="2000" kern="1200">
+                <a:solidFill>
+                  <a:schemeClr val="tx1"/>
+                </a:solidFill>
+                <a:latin typeface="+mn-lt"/>
+                <a:ea typeface="+mn-ea"/>
+                <a:cs typeface="+mn-cs"/>
+              </a:defRPr>
+            </a:lvl9pPr>
+          </a:lstStyle>
+          <a:p>
+            <a:pPr marL="0" indent="0">
+              <a:buFont typeface="Arial"/>
+              <a:buNone/>
+            </a:pPr>
+            <a:endParaRPr lang="en-US" sz="1400" dirty="0" smtClean="0"/>
+          </a:p>
+        </p:txBody>
+      </p:sp>
+      <p:sp>
+        <p:nvSpPr>
+          <p:cNvPr id="17" name="Content Placeholder 2"/>
+          <p:cNvSpPr txBox="1">
+            <a:spLocks/>
+          </p:cNvSpPr>
+          <p:nvPr/>
+        </p:nvSpPr>
+        <p:spPr>
+          <a:xfrm>
+            <a:off x="243840" y="2916554"/>
+            <a:ext cx="2672081" cy="629285"/>
+          </a:xfrm>
+          <a:prstGeom prst="rect">
+            <a:avLst/>
+          </a:prstGeom>
+        </p:spPr>
+        <p:txBody>
+          <a:bodyPr>
+            <a:normAutofit/>
+          </a:bodyPr>
+          <a:lstStyle>
+            <a:lvl1pPr marL="342900" indent="-342900" algn="l" defTabSz="457200" rtl="0" eaLnBrk="1" latinLnBrk="0" hangingPunct="1">
+              <a:spcBef>
+                <a:spcPct val="20000"/>
+              </a:spcBef>
+              <a:buFont typeface="Arial"/>
+              <a:buChar char="•"/>
+              <a:defRPr sz="3200" kern="1200">
+                <a:solidFill>
+                  <a:schemeClr val="bg1"/>
+                </a:solidFill>
+                <a:latin typeface="Arial" panose="020B0604020202020204" pitchFamily="34" charset="0"/>
+                <a:ea typeface="+mn-ea"/>
+                <a:cs typeface="Arial" panose="020B0604020202020204" pitchFamily="34" charset="0"/>
+              </a:defRPr>
+            </a:lvl1pPr>
+            <a:lvl2pPr marL="742950" indent="-285750" algn="l" defTabSz="457200" rtl="0" eaLnBrk="1" latinLnBrk="0" hangingPunct="1">
+              <a:spcBef>
+                <a:spcPct val="20000"/>
+              </a:spcBef>
+              <a:buFont typeface="Arial"/>
+              <a:buChar char="–"/>
+              <a:defRPr sz="2800" kern="1200">
+                <a:solidFill>
+                  <a:schemeClr val="bg1"/>
+                </a:solidFill>
+                <a:latin typeface="Arial" panose="020B0604020202020204" pitchFamily="34" charset="0"/>
+                <a:ea typeface="+mn-ea"/>
+                <a:cs typeface="Arial" panose="020B0604020202020204" pitchFamily="34" charset="0"/>
+              </a:defRPr>
+            </a:lvl2pPr>
+            <a:lvl3pPr marL="1143000" indent="-228600" algn="l" defTabSz="457200" rtl="0" eaLnBrk="1" latinLnBrk="0" hangingPunct="1">
+              <a:spcBef>
+                <a:spcPct val="20000"/>
+              </a:spcBef>
+              <a:buFont typeface="Arial"/>
+              <a:buChar char="•"/>
+              <a:defRPr sz="2400" kern="1200">
+                <a:solidFill>
+                  <a:schemeClr val="bg1"/>
+                </a:solidFill>
+                <a:latin typeface="Arial" panose="020B0604020202020204" pitchFamily="34" charset="0"/>
+                <a:ea typeface="+mn-ea"/>
+                <a:cs typeface="Arial" panose="020B0604020202020204" pitchFamily="34" charset="0"/>
+              </a:defRPr>
+            </a:lvl3pPr>
+            <a:lvl4pPr marL="1600200" indent="-228600" algn="l" defTabSz="457200" rtl="0" eaLnBrk="1" latinLnBrk="0" hangingPunct="1">
+              <a:spcBef>
+                <a:spcPct val="20000"/>
+              </a:spcBef>
+              <a:buFont typeface="Arial"/>
+              <a:buChar char="–"/>
+              <a:defRPr sz="2000" kern="1200">
+                <a:solidFill>
+                  <a:schemeClr val="bg1"/>
+                </a:solidFill>
+                <a:latin typeface="Arial" panose="020B0604020202020204" pitchFamily="34" charset="0"/>
+                <a:ea typeface="+mn-ea"/>
+                <a:cs typeface="Arial" panose="020B0604020202020204" pitchFamily="34" charset="0"/>
+              </a:defRPr>
+            </a:lvl4pPr>
+            <a:lvl5pPr marL="2057400" indent="-228600" algn="l" defTabSz="457200" rtl="0" eaLnBrk="1" latinLnBrk="0" hangingPunct="1">
+              <a:spcBef>
+                <a:spcPct val="20000"/>
+              </a:spcBef>
+              <a:buFont typeface="Arial"/>
+              <a:buChar char="»"/>
+              <a:defRPr sz="2000" kern="1200">
+                <a:solidFill>
+                  <a:schemeClr val="bg1"/>
+                </a:solidFill>
+                <a:latin typeface="Arial" panose="020B0604020202020204" pitchFamily="34" charset="0"/>
+                <a:ea typeface="+mn-ea"/>
+                <a:cs typeface="Arial" panose="020B0604020202020204" pitchFamily="34" charset="0"/>
+              </a:defRPr>
+            </a:lvl5pPr>
+            <a:lvl6pPr marL="2514600" indent="-228600" algn="l" defTabSz="457200" rtl="0" eaLnBrk="1" latinLnBrk="0" hangingPunct="1">
+              <a:spcBef>
+                <a:spcPct val="20000"/>
+              </a:spcBef>
+              <a:buFont typeface="Arial"/>
+              <a:buChar char="•"/>
+              <a:defRPr sz="2000" kern="1200">
+                <a:solidFill>
+                  <a:schemeClr val="tx1"/>
+                </a:solidFill>
+                <a:latin typeface="+mn-lt"/>
+                <a:ea typeface="+mn-ea"/>
+                <a:cs typeface="+mn-cs"/>
+              </a:defRPr>
+            </a:lvl6pPr>
+            <a:lvl7pPr marL="2971800" indent="-228600" algn="l" defTabSz="457200" rtl="0" eaLnBrk="1" latinLnBrk="0" hangingPunct="1">
+              <a:spcBef>
+                <a:spcPct val="20000"/>
+              </a:spcBef>
+              <a:buFont typeface="Arial"/>
+              <a:buChar char="•"/>
+              <a:defRPr sz="2000" kern="1200">
+                <a:solidFill>
+                  <a:schemeClr val="tx1"/>
+                </a:solidFill>
+                <a:latin typeface="+mn-lt"/>
+                <a:ea typeface="+mn-ea"/>
+                <a:cs typeface="+mn-cs"/>
+              </a:defRPr>
+            </a:lvl7pPr>
+            <a:lvl8pPr marL="3429000" indent="-228600" algn="l" defTabSz="457200" rtl="0" eaLnBrk="1" latinLnBrk="0" hangingPunct="1">
+              <a:spcBef>
+                <a:spcPct val="20000"/>
+              </a:spcBef>
+              <a:buFont typeface="Arial"/>
+              <a:buChar char="•"/>
+              <a:defRPr sz="2000" kern="1200">
+                <a:solidFill>
+                  <a:schemeClr val="tx1"/>
+                </a:solidFill>
+                <a:latin typeface="+mn-lt"/>
+                <a:ea typeface="+mn-ea"/>
+                <a:cs typeface="+mn-cs"/>
+              </a:defRPr>
+            </a:lvl8pPr>
+            <a:lvl9pPr marL="3886200" indent="-228600" algn="l" defTabSz="457200" rtl="0" eaLnBrk="1" latinLnBrk="0" hangingPunct="1">
+              <a:spcBef>
+                <a:spcPct val="20000"/>
+              </a:spcBef>
+              <a:buFont typeface="Arial"/>
+              <a:buChar char="•"/>
+              <a:defRPr sz="2000" kern="1200">
+                <a:solidFill>
+                  <a:schemeClr val="tx1"/>
+                </a:solidFill>
+                <a:latin typeface="+mn-lt"/>
+                <a:ea typeface="+mn-ea"/>
+                <a:cs typeface="+mn-cs"/>
+              </a:defRPr>
+            </a:lvl9pPr>
+          </a:lstStyle>
+          <a:p>
+            <a:pPr marL="0" indent="0">
+              <a:buFont typeface="Arial"/>
+              <a:buNone/>
+            </a:pPr>
+            <a:r>
+              <a:rPr lang="en-US" sz="1400" dirty="0" smtClean="0"/>
+              <a:t>We can use generate </a:t>
+            </a:r>
+          </a:p>
+          <a:p>
+            <a:pPr marL="0" indent="0">
+              <a:buFont typeface="Arial"/>
+              <a:buNone/>
+            </a:pPr>
+            <a:r>
+              <a:rPr lang="en-US" sz="1400" dirty="0" err="1" smtClean="0"/>
+              <a:t>clientId</a:t>
+            </a:r>
+            <a:r>
+              <a:rPr lang="en-US" sz="1400" dirty="0" smtClean="0"/>
+              <a:t> and secrets </a:t>
+            </a:r>
+            <a:endParaRPr lang="en-US" sz="1400" dirty="0" smtClean="0"/>
+          </a:p>
+        </p:txBody>
+      </p:sp>
+      <p:pic>
+        <p:nvPicPr>
+          <p:cNvPr id="18" name="Picture 17"/>
+          <p:cNvPicPr>
+            <a:picLocks noChangeAspect="1"/>
+          </p:cNvPicPr>
+          <p:nvPr/>
+        </p:nvPicPr>
+        <p:blipFill>
+          <a:blip r:embed="rId3"/>
+          <a:stretch>
+            <a:fillRect/>
+          </a:stretch>
+        </p:blipFill>
+        <p:spPr>
+          <a:xfrm>
+            <a:off x="0" y="1161576"/>
+            <a:ext cx="9144000" cy="713579"/>
+          </a:xfrm>
+          <a:prstGeom prst="rect">
+            <a:avLst/>
+          </a:prstGeom>
+        </p:spPr>
+      </p:pic>
+      <p:pic>
+        <p:nvPicPr>
+          <p:cNvPr id="3" name="Picture 2"/>
+          <p:cNvPicPr>
+            <a:picLocks noChangeAspect="1"/>
+          </p:cNvPicPr>
+          <p:nvPr/>
+        </p:nvPicPr>
+        <p:blipFill>
+          <a:blip r:embed="rId4"/>
+          <a:stretch>
+            <a:fillRect/>
+          </a:stretch>
+        </p:blipFill>
+        <p:spPr>
+          <a:xfrm>
+            <a:off x="2582205" y="2661920"/>
+            <a:ext cx="6378915" cy="1747517"/>
+          </a:xfrm>
+          <a:prstGeom prst="rect">
+            <a:avLst/>
+          </a:prstGeom>
+        </p:spPr>
+      </p:pic>
+    </p:spTree>
+    <p:extLst>
+      <p:ext uri="{BB962C8B-B14F-4D97-AF65-F5344CB8AC3E}">
+        <p14:creationId xmlns:p14="http://schemas.microsoft.com/office/powerpoint/2010/main" val="1705984435"/>
+      </p:ext>
+    </p:extLst>
+  </p:cSld>
+  <p:clrMapOvr>
+    <a:masterClrMapping/>
+  </p:clrMapOvr>
+  <mc:AlternateContent xmlns:mc="http://schemas.openxmlformats.org/markup-compatibility/2006" xmlns:p14="http://schemas.microsoft.com/office/powerpoint/2010/main">
+    <mc:Choice Requires="p14">
+      <p:transition spd="slow" p14:dur="2000"/>
+    </mc:Choice>
+    <mc:Fallback xmlns="">
+      <p:transition xmlns:p14="http://schemas.microsoft.com/office/powerpoint/2010/main" spd="slow"/>
+    </mc:Fallback>
+  </mc:AlternateContent>
+  <p:timing>
+    <p:tnLst>
+      <p:par>
+        <p:cTn xmlns:p14="http://schemas.microsoft.com/office/powerpoint/2010/main" id="1" dur="indefinite" restart="never" nodeType="tmRoot"/>
+      </p:par>
+    </p:tnLst>
+  </p:timing>
+</p:sld>
+</file>
+
+<file path=ppt/slides/slide7.xml><?xml version="1.0" encoding="utf-8"?>
+<p:sld xmlns:a="http://schemas.openxmlformats.org/drawingml/2006/main" xmlns:r="http://schemas.openxmlformats.org/officeDocument/2006/relationships" xmlns:p="http://schemas.openxmlformats.org/presentationml/2006/main">
+  <p:cSld>
+    <p:spTree>
+      <p:nvGrpSpPr>
+        <p:cNvPr id="1" name=""/>
+        <p:cNvGrpSpPr/>
+        <p:nvPr/>
+      </p:nvGrpSpPr>
+      <p:grpSpPr>
+        <a:xfrm>
+          <a:off x="0" y="0"/>
+          <a:ext cx="0" cy="0"/>
+          <a:chOff x="0" y="0"/>
+          <a:chExt cx="0" cy="0"/>
+        </a:xfrm>
+      </p:grpSpPr>
+      <p:sp>
+        <p:nvSpPr>
+          <p:cNvPr id="2" name="Title 1"/>
+          <p:cNvSpPr>
+            <a:spLocks noGrp="1"/>
+          </p:cNvSpPr>
+          <p:nvPr>
+            <p:ph type="title"/>
+          </p:nvPr>
+        </p:nvSpPr>
+        <p:spPr/>
+        <p:txBody>
+          <a:bodyPr/>
+          <a:lstStyle/>
+          <a:p>
+            <a:r>
+              <a:rPr lang="en-US" dirty="0" smtClean="0"/>
+              <a:t>OAuth Bearer Token</a:t>
+            </a:r>
+            <a:endParaRPr lang="en-US" dirty="0">
+              <a:solidFill>
+                <a:srgbClr val="138A7E"/>
+              </a:solidFill>
+            </a:endParaRPr>
+          </a:p>
+        </p:txBody>
+      </p:sp>
+      <p:sp>
+        <p:nvSpPr>
+          <p:cNvPr id="7" name="Content Placeholder 2"/>
+          <p:cNvSpPr txBox="1">
+            <a:spLocks/>
+          </p:cNvSpPr>
+          <p:nvPr/>
+        </p:nvSpPr>
+        <p:spPr>
+          <a:xfrm>
+            <a:off x="3749040" y="2212656"/>
+            <a:ext cx="5080000" cy="2298383"/>
+          </a:xfrm>
+          <a:prstGeom prst="rect">
+            <a:avLst/>
+          </a:prstGeom>
+        </p:spPr>
+        <p:txBody>
+          <a:bodyPr>
+            <a:normAutofit/>
+          </a:bodyPr>
+          <a:lstStyle>
+            <a:lvl1pPr marL="342900" indent="-342900" algn="l" defTabSz="457200" rtl="0" eaLnBrk="1" latinLnBrk="0" hangingPunct="1">
+              <a:spcBef>
+                <a:spcPct val="20000"/>
+              </a:spcBef>
+              <a:buFont typeface="Arial"/>
+              <a:buChar char="•"/>
+              <a:defRPr sz="3200" kern="1200">
+                <a:solidFill>
+                  <a:schemeClr val="bg1"/>
+                </a:solidFill>
+                <a:latin typeface="Arial" panose="020B0604020202020204" pitchFamily="34" charset="0"/>
+                <a:ea typeface="+mn-ea"/>
+                <a:cs typeface="Arial" panose="020B0604020202020204" pitchFamily="34" charset="0"/>
+              </a:defRPr>
+            </a:lvl1pPr>
+            <a:lvl2pPr marL="742950" indent="-285750" algn="l" defTabSz="457200" rtl="0" eaLnBrk="1" latinLnBrk="0" hangingPunct="1">
+              <a:spcBef>
+                <a:spcPct val="20000"/>
+              </a:spcBef>
+              <a:buFont typeface="Arial"/>
+              <a:buChar char="–"/>
+              <a:defRPr sz="2800" kern="1200">
+                <a:solidFill>
+                  <a:schemeClr val="bg1"/>
+                </a:solidFill>
+                <a:latin typeface="Arial" panose="020B0604020202020204" pitchFamily="34" charset="0"/>
+                <a:ea typeface="+mn-ea"/>
+                <a:cs typeface="Arial" panose="020B0604020202020204" pitchFamily="34" charset="0"/>
+              </a:defRPr>
+            </a:lvl2pPr>
+            <a:lvl3pPr marL="1143000" indent="-228600" algn="l" defTabSz="457200" rtl="0" eaLnBrk="1" latinLnBrk="0" hangingPunct="1">
+              <a:spcBef>
+                <a:spcPct val="20000"/>
+              </a:spcBef>
+              <a:buFont typeface="Arial"/>
+              <a:buChar char="•"/>
+              <a:defRPr sz="2400" kern="1200">
+                <a:solidFill>
+                  <a:schemeClr val="bg1"/>
+                </a:solidFill>
+                <a:latin typeface="Arial" panose="020B0604020202020204" pitchFamily="34" charset="0"/>
+                <a:ea typeface="+mn-ea"/>
+                <a:cs typeface="Arial" panose="020B0604020202020204" pitchFamily="34" charset="0"/>
+              </a:defRPr>
+            </a:lvl3pPr>
+            <a:lvl4pPr marL="1600200" indent="-228600" algn="l" defTabSz="457200" rtl="0" eaLnBrk="1" latinLnBrk="0" hangingPunct="1">
+              <a:spcBef>
+                <a:spcPct val="20000"/>
+              </a:spcBef>
+              <a:buFont typeface="Arial"/>
+              <a:buChar char="–"/>
+              <a:defRPr sz="2000" kern="1200">
+                <a:solidFill>
+                  <a:schemeClr val="bg1"/>
+                </a:solidFill>
+                <a:latin typeface="Arial" panose="020B0604020202020204" pitchFamily="34" charset="0"/>
+                <a:ea typeface="+mn-ea"/>
+                <a:cs typeface="Arial" panose="020B0604020202020204" pitchFamily="34" charset="0"/>
+              </a:defRPr>
+            </a:lvl4pPr>
+            <a:lvl5pPr marL="2057400" indent="-228600" algn="l" defTabSz="457200" rtl="0" eaLnBrk="1" latinLnBrk="0" hangingPunct="1">
+              <a:spcBef>
+                <a:spcPct val="20000"/>
+              </a:spcBef>
+              <a:buFont typeface="Arial"/>
+              <a:buChar char="»"/>
+              <a:defRPr sz="2000" kern="1200">
+                <a:solidFill>
+                  <a:schemeClr val="bg1"/>
+                </a:solidFill>
+                <a:latin typeface="Arial" panose="020B0604020202020204" pitchFamily="34" charset="0"/>
+                <a:ea typeface="+mn-ea"/>
+                <a:cs typeface="Arial" panose="020B0604020202020204" pitchFamily="34" charset="0"/>
+              </a:defRPr>
+            </a:lvl5pPr>
+            <a:lvl6pPr marL="2514600" indent="-228600" algn="l" defTabSz="457200" rtl="0" eaLnBrk="1" latinLnBrk="0" hangingPunct="1">
+              <a:spcBef>
+                <a:spcPct val="20000"/>
+              </a:spcBef>
+              <a:buFont typeface="Arial"/>
+              <a:buChar char="•"/>
+              <a:defRPr sz="2000" kern="1200">
+                <a:solidFill>
+                  <a:schemeClr val="tx1"/>
+                </a:solidFill>
+                <a:latin typeface="+mn-lt"/>
+                <a:ea typeface="+mn-ea"/>
+                <a:cs typeface="+mn-cs"/>
+              </a:defRPr>
+            </a:lvl6pPr>
+            <a:lvl7pPr marL="2971800" indent="-228600" algn="l" defTabSz="457200" rtl="0" eaLnBrk="1" latinLnBrk="0" hangingPunct="1">
+              <a:spcBef>
+                <a:spcPct val="20000"/>
+              </a:spcBef>
+              <a:buFont typeface="Arial"/>
+              <a:buChar char="•"/>
+              <a:defRPr sz="2000" kern="1200">
+                <a:solidFill>
+                  <a:schemeClr val="tx1"/>
+                </a:solidFill>
+                <a:latin typeface="+mn-lt"/>
+                <a:ea typeface="+mn-ea"/>
+                <a:cs typeface="+mn-cs"/>
+              </a:defRPr>
+            </a:lvl7pPr>
+            <a:lvl8pPr marL="3429000" indent="-228600" algn="l" defTabSz="457200" rtl="0" eaLnBrk="1" latinLnBrk="0" hangingPunct="1">
+              <a:spcBef>
+                <a:spcPct val="20000"/>
+              </a:spcBef>
+              <a:buFont typeface="Arial"/>
+              <a:buChar char="•"/>
+              <a:defRPr sz="2000" kern="1200">
+                <a:solidFill>
+                  <a:schemeClr val="tx1"/>
+                </a:solidFill>
+                <a:latin typeface="+mn-lt"/>
+                <a:ea typeface="+mn-ea"/>
+                <a:cs typeface="+mn-cs"/>
+              </a:defRPr>
+            </a:lvl8pPr>
+            <a:lvl9pPr marL="3886200" indent="-228600" algn="l" defTabSz="457200" rtl="0" eaLnBrk="1" latinLnBrk="0" hangingPunct="1">
+              <a:spcBef>
+                <a:spcPct val="20000"/>
+              </a:spcBef>
+              <a:buFont typeface="Arial"/>
+              <a:buChar char="•"/>
+              <a:defRPr sz="2000" kern="1200">
+                <a:solidFill>
+                  <a:schemeClr val="tx1"/>
+                </a:solidFill>
+                <a:latin typeface="+mn-lt"/>
+                <a:ea typeface="+mn-ea"/>
+                <a:cs typeface="+mn-cs"/>
+              </a:defRPr>
+            </a:lvl9pPr>
+          </a:lstStyle>
+          <a:p>
+            <a:pPr marL="0" indent="0">
+              <a:buFont typeface="Arial"/>
+              <a:buNone/>
+            </a:pPr>
+            <a:endParaRPr lang="en-US" sz="1400" dirty="0" smtClean="0"/>
+          </a:p>
+        </p:txBody>
+      </p:sp>
+      <p:pic>
+        <p:nvPicPr>
+          <p:cNvPr id="3" name="Picture 2"/>
+          <p:cNvPicPr>
+            <a:picLocks noChangeAspect="1"/>
+          </p:cNvPicPr>
+          <p:nvPr/>
+        </p:nvPicPr>
+        <p:blipFill>
+          <a:blip r:embed="rId3"/>
+          <a:stretch>
+            <a:fillRect/>
+          </a:stretch>
+        </p:blipFill>
+        <p:spPr>
+          <a:xfrm>
+            <a:off x="239060" y="1046480"/>
+            <a:ext cx="8671260" cy="3362959"/>
+          </a:xfrm>
+          <a:prstGeom prst="rect">
+            <a:avLst/>
+          </a:prstGeom>
+        </p:spPr>
+      </p:pic>
+    </p:spTree>
+    <p:extLst>
+      <p:ext uri="{BB962C8B-B14F-4D97-AF65-F5344CB8AC3E}">
+        <p14:creationId xmlns:p14="http://schemas.microsoft.com/office/powerpoint/2010/main" val="4134518253"/>
+      </p:ext>
+    </p:extLst>
+  </p:cSld>
+  <p:clrMapOvr>
+    <a:masterClrMapping/>
+  </p:clrMapOvr>
+  <mc:AlternateContent xmlns:mc="http://schemas.openxmlformats.org/markup-compatibility/2006" xmlns:p14="http://schemas.microsoft.com/office/powerpoint/2010/main">
+    <mc:Choice Requires="p14">
+      <p:transition spd="slow" p14:dur="2000"/>
+    </mc:Choice>
+    <mc:Fallback xmlns="">
+      <p:transition xmlns:p14="http://schemas.microsoft.com/office/powerpoint/2010/main" spd="slow"/>
+    </mc:Fallback>
+  </mc:AlternateContent>
+  <p:timing>
+    <p:tnLst>
+      <p:par>
+        <p:cTn xmlns:p14="http://schemas.microsoft.com/office/powerpoint/2010/main" id="1" dur="indefinite" restart="never" nodeType="tmRoot"/>
+      </p:par>
+    </p:tnLst>
+  </p:timing>
+</p:sld>
+</file>
+
+<file path=ppt/slides/slide8.xml><?xml version="1.0" encoding="utf-8"?>
 <p:sld xmlns:a="http://schemas.openxmlformats.org/drawingml/2006/main" xmlns:r="http://schemas.openxmlformats.org/officeDocument/2006/relationships" xmlns:p="http://schemas.openxmlformats.org/presentationml/2006/main">
   <p:cSld>
     <p:spTree>

--- a/Session_6_Spring_Security.pptx
+++ b/Session_6_Spring_Security.pptx
@@ -4563,7 +4563,7 @@
         </p:nvSpPr>
         <p:spPr>
           <a:xfrm>
-            <a:off x="457199" y="1108075"/>
+            <a:off x="457199" y="1341754"/>
             <a:ext cx="8453121" cy="1381126"/>
           </a:xfrm>
         </p:spPr>
@@ -4580,30 +4580,6 @@
               <a:rPr lang="en-US" sz="1400" dirty="0" smtClean="0"/>
               <a:t>a framework that focuses on providing both authentication and authorization to Java and Groovy applications</a:t>
             </a:r>
-          </a:p>
-          <a:p>
-            <a:pPr marL="0" indent="0">
-              <a:buNone/>
-            </a:pPr>
-            <a:endParaRPr lang="en-US" sz="1400" dirty="0"/>
-          </a:p>
-          <a:p>
-            <a:pPr marL="0" indent="0">
-              <a:buNone/>
-            </a:pPr>
-            <a:r>
-              <a:rPr lang="en-US" sz="1400" dirty="0" smtClean="0"/>
-              <a:t>It makes it </a:t>
-            </a:r>
-            <a:r>
-              <a:rPr lang="en-US" sz="1400" i="1" u="sng" dirty="0" smtClean="0"/>
-              <a:t>easy to use </a:t>
-            </a:r>
-            <a:r>
-              <a:rPr lang="en-US" sz="1400" dirty="0" smtClean="0"/>
-              <a:t>data access technologies, relational and non-relational databases, map-reduce frameworks, and cloud-based data services.</a:t>
-            </a:r>
-            <a:endParaRPr lang="en-US" sz="1400" dirty="0" smtClean="0"/>
           </a:p>
         </p:txBody>
       </p:sp>
@@ -6727,7 +6703,7 @@
           <a:p>
             <a:r>
               <a:rPr lang="en-US" dirty="0" smtClean="0"/>
-              <a:t>Spring Data JPA</a:t>
+              <a:t>Spring Security</a:t>
             </a:r>
             <a:endParaRPr lang="en-US" dirty="0">
               <a:solidFill>
@@ -7012,7 +6988,7 @@
         </p:blipFill>
         <p:spPr>
           <a:xfrm>
-            <a:off x="3474720" y="3218274"/>
+            <a:off x="3129280" y="3174870"/>
             <a:ext cx="4683760" cy="1673523"/>
           </a:xfrm>
           <a:prstGeom prst="rect">
@@ -8161,7 +8137,7 @@
         <p:spPr>
           <a:xfrm>
             <a:off x="243840" y="2916554"/>
-            <a:ext cx="2672081" cy="629285"/>
+            <a:ext cx="2672081" cy="995046"/>
           </a:xfrm>
           <a:prstGeom prst="rect">
             <a:avLst/>
@@ -8315,7 +8291,7 @@
             </a:pPr>
             <a:r>
               <a:rPr lang="en-US" sz="1400" dirty="0" smtClean="0"/>
-              <a:t>We can use generate </a:t>
+              <a:t>We can use generated </a:t>
             </a:r>
           </a:p>
           <a:p>
@@ -8329,7 +8305,21 @@
             </a:r>
             <a:r>
               <a:rPr lang="en-US" sz="1400" dirty="0" smtClean="0"/>
-              <a:t> and secrets </a:t>
+              <a:t> and secrets to</a:t>
+            </a:r>
+          </a:p>
+          <a:p>
+            <a:pPr marL="0" indent="0">
+              <a:buFont typeface="Arial"/>
+              <a:buNone/>
+            </a:pPr>
+            <a:r>
+              <a:rPr lang="en-US" sz="1400" dirty="0"/>
+              <a:t>r</a:t>
+            </a:r>
+            <a:r>
+              <a:rPr lang="en-US" sz="1400" dirty="0" smtClean="0"/>
+              <a:t>etrieve Bearer Token</a:t>
             </a:r>
             <a:endParaRPr lang="en-US" sz="1400" dirty="0" smtClean="0"/>
           </a:p>
